--- a/OSOC-Final.pptx
+++ b/OSOC-Final.pptx
@@ -4,6 +4,9 @@
   <p:sldMasterIdLst>
     <p:sldMasterId id="2147483648" r:id="rId1"/>
   </p:sldMasterIdLst>
+  <p:notesMasterIdLst>
+    <p:notesMasterId r:id="rId18"/>
+  </p:notesMasterIdLst>
   <p:sldIdLst>
     <p:sldId id="256" r:id="rId2"/>
     <p:sldId id="272" r:id="rId3"/>
@@ -119,6 +122,11 @@
       </a:defRPr>
     </a:lvl9pPr>
   </p:defaultTextStyle>
+  <p:extLst>
+    <p:ext uri="{EFAFB233-063F-42B5-8137-9DF3F51BA10A}">
+      <p15:sldGuideLst xmlns:p15="http://schemas.microsoft.com/office/powerpoint/2012/main"/>
+    </p:ext>
+  </p:extLst>
 </p:presentation>
 </file>
 
@@ -928,13 +936,8 @@
         <a:p>
           <a:r>
             <a:rPr lang="en-US" b="1" dirty="0"/>
-            <a:t>Feeding </a:t>
+            <a:t>Feeding Entrada Using a Script</a:t>
           </a:r>
-          <a:r>
-            <a:rPr lang="en-US" b="1" dirty="0" smtClean="0"/>
-            <a:t>Entrada Using a Script</a:t>
-          </a:r>
-          <a:endParaRPr lang="en-US" b="1" dirty="0"/>
         </a:p>
       </dgm:t>
     </dgm:pt>
@@ -969,13 +972,8 @@
         <a:p>
           <a:r>
             <a:rPr lang="en-US" dirty="0"/>
-            <a:t>Send files between </a:t>
+            <a:t>Send files between machines.</a:t>
           </a:r>
-          <a:r>
-            <a:rPr lang="en-US" dirty="0" smtClean="0"/>
-            <a:t>machines.</a:t>
-          </a:r>
-          <a:endParaRPr lang="en-US" dirty="0"/>
         </a:p>
       </dgm:t>
     </dgm:pt>
@@ -1047,13 +1045,8 @@
           <a:pPr rtl="0"/>
           <a:r>
             <a:rPr lang="en-US" b="1" dirty="0"/>
-            <a:t>Modify </a:t>
+            <a:t>Modify Entrada Code</a:t>
           </a:r>
-          <a:r>
-            <a:rPr lang="en-US" b="1" dirty="0" smtClean="0"/>
-            <a:t>Entrada Code</a:t>
-          </a:r>
-          <a:endParaRPr lang="en-US" b="1" dirty="0"/>
         </a:p>
       </dgm:t>
     </dgm:pt>
@@ -1124,13 +1117,8 @@
         <a:p>
           <a:r>
             <a:rPr lang="en-US" dirty="0"/>
-            <a:t>Split PCAP files </a:t>
+            <a:t>Split PCAP files to 5 minutes intervals. </a:t>
           </a:r>
-          <a:r>
-            <a:rPr lang="en-US" dirty="0" smtClean="0"/>
-            <a:t>to 5 minutes intervals. </a:t>
-          </a:r>
-          <a:endParaRPr lang="en-US" dirty="0"/>
         </a:p>
       </dgm:t>
     </dgm:pt>
@@ -1164,18 +1152,9 @@
         <a:lstStyle/>
         <a:p>
           <a:r>
-            <a:rPr lang="en-US" dirty="0" smtClean="0"/>
-            <a:t>Name files </a:t>
+            <a:rPr lang="en-US" dirty="0"/>
+            <a:t>Name files in special format.</a:t>
           </a:r>
-          <a:r>
-            <a:rPr lang="en-US" dirty="0"/>
-            <a:t>in special </a:t>
-          </a:r>
-          <a:r>
-            <a:rPr lang="en-US" dirty="0" smtClean="0"/>
-            <a:t>format.</a:t>
-          </a:r>
-          <a:endParaRPr lang="en-US" dirty="0"/>
         </a:p>
       </dgm:t>
     </dgm:pt>
@@ -1282,13 +1261,6 @@
         </dgm:presLayoutVars>
       </dgm:prSet>
       <dgm:spPr/>
-      <dgm:t>
-        <a:bodyPr/>
-        <a:lstStyle/>
-        <a:p>
-          <a:endParaRPr lang="en-US"/>
-        </a:p>
-      </dgm:t>
     </dgm:pt>
     <dgm:pt modelId="{04AAB2E5-5DB6-4DBD-87A1-5787A75C82E9}" type="pres">
       <dgm:prSet presAssocID="{5BA88B08-F59C-4A55-B5FD-23213CFF1682}" presName="composite" presStyleCnt="0"/>
@@ -1302,13 +1274,6 @@
         </dgm:presLayoutVars>
       </dgm:prSet>
       <dgm:spPr/>
-      <dgm:t>
-        <a:bodyPr/>
-        <a:lstStyle/>
-        <a:p>
-          <a:endParaRPr lang="en-US"/>
-        </a:p>
-      </dgm:t>
     </dgm:pt>
     <dgm:pt modelId="{B79D303A-AEC4-4B03-B379-8552A43CE394}" type="pres">
       <dgm:prSet presAssocID="{5BA88B08-F59C-4A55-B5FD-23213CFF1682}" presName="descendantText" presStyleLbl="alignAcc1" presStyleIdx="0" presStyleCnt="2">
@@ -1317,13 +1282,6 @@
         </dgm:presLayoutVars>
       </dgm:prSet>
       <dgm:spPr/>
-      <dgm:t>
-        <a:bodyPr/>
-        <a:lstStyle/>
-        <a:p>
-          <a:endParaRPr lang="en-US"/>
-        </a:p>
-      </dgm:t>
     </dgm:pt>
     <dgm:pt modelId="{76A2954E-EBDF-41F4-9A6D-197D29542D78}" type="pres">
       <dgm:prSet presAssocID="{39363A2F-EF6F-436E-839D-D3EA31BCFD2C}" presName="sp" presStyleCnt="0"/>
@@ -1341,13 +1299,6 @@
         </dgm:presLayoutVars>
       </dgm:prSet>
       <dgm:spPr/>
-      <dgm:t>
-        <a:bodyPr/>
-        <a:lstStyle/>
-        <a:p>
-          <a:endParaRPr lang="en-US"/>
-        </a:p>
-      </dgm:t>
     </dgm:pt>
     <dgm:pt modelId="{295D754D-6513-4956-AC1F-A3E1A19F0F0D}" type="pres">
       <dgm:prSet presAssocID="{90F72996-CC39-4B1E-9099-A280EA523148}" presName="descendantText" presStyleLbl="alignAcc1" presStyleIdx="1" presStyleCnt="2">
@@ -1356,37 +1307,30 @@
         </dgm:presLayoutVars>
       </dgm:prSet>
       <dgm:spPr/>
-      <dgm:t>
-        <a:bodyPr/>
-        <a:lstStyle/>
-        <a:p>
-          <a:endParaRPr lang="en-US"/>
-        </a:p>
-      </dgm:t>
     </dgm:pt>
   </dgm:ptLst>
   <dgm:cxnLst>
+    <dgm:cxn modelId="{CAEF6F2D-7730-4749-B55B-D7341F862498}" type="presOf" srcId="{8DF17557-66C0-40CB-B6F0-832C992AB0A6}" destId="{B79D303A-AEC4-4B03-B379-8552A43CE394}" srcOrd="0" destOrd="2" presId="urn:microsoft.com/office/officeart/2005/8/layout/chevron2"/>
+    <dgm:cxn modelId="{3D24D835-3317-4F70-95B6-6FFC00E130DA}" srcId="{D47BF227-506D-493D-933E-99DE22B00514}" destId="{8DF17557-66C0-40CB-B6F0-832C992AB0A6}" srcOrd="1" destOrd="0" parTransId="{90555DC5-7517-4801-A88C-682CEA928D44}" sibTransId="{626A3A22-7F40-4F51-9C2D-8F2FAA6A11C5}"/>
+    <dgm:cxn modelId="{B6A9213A-742E-894A-B24F-529D4E2BF730}" type="presOf" srcId="{2C74D283-FFF3-45B1-9AEE-B142FEC0122A}" destId="{295D754D-6513-4956-AC1F-A3E1A19F0F0D}" srcOrd="0" destOrd="0" presId="urn:microsoft.com/office/officeart/2005/8/layout/chevron2"/>
+    <dgm:cxn modelId="{519C653B-E82D-AF43-99E8-87CA8ADD6F90}" type="presOf" srcId="{A1D954AC-509F-4FD9-92DA-805D7F9BEC07}" destId="{295D754D-6513-4956-AC1F-A3E1A19F0F0D}" srcOrd="0" destOrd="2" presId="urn:microsoft.com/office/officeart/2005/8/layout/chevron2"/>
+    <dgm:cxn modelId="{77673764-4980-2442-9D47-E62EA214C241}" type="presOf" srcId="{5BA88B08-F59C-4A55-B5FD-23213CFF1682}" destId="{A8C6B3BF-FF5D-4467-B003-16377340DF62}" srcOrd="0" destOrd="0" presId="urn:microsoft.com/office/officeart/2005/8/layout/chevron2"/>
+    <dgm:cxn modelId="{537CEB6B-D23C-43D8-A66B-6E6FC8528A71}" srcId="{2C74D283-FFF3-45B1-9AEE-B142FEC0122A}" destId="{A1D954AC-509F-4FD9-92DA-805D7F9BEC07}" srcOrd="1" destOrd="0" parTransId="{A31F6E1D-F7B6-4D78-83F1-2EC72D9BEBF4}" sibTransId="{1306D31F-3340-4C1D-B06A-6587448E203C}"/>
     <dgm:cxn modelId="{9D1AFB6D-A697-4AAF-AEE4-5A3567A2AAF5}" srcId="{2C74D283-FFF3-45B1-9AEE-B142FEC0122A}" destId="{656EC3D2-E9FE-4758-A4A2-E7058F9C9FF2}" srcOrd="2" destOrd="0" parTransId="{E5A25A38-A1C2-4076-9E57-531D3500D729}" sibTransId="{1BDC6683-80A1-435B-B94C-47E6764CF79C}"/>
-    <dgm:cxn modelId="{519C653B-E82D-AF43-99E8-87CA8ADD6F90}" type="presOf" srcId="{A1D954AC-509F-4FD9-92DA-805D7F9BEC07}" destId="{295D754D-6513-4956-AC1F-A3E1A19F0F0D}" srcOrd="0" destOrd="2" presId="urn:microsoft.com/office/officeart/2005/8/layout/chevron2"/>
-    <dgm:cxn modelId="{3D24D835-3317-4F70-95B6-6FFC00E130DA}" srcId="{D47BF227-506D-493D-933E-99DE22B00514}" destId="{8DF17557-66C0-40CB-B6F0-832C992AB0A6}" srcOrd="1" destOrd="0" parTransId="{90555DC5-7517-4801-A88C-682CEA928D44}" sibTransId="{626A3A22-7F40-4F51-9C2D-8F2FAA6A11C5}"/>
-    <dgm:cxn modelId="{77673764-4980-2442-9D47-E62EA214C241}" type="presOf" srcId="{5BA88B08-F59C-4A55-B5FD-23213CFF1682}" destId="{A8C6B3BF-FF5D-4467-B003-16377340DF62}" srcOrd="0" destOrd="0" presId="urn:microsoft.com/office/officeart/2005/8/layout/chevron2"/>
+    <dgm:cxn modelId="{981A374E-FE66-8342-8003-FED047F19676}" type="presOf" srcId="{656EC3D2-E9FE-4758-A4A2-E7058F9C9FF2}" destId="{295D754D-6513-4956-AC1F-A3E1A19F0F0D}" srcOrd="0" destOrd="3" presId="urn:microsoft.com/office/officeart/2005/8/layout/chevron2"/>
+    <dgm:cxn modelId="{1AD68677-92E6-48EA-9E42-33743CFBA5A2}" srcId="{D47BF227-506D-493D-933E-99DE22B00514}" destId="{A0DADAA4-6FC5-453C-B51F-0B94CEAC6BCF}" srcOrd="0" destOrd="0" parTransId="{D4F0301E-1A9D-4D7F-BA48-599E9438B49C}" sibTransId="{3FD9D28E-DC0B-46AE-A7A1-4B6C4A3C847E}"/>
+    <dgm:cxn modelId="{63073A89-4FA8-6D42-A25B-28FF7D61E6D8}" type="presOf" srcId="{0307DA00-481D-4BD6-846B-33BEE38B7DB1}" destId="{48F80B76-55D2-41A6-9050-A7243B7AC074}" srcOrd="0" destOrd="0" presId="urn:microsoft.com/office/officeart/2005/8/layout/chevron2"/>
+    <dgm:cxn modelId="{F9ADDE95-69FC-2C42-A92F-FF237AFEDC10}" type="presOf" srcId="{D47BF227-506D-493D-933E-99DE22B00514}" destId="{B79D303A-AEC4-4B03-B379-8552A43CE394}" srcOrd="0" destOrd="0" presId="urn:microsoft.com/office/officeart/2005/8/layout/chevron2"/>
+    <dgm:cxn modelId="{7084AFBE-8E72-490F-8322-71262C001AE4}" srcId="{D47BF227-506D-493D-933E-99DE22B00514}" destId="{BBF82890-7122-4537-B52B-E4F20ED1F867}" srcOrd="2" destOrd="0" parTransId="{9425167E-6E9D-4A98-A0D9-17165470087A}" sibTransId="{3CE1F748-9D67-4059-A103-9F3E544A2C86}"/>
+    <dgm:cxn modelId="{75B0E4BE-EE34-4F43-BFC3-E0671B6253B1}" srcId="{90F72996-CC39-4B1E-9099-A280EA523148}" destId="{2C74D283-FFF3-45B1-9AEE-B142FEC0122A}" srcOrd="0" destOrd="0" parTransId="{BAE4AF88-17CD-4366-98C9-E08F0FD0E627}" sibTransId="{7A9BFEBD-3AFF-4B7C-A7BD-C18BC3B1ED74}"/>
+    <dgm:cxn modelId="{46E052C2-BE7B-405A-8220-71D0D516FC9A}" srcId="{0307DA00-481D-4BD6-846B-33BEE38B7DB1}" destId="{90F72996-CC39-4B1E-9099-A280EA523148}" srcOrd="1" destOrd="0" parTransId="{4185CCCD-6C3C-4AF9-A782-31FE11B69714}" sibTransId="{573537D8-2BE1-456F-9339-F39922F6334B}"/>
+    <dgm:cxn modelId="{473CC3C4-3F2A-427B-9993-DC6412C481DB}" srcId="{2C74D283-FFF3-45B1-9AEE-B142FEC0122A}" destId="{0270EB40-29E7-4816-A291-4EF809864188}" srcOrd="0" destOrd="0" parTransId="{B5DE3FC1-81E1-4749-92E1-9B8BFE51F456}" sibTransId="{D6874FA6-C412-42BD-8D42-2503D6C20AD7}"/>
     <dgm:cxn modelId="{30C91AC9-4984-0D41-A9E0-429E5544DE6E}" type="presOf" srcId="{90F72996-CC39-4B1E-9099-A280EA523148}" destId="{9D686F25-77BB-4530-9949-D39A26D4065C}" srcOrd="0" destOrd="0" presId="urn:microsoft.com/office/officeart/2005/8/layout/chevron2"/>
     <dgm:cxn modelId="{8D5481CC-B5C2-4A25-B5B9-4A398A07EC7D}" srcId="{0307DA00-481D-4BD6-846B-33BEE38B7DB1}" destId="{5BA88B08-F59C-4A55-B5FD-23213CFF1682}" srcOrd="0" destOrd="0" parTransId="{7804942A-410A-46CC-8D20-866FAA5746EC}" sibTransId="{39363A2F-EF6F-436E-839D-D3EA31BCFD2C}"/>
-    <dgm:cxn modelId="{981A374E-FE66-8342-8003-FED047F19676}" type="presOf" srcId="{656EC3D2-E9FE-4758-A4A2-E7058F9C9FF2}" destId="{295D754D-6513-4956-AC1F-A3E1A19F0F0D}" srcOrd="0" destOrd="3" presId="urn:microsoft.com/office/officeart/2005/8/layout/chevron2"/>
-    <dgm:cxn modelId="{75B0E4BE-EE34-4F43-BFC3-E0671B6253B1}" srcId="{90F72996-CC39-4B1E-9099-A280EA523148}" destId="{2C74D283-FFF3-45B1-9AEE-B142FEC0122A}" srcOrd="0" destOrd="0" parTransId="{BAE4AF88-17CD-4366-98C9-E08F0FD0E627}" sibTransId="{7A9BFEBD-3AFF-4B7C-A7BD-C18BC3B1ED74}"/>
+    <dgm:cxn modelId="{29D372CD-4BF9-314D-84EB-F7A853C65016}" type="presOf" srcId="{BBF82890-7122-4537-B52B-E4F20ED1F867}" destId="{B79D303A-AEC4-4B03-B379-8552A43CE394}" srcOrd="0" destOrd="3" presId="urn:microsoft.com/office/officeart/2005/8/layout/chevron2"/>
     <dgm:cxn modelId="{8C188AF5-6514-1E47-9BD2-9CFE45FC3B39}" type="presOf" srcId="{A0DADAA4-6FC5-453C-B51F-0B94CEAC6BCF}" destId="{B79D303A-AEC4-4B03-B379-8552A43CE394}" srcOrd="0" destOrd="1" presId="urn:microsoft.com/office/officeart/2005/8/layout/chevron2"/>
-    <dgm:cxn modelId="{29D372CD-4BF9-314D-84EB-F7A853C65016}" type="presOf" srcId="{BBF82890-7122-4537-B52B-E4F20ED1F867}" destId="{B79D303A-AEC4-4B03-B379-8552A43CE394}" srcOrd="0" destOrd="3" presId="urn:microsoft.com/office/officeart/2005/8/layout/chevron2"/>
     <dgm:cxn modelId="{76552FF6-BDE4-474C-AD32-B50F6A8E87BE}" srcId="{5BA88B08-F59C-4A55-B5FD-23213CFF1682}" destId="{D47BF227-506D-493D-933E-99DE22B00514}" srcOrd="0" destOrd="0" parTransId="{24876323-407F-48DB-9DA8-8C640F29965E}" sibTransId="{61D06881-6805-450B-B6B9-967A680AD2A3}"/>
-    <dgm:cxn modelId="{46E052C2-BE7B-405A-8220-71D0D516FC9A}" srcId="{0307DA00-481D-4BD6-846B-33BEE38B7DB1}" destId="{90F72996-CC39-4B1E-9099-A280EA523148}" srcOrd="1" destOrd="0" parTransId="{4185CCCD-6C3C-4AF9-A782-31FE11B69714}" sibTransId="{573537D8-2BE1-456F-9339-F39922F6334B}"/>
-    <dgm:cxn modelId="{CAEF6F2D-7730-4749-B55B-D7341F862498}" type="presOf" srcId="{8DF17557-66C0-40CB-B6F0-832C992AB0A6}" destId="{B79D303A-AEC4-4B03-B379-8552A43CE394}" srcOrd="0" destOrd="2" presId="urn:microsoft.com/office/officeart/2005/8/layout/chevron2"/>
-    <dgm:cxn modelId="{1AD68677-92E6-48EA-9E42-33743CFBA5A2}" srcId="{D47BF227-506D-493D-933E-99DE22B00514}" destId="{A0DADAA4-6FC5-453C-B51F-0B94CEAC6BCF}" srcOrd="0" destOrd="0" parTransId="{D4F0301E-1A9D-4D7F-BA48-599E9438B49C}" sibTransId="{3FD9D28E-DC0B-46AE-A7A1-4B6C4A3C847E}"/>
-    <dgm:cxn modelId="{537CEB6B-D23C-43D8-A66B-6E6FC8528A71}" srcId="{2C74D283-FFF3-45B1-9AEE-B142FEC0122A}" destId="{A1D954AC-509F-4FD9-92DA-805D7F9BEC07}" srcOrd="1" destOrd="0" parTransId="{A31F6E1D-F7B6-4D78-83F1-2EC72D9BEBF4}" sibTransId="{1306D31F-3340-4C1D-B06A-6587448E203C}"/>
-    <dgm:cxn modelId="{B6A9213A-742E-894A-B24F-529D4E2BF730}" type="presOf" srcId="{2C74D283-FFF3-45B1-9AEE-B142FEC0122A}" destId="{295D754D-6513-4956-AC1F-A3E1A19F0F0D}" srcOrd="0" destOrd="0" presId="urn:microsoft.com/office/officeart/2005/8/layout/chevron2"/>
     <dgm:cxn modelId="{AE2FADF6-339A-6B42-9BE2-371EEDACF6FA}" type="presOf" srcId="{0270EB40-29E7-4816-A291-4EF809864188}" destId="{295D754D-6513-4956-AC1F-A3E1A19F0F0D}" srcOrd="0" destOrd="1" presId="urn:microsoft.com/office/officeart/2005/8/layout/chevron2"/>
-    <dgm:cxn modelId="{7084AFBE-8E72-490F-8322-71262C001AE4}" srcId="{D47BF227-506D-493D-933E-99DE22B00514}" destId="{BBF82890-7122-4537-B52B-E4F20ED1F867}" srcOrd="2" destOrd="0" parTransId="{9425167E-6E9D-4A98-A0D9-17165470087A}" sibTransId="{3CE1F748-9D67-4059-A103-9F3E544A2C86}"/>
-    <dgm:cxn modelId="{63073A89-4FA8-6D42-A25B-28FF7D61E6D8}" type="presOf" srcId="{0307DA00-481D-4BD6-846B-33BEE38B7DB1}" destId="{48F80B76-55D2-41A6-9050-A7243B7AC074}" srcOrd="0" destOrd="0" presId="urn:microsoft.com/office/officeart/2005/8/layout/chevron2"/>
-    <dgm:cxn modelId="{473CC3C4-3F2A-427B-9993-DC6412C481DB}" srcId="{2C74D283-FFF3-45B1-9AEE-B142FEC0122A}" destId="{0270EB40-29E7-4816-A291-4EF809864188}" srcOrd="0" destOrd="0" parTransId="{B5DE3FC1-81E1-4749-92E1-9B8BFE51F456}" sibTransId="{D6874FA6-C412-42BD-8D42-2503D6C20AD7}"/>
-    <dgm:cxn modelId="{F9ADDE95-69FC-2C42-A92F-FF237AFEDC10}" type="presOf" srcId="{D47BF227-506D-493D-933E-99DE22B00514}" destId="{B79D303A-AEC4-4B03-B379-8552A43CE394}" srcOrd="0" destOrd="0" presId="urn:microsoft.com/office/officeart/2005/8/layout/chevron2"/>
     <dgm:cxn modelId="{9DFDECCA-FFBA-C44F-8491-81B32FE7780F}" type="presParOf" srcId="{48F80B76-55D2-41A6-9050-A7243B7AC074}" destId="{04AAB2E5-5DB6-4DBD-87A1-5787A75C82E9}" srcOrd="0" destOrd="0" presId="urn:microsoft.com/office/officeart/2005/8/layout/chevron2"/>
     <dgm:cxn modelId="{E5FAF37E-B5FC-E44B-ADF7-DCE15C1A5A02}" type="presParOf" srcId="{04AAB2E5-5DB6-4DBD-87A1-5787A75C82E9}" destId="{A8C6B3BF-FF5D-4467-B003-16377340DF62}" srcOrd="0" destOrd="0" presId="urn:microsoft.com/office/officeart/2005/8/layout/chevron2"/>
     <dgm:cxn modelId="{91D2D189-5B27-D049-898D-9BA1DFEE7B92}" type="presParOf" srcId="{04AAB2E5-5DB6-4DBD-87A1-5787A75C82E9}" destId="{B79D303A-AEC4-4B03-B379-8552A43CE394}" srcOrd="1" destOrd="0" presId="urn:microsoft.com/office/officeart/2005/8/layout/chevron2"/>
@@ -1468,7 +1412,7 @@
         </a:bodyPr>
         <a:lstStyle/>
         <a:p>
-          <a:pPr lvl="0" algn="ctr" defTabSz="2489200">
+          <a:pPr marL="0" lvl="0" indent="0" algn="ctr" defTabSz="2489200">
             <a:lnSpc>
               <a:spcPct val="90000"/>
             </a:lnSpc>
@@ -1478,6 +1422,7 @@
             <a:spcAft>
               <a:spcPct val="35000"/>
             </a:spcAft>
+            <a:buNone/>
           </a:pPr>
           <a:r>
             <a:rPr lang="en-US" sz="5600" kern="1200" dirty="0"/>
@@ -1554,17 +1499,12 @@
             <a:spcAft>
               <a:spcPct val="15000"/>
             </a:spcAft>
-            <a:buChar char="••"/>
+            <a:buChar char="•"/>
           </a:pPr>
           <a:r>
             <a:rPr lang="en-US" sz="2200" b="1" kern="1200" dirty="0"/>
-            <a:t>Feeding </a:t>
+            <a:t>Feeding Entrada Using a Script</a:t>
           </a:r>
-          <a:r>
-            <a:rPr lang="en-US" sz="2200" b="1" kern="1200" dirty="0" smtClean="0"/>
-            <a:t>Entrada Using a Script</a:t>
-          </a:r>
-          <a:endParaRPr lang="en-US" sz="2200" b="1" kern="1200" dirty="0"/>
         </a:p>
         <a:p>
           <a:pPr marL="457200" lvl="2" indent="-228600" algn="l" defTabSz="977900">
@@ -1577,17 +1517,12 @@
             <a:spcAft>
               <a:spcPct val="15000"/>
             </a:spcAft>
-            <a:buChar char="••"/>
+            <a:buChar char="•"/>
           </a:pPr>
           <a:r>
             <a:rPr lang="en-US" sz="2200" kern="1200" dirty="0"/>
-            <a:t>Send files between </a:t>
+            <a:t>Send files between machines.</a:t>
           </a:r>
-          <a:r>
-            <a:rPr lang="en-US" sz="2200" kern="1200" dirty="0" smtClean="0"/>
-            <a:t>machines.</a:t>
-          </a:r>
-          <a:endParaRPr lang="en-US" sz="2200" kern="1200" dirty="0"/>
         </a:p>
         <a:p>
           <a:pPr marL="457200" lvl="2" indent="-228600" algn="l" defTabSz="977900">
@@ -1600,17 +1535,12 @@
             <a:spcAft>
               <a:spcPct val="15000"/>
             </a:spcAft>
-            <a:buChar char="••"/>
+            <a:buChar char="•"/>
           </a:pPr>
           <a:r>
             <a:rPr lang="en-US" sz="2200" kern="1200" dirty="0"/>
-            <a:t>Split PCAP files </a:t>
+            <a:t>Split PCAP files to 5 minutes intervals. </a:t>
           </a:r>
-          <a:r>
-            <a:rPr lang="en-US" sz="2200" kern="1200" dirty="0" smtClean="0"/>
-            <a:t>to 5 minutes intervals. </a:t>
-          </a:r>
-          <a:endParaRPr lang="en-US" sz="2200" kern="1200" dirty="0"/>
         </a:p>
         <a:p>
           <a:pPr marL="457200" lvl="2" indent="-228600" algn="l" defTabSz="977900">
@@ -1623,21 +1553,12 @@
             <a:spcAft>
               <a:spcPct val="15000"/>
             </a:spcAft>
-            <a:buChar char="••"/>
+            <a:buChar char="•"/>
           </a:pPr>
           <a:r>
-            <a:rPr lang="en-US" sz="2200" kern="1200" dirty="0" smtClean="0"/>
-            <a:t>Name files </a:t>
+            <a:rPr lang="en-US" sz="2200" kern="1200" dirty="0"/>
+            <a:t>Name files in special format.</a:t>
           </a:r>
-          <a:r>
-            <a:rPr lang="en-US" sz="2200" kern="1200" dirty="0"/>
-            <a:t>in special </a:t>
-          </a:r>
-          <a:r>
-            <a:rPr lang="en-US" sz="2200" kern="1200" dirty="0" smtClean="0"/>
-            <a:t>format.</a:t>
-          </a:r>
-          <a:endParaRPr lang="en-US" sz="2200" kern="1200" dirty="0"/>
         </a:p>
       </dsp:txBody>
       <dsp:txXfrm rot="-5400000">
@@ -1700,7 +1621,7 @@
         </a:bodyPr>
         <a:lstStyle/>
         <a:p>
-          <a:pPr lvl="0" algn="ctr" defTabSz="2489200">
+          <a:pPr marL="0" lvl="0" indent="0" algn="ctr" defTabSz="2489200">
             <a:lnSpc>
               <a:spcPct val="90000"/>
             </a:lnSpc>
@@ -1710,6 +1631,7 @@
             <a:spcAft>
               <a:spcPct val="35000"/>
             </a:spcAft>
+            <a:buNone/>
           </a:pPr>
           <a:r>
             <a:rPr lang="en-US" sz="5600" kern="1200" dirty="0"/>
@@ -1786,17 +1708,12 @@
             <a:spcAft>
               <a:spcPct val="15000"/>
             </a:spcAft>
-            <a:buChar char="••"/>
+            <a:buChar char="•"/>
           </a:pPr>
           <a:r>
             <a:rPr lang="en-US" sz="2200" b="1" kern="1200" dirty="0"/>
-            <a:t>Modify </a:t>
+            <a:t>Modify Entrada Code</a:t>
           </a:r>
-          <a:r>
-            <a:rPr lang="en-US" sz="2200" b="1" kern="1200" dirty="0" smtClean="0"/>
-            <a:t>Entrada Code</a:t>
-          </a:r>
-          <a:endParaRPr lang="en-US" sz="2200" b="1" kern="1200" dirty="0"/>
         </a:p>
         <a:p>
           <a:pPr marL="457200" lvl="2" indent="-228600" algn="l" defTabSz="977900">
@@ -1809,7 +1726,7 @@
             <a:spcAft>
               <a:spcPct val="15000"/>
             </a:spcAft>
-            <a:buChar char="••"/>
+            <a:buChar char="•"/>
           </a:pPr>
           <a:r>
             <a:rPr lang="en-US" sz="2200" kern="1200" dirty="0"/>
@@ -1827,7 +1744,7 @@
             <a:spcAft>
               <a:spcPct val="15000"/>
             </a:spcAft>
-            <a:buChar char="••"/>
+            <a:buChar char="•"/>
           </a:pPr>
           <a:r>
             <a:rPr lang="en-US" sz="2200" kern="1200" dirty="0"/>
@@ -1845,7 +1762,7 @@
             <a:spcAft>
               <a:spcPct val="15000"/>
             </a:spcAft>
-            <a:buChar char="••"/>
+            <a:buChar char="•"/>
           </a:pPr>
           <a:r>
             <a:rPr lang="en-US" sz="2200" kern="1200" dirty="0"/>
@@ -3152,6 +3069,439 @@
 </dgm:styleDef>
 </file>
 
+<file path=ppt/notesMasters/notesMaster1.xml><?xml version="1.0" encoding="utf-8"?>
+<p:notesMaster xmlns:a="http://schemas.openxmlformats.org/drawingml/2006/main" xmlns:r="http://schemas.openxmlformats.org/officeDocument/2006/relationships" xmlns:p="http://schemas.openxmlformats.org/presentationml/2006/main">
+  <p:cSld>
+    <p:bg>
+      <p:bgRef idx="1001">
+        <a:schemeClr val="bg1"/>
+      </p:bgRef>
+    </p:bg>
+    <p:spTree>
+      <p:nvGrpSpPr>
+        <p:cNvPr id="1" name=""/>
+        <p:cNvGrpSpPr/>
+        <p:nvPr/>
+      </p:nvGrpSpPr>
+      <p:grpSpPr>
+        <a:xfrm>
+          <a:off x="0" y="0"/>
+          <a:ext cx="0" cy="0"/>
+          <a:chOff x="0" y="0"/>
+          <a:chExt cx="0" cy="0"/>
+        </a:xfrm>
+      </p:grpSpPr>
+      <p:sp>
+        <p:nvSpPr>
+          <p:cNvPr id="2" name="Header Placeholder 1"/>
+          <p:cNvSpPr>
+            <a:spLocks noGrp="1"/>
+          </p:cNvSpPr>
+          <p:nvPr>
+            <p:ph type="hdr" sz="quarter"/>
+          </p:nvPr>
+        </p:nvSpPr>
+        <p:spPr>
+          <a:xfrm>
+            <a:off x="0" y="0"/>
+            <a:ext cx="2971800" cy="458788"/>
+          </a:xfrm>
+          <a:prstGeom prst="rect">
+            <a:avLst/>
+          </a:prstGeom>
+        </p:spPr>
+        <p:txBody>
+          <a:bodyPr vert="horz" lIns="91440" tIns="45720" rIns="91440" bIns="45720" rtlCol="0"/>
+          <a:lstStyle>
+            <a:lvl1pPr algn="l">
+              <a:defRPr sz="1200"/>
+            </a:lvl1pPr>
+          </a:lstStyle>
+          <a:p>
+            <a:endParaRPr lang="en-US"/>
+          </a:p>
+        </p:txBody>
+      </p:sp>
+      <p:sp>
+        <p:nvSpPr>
+          <p:cNvPr id="3" name="Date Placeholder 2"/>
+          <p:cNvSpPr>
+            <a:spLocks noGrp="1"/>
+          </p:cNvSpPr>
+          <p:nvPr>
+            <p:ph type="dt" idx="1"/>
+          </p:nvPr>
+        </p:nvSpPr>
+        <p:spPr>
+          <a:xfrm>
+            <a:off x="3884613" y="0"/>
+            <a:ext cx="2971800" cy="458788"/>
+          </a:xfrm>
+          <a:prstGeom prst="rect">
+            <a:avLst/>
+          </a:prstGeom>
+        </p:spPr>
+        <p:txBody>
+          <a:bodyPr vert="horz" lIns="91440" tIns="45720" rIns="91440" bIns="45720" rtlCol="0"/>
+          <a:lstStyle>
+            <a:lvl1pPr algn="r">
+              <a:defRPr sz="1200"/>
+            </a:lvl1pPr>
+          </a:lstStyle>
+          <a:p>
+            <a:fld id="{24EC8C89-17FF-42F8-9E1D-7555C66541B0}" type="datetimeFigureOut">
+              <a:rPr lang="en-US" smtClean="0"/>
+              <a:t>9/7/2019</a:t>
+            </a:fld>
+            <a:endParaRPr lang="en-US"/>
+          </a:p>
+        </p:txBody>
+      </p:sp>
+      <p:sp>
+        <p:nvSpPr>
+          <p:cNvPr id="4" name="Slide Image Placeholder 3"/>
+          <p:cNvSpPr>
+            <a:spLocks noGrp="1" noRot="1" noChangeAspect="1"/>
+          </p:cNvSpPr>
+          <p:nvPr>
+            <p:ph type="sldImg" idx="2"/>
+          </p:nvPr>
+        </p:nvSpPr>
+        <p:spPr>
+          <a:xfrm>
+            <a:off x="685800" y="1143000"/>
+            <a:ext cx="5486400" cy="3086100"/>
+          </a:xfrm>
+          <a:prstGeom prst="rect">
+            <a:avLst/>
+          </a:prstGeom>
+          <a:noFill/>
+          <a:ln w="12700">
+            <a:solidFill>
+              <a:prstClr val="black"/>
+            </a:solidFill>
+          </a:ln>
+        </p:spPr>
+        <p:txBody>
+          <a:bodyPr vert="horz" lIns="91440" tIns="45720" rIns="91440" bIns="45720" rtlCol="0" anchor="ctr"/>
+          <a:lstStyle/>
+          <a:p>
+            <a:endParaRPr lang="en-US"/>
+          </a:p>
+        </p:txBody>
+      </p:sp>
+      <p:sp>
+        <p:nvSpPr>
+          <p:cNvPr id="5" name="Notes Placeholder 4"/>
+          <p:cNvSpPr>
+            <a:spLocks noGrp="1"/>
+          </p:cNvSpPr>
+          <p:nvPr>
+            <p:ph type="body" sz="quarter" idx="3"/>
+          </p:nvPr>
+        </p:nvSpPr>
+        <p:spPr>
+          <a:xfrm>
+            <a:off x="685800" y="4400550"/>
+            <a:ext cx="5486400" cy="3600450"/>
+          </a:xfrm>
+          <a:prstGeom prst="rect">
+            <a:avLst/>
+          </a:prstGeom>
+        </p:spPr>
+        <p:txBody>
+          <a:bodyPr vert="horz" lIns="91440" tIns="45720" rIns="91440" bIns="45720" rtlCol="0"/>
+          <a:lstStyle/>
+          <a:p>
+            <a:pPr lvl="0"/>
+            <a:r>
+              <a:rPr lang="en-US"/>
+              <a:t>Click to edit Master text styles</a:t>
+            </a:r>
+          </a:p>
+          <a:p>
+            <a:pPr lvl="1"/>
+            <a:r>
+              <a:rPr lang="en-US"/>
+              <a:t>Second level</a:t>
+            </a:r>
+          </a:p>
+          <a:p>
+            <a:pPr lvl="2"/>
+            <a:r>
+              <a:rPr lang="en-US"/>
+              <a:t>Third level</a:t>
+            </a:r>
+          </a:p>
+          <a:p>
+            <a:pPr lvl="3"/>
+            <a:r>
+              <a:rPr lang="en-US"/>
+              <a:t>Fourth level</a:t>
+            </a:r>
+          </a:p>
+          <a:p>
+            <a:pPr lvl="4"/>
+            <a:r>
+              <a:rPr lang="en-US"/>
+              <a:t>Fifth level</a:t>
+            </a:r>
+          </a:p>
+        </p:txBody>
+      </p:sp>
+      <p:sp>
+        <p:nvSpPr>
+          <p:cNvPr id="6" name="Footer Placeholder 5"/>
+          <p:cNvSpPr>
+            <a:spLocks noGrp="1"/>
+          </p:cNvSpPr>
+          <p:nvPr>
+            <p:ph type="ftr" sz="quarter" idx="4"/>
+          </p:nvPr>
+        </p:nvSpPr>
+        <p:spPr>
+          <a:xfrm>
+            <a:off x="0" y="8685213"/>
+            <a:ext cx="2971800" cy="458787"/>
+          </a:xfrm>
+          <a:prstGeom prst="rect">
+            <a:avLst/>
+          </a:prstGeom>
+        </p:spPr>
+        <p:txBody>
+          <a:bodyPr vert="horz" lIns="91440" tIns="45720" rIns="91440" bIns="45720" rtlCol="0" anchor="b"/>
+          <a:lstStyle>
+            <a:lvl1pPr algn="l">
+              <a:defRPr sz="1200"/>
+            </a:lvl1pPr>
+          </a:lstStyle>
+          <a:p>
+            <a:endParaRPr lang="en-US"/>
+          </a:p>
+        </p:txBody>
+      </p:sp>
+      <p:sp>
+        <p:nvSpPr>
+          <p:cNvPr id="7" name="Slide Number Placeholder 6"/>
+          <p:cNvSpPr>
+            <a:spLocks noGrp="1"/>
+          </p:cNvSpPr>
+          <p:nvPr>
+            <p:ph type="sldNum" sz="quarter" idx="5"/>
+          </p:nvPr>
+        </p:nvSpPr>
+        <p:spPr>
+          <a:xfrm>
+            <a:off x="3884613" y="8685213"/>
+            <a:ext cx="2971800" cy="458787"/>
+          </a:xfrm>
+          <a:prstGeom prst="rect">
+            <a:avLst/>
+          </a:prstGeom>
+        </p:spPr>
+        <p:txBody>
+          <a:bodyPr vert="horz" lIns="91440" tIns="45720" rIns="91440" bIns="45720" rtlCol="0" anchor="b"/>
+          <a:lstStyle>
+            <a:lvl1pPr algn="r">
+              <a:defRPr sz="1200"/>
+            </a:lvl1pPr>
+          </a:lstStyle>
+          <a:p>
+            <a:fld id="{C94D4C47-2660-41C7-AD8F-2DB38074E335}" type="slidenum">
+              <a:rPr lang="en-US" smtClean="0"/>
+              <a:t>‹#›</a:t>
+            </a:fld>
+            <a:endParaRPr lang="en-US"/>
+          </a:p>
+        </p:txBody>
+      </p:sp>
+    </p:spTree>
+    <p:extLst>
+      <p:ext uri="{BB962C8B-B14F-4D97-AF65-F5344CB8AC3E}">
+        <p14:creationId xmlns:p14="http://schemas.microsoft.com/office/powerpoint/2010/main" val="509349182"/>
+      </p:ext>
+    </p:extLst>
+  </p:cSld>
+  <p:clrMap bg1="lt1" tx1="dk1" bg2="lt2" tx2="dk2" accent1="accent1" accent2="accent2" accent3="accent3" accent4="accent4" accent5="accent5" accent6="accent6" hlink="hlink" folHlink="folHlink"/>
+  <p:notesStyle>
+    <a:lvl1pPr marL="0" algn="l" defTabSz="914400" rtl="0" eaLnBrk="1" latinLnBrk="0" hangingPunct="1">
+      <a:defRPr sz="1200" kern="1200">
+        <a:solidFill>
+          <a:schemeClr val="tx1"/>
+        </a:solidFill>
+        <a:latin typeface="+mn-lt"/>
+        <a:ea typeface="+mn-ea"/>
+        <a:cs typeface="+mn-cs"/>
+      </a:defRPr>
+    </a:lvl1pPr>
+    <a:lvl2pPr marL="457200" algn="l" defTabSz="914400" rtl="0" eaLnBrk="1" latinLnBrk="0" hangingPunct="1">
+      <a:defRPr sz="1200" kern="1200">
+        <a:solidFill>
+          <a:schemeClr val="tx1"/>
+        </a:solidFill>
+        <a:latin typeface="+mn-lt"/>
+        <a:ea typeface="+mn-ea"/>
+        <a:cs typeface="+mn-cs"/>
+      </a:defRPr>
+    </a:lvl2pPr>
+    <a:lvl3pPr marL="914400" algn="l" defTabSz="914400" rtl="0" eaLnBrk="1" latinLnBrk="0" hangingPunct="1">
+      <a:defRPr sz="1200" kern="1200">
+        <a:solidFill>
+          <a:schemeClr val="tx1"/>
+        </a:solidFill>
+        <a:latin typeface="+mn-lt"/>
+        <a:ea typeface="+mn-ea"/>
+        <a:cs typeface="+mn-cs"/>
+      </a:defRPr>
+    </a:lvl3pPr>
+    <a:lvl4pPr marL="1371600" algn="l" defTabSz="914400" rtl="0" eaLnBrk="1" latinLnBrk="0" hangingPunct="1">
+      <a:defRPr sz="1200" kern="1200">
+        <a:solidFill>
+          <a:schemeClr val="tx1"/>
+        </a:solidFill>
+        <a:latin typeface="+mn-lt"/>
+        <a:ea typeface="+mn-ea"/>
+        <a:cs typeface="+mn-cs"/>
+      </a:defRPr>
+    </a:lvl4pPr>
+    <a:lvl5pPr marL="1828800" algn="l" defTabSz="914400" rtl="0" eaLnBrk="1" latinLnBrk="0" hangingPunct="1">
+      <a:defRPr sz="1200" kern="1200">
+        <a:solidFill>
+          <a:schemeClr val="tx1"/>
+        </a:solidFill>
+        <a:latin typeface="+mn-lt"/>
+        <a:ea typeface="+mn-ea"/>
+        <a:cs typeface="+mn-cs"/>
+      </a:defRPr>
+    </a:lvl5pPr>
+    <a:lvl6pPr marL="2286000" algn="l" defTabSz="914400" rtl="0" eaLnBrk="1" latinLnBrk="0" hangingPunct="1">
+      <a:defRPr sz="1200" kern="1200">
+        <a:solidFill>
+          <a:schemeClr val="tx1"/>
+        </a:solidFill>
+        <a:latin typeface="+mn-lt"/>
+        <a:ea typeface="+mn-ea"/>
+        <a:cs typeface="+mn-cs"/>
+      </a:defRPr>
+    </a:lvl6pPr>
+    <a:lvl7pPr marL="2743200" algn="l" defTabSz="914400" rtl="0" eaLnBrk="1" latinLnBrk="0" hangingPunct="1">
+      <a:defRPr sz="1200" kern="1200">
+        <a:solidFill>
+          <a:schemeClr val="tx1"/>
+        </a:solidFill>
+        <a:latin typeface="+mn-lt"/>
+        <a:ea typeface="+mn-ea"/>
+        <a:cs typeface="+mn-cs"/>
+      </a:defRPr>
+    </a:lvl7pPr>
+    <a:lvl8pPr marL="3200400" algn="l" defTabSz="914400" rtl="0" eaLnBrk="1" latinLnBrk="0" hangingPunct="1">
+      <a:defRPr sz="1200" kern="1200">
+        <a:solidFill>
+          <a:schemeClr val="tx1"/>
+        </a:solidFill>
+        <a:latin typeface="+mn-lt"/>
+        <a:ea typeface="+mn-ea"/>
+        <a:cs typeface="+mn-cs"/>
+      </a:defRPr>
+    </a:lvl8pPr>
+    <a:lvl9pPr marL="3657600" algn="l" defTabSz="914400" rtl="0" eaLnBrk="1" latinLnBrk="0" hangingPunct="1">
+      <a:defRPr sz="1200" kern="1200">
+        <a:solidFill>
+          <a:schemeClr val="tx1"/>
+        </a:solidFill>
+        <a:latin typeface="+mn-lt"/>
+        <a:ea typeface="+mn-ea"/>
+        <a:cs typeface="+mn-cs"/>
+      </a:defRPr>
+    </a:lvl9pPr>
+  </p:notesStyle>
+</p:notesMaster>
+</file>
+
+<file path=ppt/notesSlides/notesSlide1.xml><?xml version="1.0" encoding="utf-8"?>
+<p:notes xmlns:a="http://schemas.openxmlformats.org/drawingml/2006/main" xmlns:r="http://schemas.openxmlformats.org/officeDocument/2006/relationships" xmlns:p="http://schemas.openxmlformats.org/presentationml/2006/main">
+  <p:cSld>
+    <p:spTree>
+      <p:nvGrpSpPr>
+        <p:cNvPr id="1" name=""/>
+        <p:cNvGrpSpPr/>
+        <p:nvPr/>
+      </p:nvGrpSpPr>
+      <p:grpSpPr>
+        <a:xfrm>
+          <a:off x="0" y="0"/>
+          <a:ext cx="0" cy="0"/>
+          <a:chOff x="0" y="0"/>
+          <a:chExt cx="0" cy="0"/>
+        </a:xfrm>
+      </p:grpSpPr>
+      <p:sp>
+        <p:nvSpPr>
+          <p:cNvPr id="2" name="Slide Image Placeholder 1"/>
+          <p:cNvSpPr>
+            <a:spLocks noGrp="1" noRot="1" noChangeAspect="1"/>
+          </p:cNvSpPr>
+          <p:nvPr>
+            <p:ph type="sldImg"/>
+          </p:nvPr>
+        </p:nvSpPr>
+        <p:spPr/>
+      </p:sp>
+      <p:sp>
+        <p:nvSpPr>
+          <p:cNvPr id="3" name="Notes Placeholder 2"/>
+          <p:cNvSpPr>
+            <a:spLocks noGrp="1"/>
+          </p:cNvSpPr>
+          <p:nvPr>
+            <p:ph type="body" idx="1"/>
+          </p:nvPr>
+        </p:nvSpPr>
+        <p:spPr/>
+        <p:txBody>
+          <a:bodyPr/>
+          <a:lstStyle/>
+          <a:p>
+            <a:endParaRPr lang="en-US"/>
+          </a:p>
+        </p:txBody>
+      </p:sp>
+      <p:sp>
+        <p:nvSpPr>
+          <p:cNvPr id="4" name="Slide Number Placeholder 3"/>
+          <p:cNvSpPr>
+            <a:spLocks noGrp="1"/>
+          </p:cNvSpPr>
+          <p:nvPr>
+            <p:ph type="sldNum" sz="quarter" idx="5"/>
+          </p:nvPr>
+        </p:nvSpPr>
+        <p:spPr/>
+        <p:txBody>
+          <a:bodyPr/>
+          <a:lstStyle/>
+          <a:p>
+            <a:fld id="{C94D4C47-2660-41C7-AD8F-2DB38074E335}" type="slidenum">
+              <a:rPr lang="en-US" smtClean="0"/>
+              <a:t>14</a:t>
+            </a:fld>
+            <a:endParaRPr lang="en-US"/>
+          </a:p>
+        </p:txBody>
+      </p:sp>
+    </p:spTree>
+    <p:extLst>
+      <p:ext uri="{BB962C8B-B14F-4D97-AF65-F5344CB8AC3E}">
+        <p14:creationId xmlns:p14="http://schemas.microsoft.com/office/powerpoint/2010/main" val="3926095026"/>
+      </p:ext>
+    </p:extLst>
+  </p:cSld>
+  <p:clrMapOvr>
+    <a:masterClrMapping/>
+  </p:clrMapOvr>
+</p:notes>
+</file>
+
 <file path=ppt/slideLayouts/slideLayout1.xml><?xml version="1.0" encoding="utf-8"?>
 <p:sldLayout xmlns:a="http://schemas.openxmlformats.org/drawingml/2006/main" xmlns:r="http://schemas.openxmlformats.org/officeDocument/2006/relationships" xmlns:p="http://schemas.openxmlformats.org/presentationml/2006/main" type="title" preserve="1">
   <p:cSld name="Title Slide">
@@ -3194,10 +3544,9 @@
           </a:lstStyle>
           <a:p>
             <a:r>
-              <a:rPr lang="en-US" smtClean="0"/>
+              <a:rPr lang="en-US"/>
               <a:t>Click to edit Master title style</a:t>
             </a:r>
-            <a:endParaRPr lang="en-US"/>
           </a:p>
         </p:txBody>
       </p:sp>
@@ -3259,10 +3608,9 @@
           </a:lstStyle>
           <a:p>
             <a:r>
-              <a:rPr lang="en-US" smtClean="0"/>
+              <a:rPr lang="en-US"/>
               <a:t>Click to edit Master subtitle style</a:t>
             </a:r>
-            <a:endParaRPr lang="en-US"/>
           </a:p>
         </p:txBody>
       </p:sp>
@@ -3283,7 +3631,7 @@
           <a:p>
             <a:fld id="{F361EE3A-9322-EE42-8944-DBFD3A22011F}" type="datetimeFigureOut">
               <a:rPr lang="en-US" smtClean="0"/>
-              <a:t>9/7/19</a:t>
+              <a:t>9/7/2019</a:t>
             </a:fld>
             <a:endParaRPr lang="en-US"/>
           </a:p>
@@ -3377,10 +3725,9 @@
           <a:lstStyle/>
           <a:p>
             <a:r>
-              <a:rPr lang="en-US" smtClean="0"/>
+              <a:rPr lang="en-US"/>
               <a:t>Click to edit Master title style</a:t>
             </a:r>
-            <a:endParaRPr lang="en-US"/>
           </a:p>
         </p:txBody>
       </p:sp>
@@ -3401,38 +3748,37 @@
           <a:p>
             <a:pPr lvl="0"/>
             <a:r>
-              <a:rPr lang="en-US" smtClean="0"/>
+              <a:rPr lang="en-US"/>
               <a:t>Click to edit Master text styles</a:t>
             </a:r>
           </a:p>
           <a:p>
             <a:pPr lvl="1"/>
             <a:r>
-              <a:rPr lang="en-US" smtClean="0"/>
+              <a:rPr lang="en-US"/>
               <a:t>Second level</a:t>
             </a:r>
           </a:p>
           <a:p>
             <a:pPr lvl="2"/>
             <a:r>
-              <a:rPr lang="en-US" smtClean="0"/>
+              <a:rPr lang="en-US"/>
               <a:t>Third level</a:t>
             </a:r>
           </a:p>
           <a:p>
             <a:pPr lvl="3"/>
             <a:r>
-              <a:rPr lang="en-US" smtClean="0"/>
+              <a:rPr lang="en-US"/>
               <a:t>Fourth level</a:t>
             </a:r>
           </a:p>
           <a:p>
             <a:pPr lvl="4"/>
             <a:r>
-              <a:rPr lang="en-US" smtClean="0"/>
+              <a:rPr lang="en-US"/>
               <a:t>Fifth level</a:t>
             </a:r>
-            <a:endParaRPr lang="en-US"/>
           </a:p>
         </p:txBody>
       </p:sp>
@@ -3453,7 +3799,7 @@
           <a:p>
             <a:fld id="{F361EE3A-9322-EE42-8944-DBFD3A22011F}" type="datetimeFigureOut">
               <a:rPr lang="en-US" smtClean="0"/>
-              <a:t>9/7/19</a:t>
+              <a:t>9/7/2019</a:t>
             </a:fld>
             <a:endParaRPr lang="en-US"/>
           </a:p>
@@ -3552,10 +3898,9 @@
           <a:lstStyle/>
           <a:p>
             <a:r>
-              <a:rPr lang="en-US" smtClean="0"/>
+              <a:rPr lang="en-US"/>
               <a:t>Click to edit Master title style</a:t>
             </a:r>
-            <a:endParaRPr lang="en-US"/>
           </a:p>
         </p:txBody>
       </p:sp>
@@ -3581,38 +3926,37 @@
           <a:p>
             <a:pPr lvl="0"/>
             <a:r>
-              <a:rPr lang="en-US" smtClean="0"/>
+              <a:rPr lang="en-US"/>
               <a:t>Click to edit Master text styles</a:t>
             </a:r>
           </a:p>
           <a:p>
             <a:pPr lvl="1"/>
             <a:r>
-              <a:rPr lang="en-US" smtClean="0"/>
+              <a:rPr lang="en-US"/>
               <a:t>Second level</a:t>
             </a:r>
           </a:p>
           <a:p>
             <a:pPr lvl="2"/>
             <a:r>
-              <a:rPr lang="en-US" smtClean="0"/>
+              <a:rPr lang="en-US"/>
               <a:t>Third level</a:t>
             </a:r>
           </a:p>
           <a:p>
             <a:pPr lvl="3"/>
             <a:r>
-              <a:rPr lang="en-US" smtClean="0"/>
+              <a:rPr lang="en-US"/>
               <a:t>Fourth level</a:t>
             </a:r>
           </a:p>
           <a:p>
             <a:pPr lvl="4"/>
             <a:r>
-              <a:rPr lang="en-US" smtClean="0"/>
+              <a:rPr lang="en-US"/>
               <a:t>Fifth level</a:t>
             </a:r>
-            <a:endParaRPr lang="en-US"/>
           </a:p>
         </p:txBody>
       </p:sp>
@@ -3633,7 +3977,7 @@
           <a:p>
             <a:fld id="{F361EE3A-9322-EE42-8944-DBFD3A22011F}" type="datetimeFigureOut">
               <a:rPr lang="en-US" smtClean="0"/>
-              <a:t>9/7/19</a:t>
+              <a:t>9/7/2019</a:t>
             </a:fld>
             <a:endParaRPr lang="en-US"/>
           </a:p>
@@ -3727,10 +4071,9 @@
           <a:lstStyle/>
           <a:p>
             <a:r>
-              <a:rPr lang="en-US" smtClean="0"/>
+              <a:rPr lang="en-US"/>
               <a:t>Click to edit Master title style</a:t>
             </a:r>
-            <a:endParaRPr lang="en-US"/>
           </a:p>
         </p:txBody>
       </p:sp>
@@ -3751,38 +4094,37 @@
           <a:p>
             <a:pPr lvl="0"/>
             <a:r>
-              <a:rPr lang="en-US" smtClean="0"/>
+              <a:rPr lang="en-US"/>
               <a:t>Click to edit Master text styles</a:t>
             </a:r>
           </a:p>
           <a:p>
             <a:pPr lvl="1"/>
             <a:r>
-              <a:rPr lang="en-US" smtClean="0"/>
+              <a:rPr lang="en-US"/>
               <a:t>Second level</a:t>
             </a:r>
           </a:p>
           <a:p>
             <a:pPr lvl="2"/>
             <a:r>
-              <a:rPr lang="en-US" smtClean="0"/>
+              <a:rPr lang="en-US"/>
               <a:t>Third level</a:t>
             </a:r>
           </a:p>
           <a:p>
             <a:pPr lvl="3"/>
             <a:r>
-              <a:rPr lang="en-US" smtClean="0"/>
+              <a:rPr lang="en-US"/>
               <a:t>Fourth level</a:t>
             </a:r>
           </a:p>
           <a:p>
             <a:pPr lvl="4"/>
             <a:r>
-              <a:rPr lang="en-US" smtClean="0"/>
+              <a:rPr lang="en-US"/>
               <a:t>Fifth level</a:t>
             </a:r>
-            <a:endParaRPr lang="en-US"/>
           </a:p>
         </p:txBody>
       </p:sp>
@@ -3803,7 +4145,7 @@
           <a:p>
             <a:fld id="{F361EE3A-9322-EE42-8944-DBFD3A22011F}" type="datetimeFigureOut">
               <a:rPr lang="en-US" smtClean="0"/>
-              <a:t>9/7/19</a:t>
+              <a:t>9/7/2019</a:t>
             </a:fld>
             <a:endParaRPr lang="en-US"/>
           </a:p>
@@ -3906,10 +4248,9 @@
           </a:lstStyle>
           <a:p>
             <a:r>
-              <a:rPr lang="en-US" smtClean="0"/>
+              <a:rPr lang="en-US"/>
               <a:t>Click to edit Master title style</a:t>
             </a:r>
-            <a:endParaRPr lang="en-US"/>
           </a:p>
         </p:txBody>
       </p:sp>
@@ -4026,7 +4367,7 @@
           <a:p>
             <a:pPr lvl="0"/>
             <a:r>
-              <a:rPr lang="en-US" smtClean="0"/>
+              <a:rPr lang="en-US"/>
               <a:t>Click to edit Master text styles</a:t>
             </a:r>
           </a:p>
@@ -4049,7 +4390,7 @@
           <a:p>
             <a:fld id="{F361EE3A-9322-EE42-8944-DBFD3A22011F}" type="datetimeFigureOut">
               <a:rPr lang="en-US" smtClean="0"/>
-              <a:t>9/7/19</a:t>
+              <a:t>9/7/2019</a:t>
             </a:fld>
             <a:endParaRPr lang="en-US"/>
           </a:p>
@@ -4143,10 +4484,9 @@
           <a:lstStyle/>
           <a:p>
             <a:r>
-              <a:rPr lang="en-US" smtClean="0"/>
+              <a:rPr lang="en-US"/>
               <a:t>Click to edit Master title style</a:t>
             </a:r>
-            <a:endParaRPr lang="en-US"/>
           </a:p>
         </p:txBody>
       </p:sp>
@@ -4172,38 +4512,37 @@
           <a:p>
             <a:pPr lvl="0"/>
             <a:r>
-              <a:rPr lang="en-US" smtClean="0"/>
+              <a:rPr lang="en-US"/>
               <a:t>Click to edit Master text styles</a:t>
             </a:r>
           </a:p>
           <a:p>
             <a:pPr lvl="1"/>
             <a:r>
-              <a:rPr lang="en-US" smtClean="0"/>
+              <a:rPr lang="en-US"/>
               <a:t>Second level</a:t>
             </a:r>
           </a:p>
           <a:p>
             <a:pPr lvl="2"/>
             <a:r>
-              <a:rPr lang="en-US" smtClean="0"/>
+              <a:rPr lang="en-US"/>
               <a:t>Third level</a:t>
             </a:r>
           </a:p>
           <a:p>
             <a:pPr lvl="3"/>
             <a:r>
-              <a:rPr lang="en-US" smtClean="0"/>
+              <a:rPr lang="en-US"/>
               <a:t>Fourth level</a:t>
             </a:r>
           </a:p>
           <a:p>
             <a:pPr lvl="4"/>
             <a:r>
-              <a:rPr lang="en-US" smtClean="0"/>
+              <a:rPr lang="en-US"/>
               <a:t>Fifth level</a:t>
             </a:r>
-            <a:endParaRPr lang="en-US"/>
           </a:p>
         </p:txBody>
       </p:sp>
@@ -4229,38 +4568,37 @@
           <a:p>
             <a:pPr lvl="0"/>
             <a:r>
-              <a:rPr lang="en-US" smtClean="0"/>
+              <a:rPr lang="en-US"/>
               <a:t>Click to edit Master text styles</a:t>
             </a:r>
           </a:p>
           <a:p>
             <a:pPr lvl="1"/>
             <a:r>
-              <a:rPr lang="en-US" smtClean="0"/>
+              <a:rPr lang="en-US"/>
               <a:t>Second level</a:t>
             </a:r>
           </a:p>
           <a:p>
             <a:pPr lvl="2"/>
             <a:r>
-              <a:rPr lang="en-US" smtClean="0"/>
+              <a:rPr lang="en-US"/>
               <a:t>Third level</a:t>
             </a:r>
           </a:p>
           <a:p>
             <a:pPr lvl="3"/>
             <a:r>
-              <a:rPr lang="en-US" smtClean="0"/>
+              <a:rPr lang="en-US"/>
               <a:t>Fourth level</a:t>
             </a:r>
           </a:p>
           <a:p>
             <a:pPr lvl="4"/>
             <a:r>
-              <a:rPr lang="en-US" smtClean="0"/>
+              <a:rPr lang="en-US"/>
               <a:t>Fifth level</a:t>
             </a:r>
-            <a:endParaRPr lang="en-US"/>
           </a:p>
         </p:txBody>
       </p:sp>
@@ -4281,7 +4619,7 @@
           <a:p>
             <a:fld id="{F361EE3A-9322-EE42-8944-DBFD3A22011F}" type="datetimeFigureOut">
               <a:rPr lang="en-US" smtClean="0"/>
-              <a:t>9/7/19</a:t>
+              <a:t>9/7/2019</a:t>
             </a:fld>
             <a:endParaRPr lang="en-US"/>
           </a:p>
@@ -4380,10 +4718,9 @@
           <a:lstStyle/>
           <a:p>
             <a:r>
-              <a:rPr lang="en-US" smtClean="0"/>
+              <a:rPr lang="en-US"/>
               <a:t>Click to edit Master title style</a:t>
             </a:r>
-            <a:endParaRPr lang="en-US"/>
           </a:p>
         </p:txBody>
       </p:sp>
@@ -4446,7 +4783,7 @@
           <a:p>
             <a:pPr lvl="0"/>
             <a:r>
-              <a:rPr lang="en-US" smtClean="0"/>
+              <a:rPr lang="en-US"/>
               <a:t>Click to edit Master text styles</a:t>
             </a:r>
           </a:p>
@@ -4474,38 +4811,37 @@
           <a:p>
             <a:pPr lvl="0"/>
             <a:r>
-              <a:rPr lang="en-US" smtClean="0"/>
+              <a:rPr lang="en-US"/>
               <a:t>Click to edit Master text styles</a:t>
             </a:r>
           </a:p>
           <a:p>
             <a:pPr lvl="1"/>
             <a:r>
-              <a:rPr lang="en-US" smtClean="0"/>
+              <a:rPr lang="en-US"/>
               <a:t>Second level</a:t>
             </a:r>
           </a:p>
           <a:p>
             <a:pPr lvl="2"/>
             <a:r>
-              <a:rPr lang="en-US" smtClean="0"/>
+              <a:rPr lang="en-US"/>
               <a:t>Third level</a:t>
             </a:r>
           </a:p>
           <a:p>
             <a:pPr lvl="3"/>
             <a:r>
-              <a:rPr lang="en-US" smtClean="0"/>
+              <a:rPr lang="en-US"/>
               <a:t>Fourth level</a:t>
             </a:r>
           </a:p>
           <a:p>
             <a:pPr lvl="4"/>
             <a:r>
-              <a:rPr lang="en-US" smtClean="0"/>
+              <a:rPr lang="en-US"/>
               <a:t>Fifth level</a:t>
             </a:r>
-            <a:endParaRPr lang="en-US"/>
           </a:p>
         </p:txBody>
       </p:sp>
@@ -4568,7 +4904,7 @@
           <a:p>
             <a:pPr lvl="0"/>
             <a:r>
-              <a:rPr lang="en-US" smtClean="0"/>
+              <a:rPr lang="en-US"/>
               <a:t>Click to edit Master text styles</a:t>
             </a:r>
           </a:p>
@@ -4596,38 +4932,37 @@
           <a:p>
             <a:pPr lvl="0"/>
             <a:r>
-              <a:rPr lang="en-US" smtClean="0"/>
+              <a:rPr lang="en-US"/>
               <a:t>Click to edit Master text styles</a:t>
             </a:r>
           </a:p>
           <a:p>
             <a:pPr lvl="1"/>
             <a:r>
-              <a:rPr lang="en-US" smtClean="0"/>
+              <a:rPr lang="en-US"/>
               <a:t>Second level</a:t>
             </a:r>
           </a:p>
           <a:p>
             <a:pPr lvl="2"/>
             <a:r>
-              <a:rPr lang="en-US" smtClean="0"/>
+              <a:rPr lang="en-US"/>
               <a:t>Third level</a:t>
             </a:r>
           </a:p>
           <a:p>
             <a:pPr lvl="3"/>
             <a:r>
-              <a:rPr lang="en-US" smtClean="0"/>
+              <a:rPr lang="en-US"/>
               <a:t>Fourth level</a:t>
             </a:r>
           </a:p>
           <a:p>
             <a:pPr lvl="4"/>
             <a:r>
-              <a:rPr lang="en-US" smtClean="0"/>
+              <a:rPr lang="en-US"/>
               <a:t>Fifth level</a:t>
             </a:r>
-            <a:endParaRPr lang="en-US"/>
           </a:p>
         </p:txBody>
       </p:sp>
@@ -4648,7 +4983,7 @@
           <a:p>
             <a:fld id="{F361EE3A-9322-EE42-8944-DBFD3A22011F}" type="datetimeFigureOut">
               <a:rPr lang="en-US" smtClean="0"/>
-              <a:t>9/7/19</a:t>
+              <a:t>9/7/2019</a:t>
             </a:fld>
             <a:endParaRPr lang="en-US"/>
           </a:p>
@@ -4742,10 +5077,9 @@
           <a:lstStyle/>
           <a:p>
             <a:r>
-              <a:rPr lang="en-US" smtClean="0"/>
+              <a:rPr lang="en-US"/>
               <a:t>Click to edit Master title style</a:t>
             </a:r>
-            <a:endParaRPr lang="en-US"/>
           </a:p>
         </p:txBody>
       </p:sp>
@@ -4766,7 +5100,7 @@
           <a:p>
             <a:fld id="{F361EE3A-9322-EE42-8944-DBFD3A22011F}" type="datetimeFigureOut">
               <a:rPr lang="en-US" smtClean="0"/>
-              <a:t>9/7/19</a:t>
+              <a:t>9/7/2019</a:t>
             </a:fld>
             <a:endParaRPr lang="en-US"/>
           </a:p>
@@ -4861,7 +5195,7 @@
           <a:p>
             <a:fld id="{F361EE3A-9322-EE42-8944-DBFD3A22011F}" type="datetimeFigureOut">
               <a:rPr lang="en-US" smtClean="0"/>
-              <a:t>9/7/19</a:t>
+              <a:t>9/7/2019</a:t>
             </a:fld>
             <a:endParaRPr lang="en-US"/>
           </a:p>
@@ -4964,10 +5298,9 @@
           </a:lstStyle>
           <a:p>
             <a:r>
-              <a:rPr lang="en-US" smtClean="0"/>
+              <a:rPr lang="en-US"/>
               <a:t>Click to edit Master title style</a:t>
             </a:r>
-            <a:endParaRPr lang="en-US"/>
           </a:p>
         </p:txBody>
       </p:sp>
@@ -5021,38 +5354,37 @@
           <a:p>
             <a:pPr lvl="0"/>
             <a:r>
-              <a:rPr lang="en-US" smtClean="0"/>
+              <a:rPr lang="en-US"/>
               <a:t>Click to edit Master text styles</a:t>
             </a:r>
           </a:p>
           <a:p>
             <a:pPr lvl="1"/>
             <a:r>
-              <a:rPr lang="en-US" smtClean="0"/>
+              <a:rPr lang="en-US"/>
               <a:t>Second level</a:t>
             </a:r>
           </a:p>
           <a:p>
             <a:pPr lvl="2"/>
             <a:r>
-              <a:rPr lang="en-US" smtClean="0"/>
+              <a:rPr lang="en-US"/>
               <a:t>Third level</a:t>
             </a:r>
           </a:p>
           <a:p>
             <a:pPr lvl="3"/>
             <a:r>
-              <a:rPr lang="en-US" smtClean="0"/>
+              <a:rPr lang="en-US"/>
               <a:t>Fourth level</a:t>
             </a:r>
           </a:p>
           <a:p>
             <a:pPr lvl="4"/>
             <a:r>
-              <a:rPr lang="en-US" smtClean="0"/>
+              <a:rPr lang="en-US"/>
               <a:t>Fifth level</a:t>
             </a:r>
-            <a:endParaRPr lang="en-US"/>
           </a:p>
         </p:txBody>
       </p:sp>
@@ -5115,7 +5447,7 @@
           <a:p>
             <a:pPr lvl="0"/>
             <a:r>
-              <a:rPr lang="en-US" smtClean="0"/>
+              <a:rPr lang="en-US"/>
               <a:t>Click to edit Master text styles</a:t>
             </a:r>
           </a:p>
@@ -5138,7 +5470,7 @@
           <a:p>
             <a:fld id="{F361EE3A-9322-EE42-8944-DBFD3A22011F}" type="datetimeFigureOut">
               <a:rPr lang="en-US" smtClean="0"/>
-              <a:t>9/7/19</a:t>
+              <a:t>9/7/2019</a:t>
             </a:fld>
             <a:endParaRPr lang="en-US"/>
           </a:p>
@@ -5241,10 +5573,9 @@
           </a:lstStyle>
           <a:p>
             <a:r>
-              <a:rPr lang="en-US" smtClean="0"/>
+              <a:rPr lang="en-US"/>
               <a:t>Click to edit Master title style</a:t>
             </a:r>
-            <a:endParaRPr lang="en-US"/>
           </a:p>
         </p:txBody>
       </p:sp>
@@ -5368,7 +5699,7 @@
           <a:p>
             <a:pPr lvl="0"/>
             <a:r>
-              <a:rPr lang="en-US" smtClean="0"/>
+              <a:rPr lang="en-US"/>
               <a:t>Click to edit Master text styles</a:t>
             </a:r>
           </a:p>
@@ -5391,7 +5722,7 @@
           <a:p>
             <a:fld id="{F361EE3A-9322-EE42-8944-DBFD3A22011F}" type="datetimeFigureOut">
               <a:rPr lang="en-US" smtClean="0"/>
-              <a:t>9/7/19</a:t>
+              <a:t>9/7/2019</a:t>
             </a:fld>
             <a:endParaRPr lang="en-US"/>
           </a:p>
@@ -5500,10 +5831,9 @@
           <a:lstStyle/>
           <a:p>
             <a:r>
-              <a:rPr lang="en-US" smtClean="0"/>
+              <a:rPr lang="en-US"/>
               <a:t>Click to edit Master title style</a:t>
             </a:r>
-            <a:endParaRPr lang="en-US"/>
           </a:p>
         </p:txBody>
       </p:sp>
@@ -5534,38 +5864,37 @@
           <a:p>
             <a:pPr lvl="0"/>
             <a:r>
-              <a:rPr lang="en-US" smtClean="0"/>
+              <a:rPr lang="en-US"/>
               <a:t>Click to edit Master text styles</a:t>
             </a:r>
           </a:p>
           <a:p>
             <a:pPr lvl="1"/>
             <a:r>
-              <a:rPr lang="en-US" smtClean="0"/>
+              <a:rPr lang="en-US"/>
               <a:t>Second level</a:t>
             </a:r>
           </a:p>
           <a:p>
             <a:pPr lvl="2"/>
             <a:r>
-              <a:rPr lang="en-US" smtClean="0"/>
+              <a:rPr lang="en-US"/>
               <a:t>Third level</a:t>
             </a:r>
           </a:p>
           <a:p>
             <a:pPr lvl="3"/>
             <a:r>
-              <a:rPr lang="en-US" smtClean="0"/>
+              <a:rPr lang="en-US"/>
               <a:t>Fourth level</a:t>
             </a:r>
           </a:p>
           <a:p>
             <a:pPr lvl="4"/>
             <a:r>
-              <a:rPr lang="en-US" smtClean="0"/>
+              <a:rPr lang="en-US"/>
               <a:t>Fifth level</a:t>
             </a:r>
-            <a:endParaRPr lang="en-US"/>
           </a:p>
         </p:txBody>
       </p:sp>
@@ -5604,7 +5933,7 @@
           <a:p>
             <a:fld id="{F361EE3A-9322-EE42-8944-DBFD3A22011F}" type="datetimeFigureOut">
               <a:rPr lang="en-US" smtClean="0"/>
-              <a:t>9/7/19</a:t>
+              <a:t>9/7/2019</a:t>
             </a:fld>
             <a:endParaRPr lang="en-US"/>
           </a:p>
@@ -6025,10 +6354,9 @@
           <a:lstStyle/>
           <a:p>
             <a:r>
-              <a:rPr lang="en-US" dirty="0" smtClean="0"/>
+              <a:rPr lang="en-US" dirty="0"/>
               <a:t>Entrada</a:t>
             </a:r>
-            <a:endParaRPr lang="en-US" dirty="0"/>
           </a:p>
         </p:txBody>
       </p:sp>
@@ -6048,23 +6376,22 @@
           <a:lstStyle/>
           <a:p>
             <a:r>
-              <a:rPr lang="en-US" dirty="0" smtClean="0"/>
+              <a:rPr lang="en-US" dirty="0"/>
               <a:t>Ali</a:t>
             </a:r>
           </a:p>
           <a:p>
             <a:r>
-              <a:rPr lang="en-US" dirty="0" err="1" smtClean="0"/>
+              <a:rPr lang="en-US" dirty="0" err="1"/>
               <a:t>Mashal</a:t>
             </a:r>
-            <a:endParaRPr lang="en-US" dirty="0" smtClean="0"/>
-          </a:p>
-          <a:p>
-            <a:r>
-              <a:rPr lang="en-US" dirty="0" smtClean="0"/>
+            <a:endParaRPr lang="en-US" dirty="0"/>
+          </a:p>
+          <a:p>
+            <a:r>
+              <a:rPr lang="en-US" dirty="0"/>
               <a:t>Khalid</a:t>
             </a:r>
-            <a:endParaRPr lang="en-US" dirty="0"/>
           </a:p>
         </p:txBody>
       </p:sp>
@@ -6114,10 +6441,9 @@
           <a:lstStyle/>
           <a:p>
             <a:r>
-              <a:rPr lang="en-US" dirty="0" smtClean="0"/>
+              <a:rPr lang="en-US" dirty="0"/>
               <a:t>Workload Split </a:t>
             </a:r>
-            <a:endParaRPr lang="en-US" dirty="0"/>
           </a:p>
         </p:txBody>
       </p:sp>
@@ -6137,49 +6463,33 @@
           <a:lstStyle/>
           <a:p>
             <a:r>
-              <a:rPr lang="en-US" dirty="0" smtClean="0"/>
+              <a:rPr lang="en-US" dirty="0"/>
               <a:t>Ali tries to modify the java code to use the PCAP file timestamp instead of the live timestamp.</a:t>
             </a:r>
           </a:p>
           <a:p>
             <a:r>
-              <a:rPr lang="en-US" dirty="0" err="1" smtClean="0"/>
+              <a:rPr lang="en-US" dirty="0" err="1"/>
               <a:t>Mashal</a:t>
             </a:r>
             <a:r>
-              <a:rPr lang="en-US" dirty="0" smtClean="0"/>
+              <a:rPr lang="en-US" dirty="0"/>
               <a:t> and Khaled try to upgrade the system to the new version (2.0.X).</a:t>
             </a:r>
           </a:p>
           <a:p>
             <a:r>
-              <a:rPr lang="en-US" dirty="0" smtClean="0"/>
-              <a:t>Khaled modifies the </a:t>
-            </a:r>
-            <a:r>
-              <a:rPr lang="en-US" dirty="0" err="1" smtClean="0"/>
-              <a:t>Grafana</a:t>
-            </a:r>
-            <a:r>
-              <a:rPr lang="en-US" dirty="0" smtClean="0"/>
-              <a:t> dashboard to meet the </a:t>
-            </a:r>
-            <a:r>
-              <a:rPr lang="en-US" dirty="0" err="1" smtClean="0"/>
-              <a:t>clent’s</a:t>
-            </a:r>
-            <a:r>
-              <a:rPr lang="en-US" dirty="0" smtClean="0"/>
-              <a:t> requirements. </a:t>
-            </a:r>
-          </a:p>
-          <a:p>
-            <a:r>
-              <a:rPr lang="en-US" dirty="0" err="1" smtClean="0"/>
+              <a:rPr lang="en-US" dirty="0"/>
+              <a:t>Khaled modifies the Grafana dashboard to meet the client's requirements. </a:t>
+            </a:r>
+          </a:p>
+          <a:p>
+            <a:r>
+              <a:rPr lang="en-US" dirty="0" err="1"/>
               <a:t>Mashal</a:t>
             </a:r>
             <a:r>
-              <a:rPr lang="en-US" dirty="0" smtClean="0"/>
+              <a:rPr lang="en-US" dirty="0"/>
               <a:t> and Ali upgrade and configure PostgreSQL to work with Entrada 2.0.X.</a:t>
             </a:r>
           </a:p>
@@ -6234,10 +6544,9 @@
           <a:lstStyle/>
           <a:p>
             <a:r>
-              <a:rPr lang="en-US" dirty="0" smtClean="0"/>
+              <a:rPr lang="en-US" dirty="0"/>
               <a:t>Ali’s Overview</a:t>
             </a:r>
-            <a:endParaRPr lang="en-US" dirty="0"/>
           </a:p>
         </p:txBody>
       </p:sp>
@@ -6257,25 +6566,25 @@
           <a:lstStyle/>
           <a:p>
             <a:r>
-              <a:rPr lang="en-US" dirty="0" smtClean="0"/>
+              <a:rPr lang="en-US" dirty="0"/>
               <a:t>Task: Modify Entrada’s 0.1.3 java code.</a:t>
             </a:r>
           </a:p>
           <a:p>
             <a:r>
-              <a:rPr lang="en-US" dirty="0" smtClean="0"/>
+              <a:rPr lang="en-US" dirty="0"/>
               <a:t>Tools used: Eclipse IDE, Apache Maven, Junit, Java Programming Language, Centos 7.</a:t>
             </a:r>
           </a:p>
           <a:p>
             <a:r>
-              <a:rPr lang="en-US" dirty="0" smtClean="0"/>
+              <a:rPr lang="en-US" dirty="0"/>
               <a:t>Time Taken: 7 Days.</a:t>
             </a:r>
           </a:p>
           <a:p>
             <a:r>
-              <a:rPr lang="en-US" dirty="0" smtClean="0"/>
+              <a:rPr lang="en-US" dirty="0"/>
               <a:t>Final Result: Timestamp changed as intended and deployment was successful.</a:t>
             </a:r>
           </a:p>
@@ -6327,10 +6636,9 @@
           <a:lstStyle/>
           <a:p>
             <a:r>
-              <a:rPr lang="en-US" dirty="0" smtClean="0"/>
+              <a:rPr lang="en-US" dirty="0"/>
               <a:t>Issues Faced</a:t>
             </a:r>
-            <a:endParaRPr lang="en-US" dirty="0"/>
           </a:p>
         </p:txBody>
       </p:sp>
@@ -6350,30 +6658,30 @@
           <a:lstStyle/>
           <a:p>
             <a:r>
-              <a:rPr lang="en-US" dirty="0" smtClean="0"/>
+              <a:rPr lang="en-US" dirty="0"/>
               <a:t>Setting up project workspace in Eclipse.</a:t>
             </a:r>
           </a:p>
           <a:p>
             <a:r>
-              <a:rPr lang="en-US" dirty="0" smtClean="0"/>
+              <a:rPr lang="en-US" dirty="0"/>
               <a:t>Diving deep into the java codes.</a:t>
             </a:r>
           </a:p>
           <a:p>
             <a:r>
-              <a:rPr lang="en-US" dirty="0" smtClean="0"/>
+              <a:rPr lang="en-US" dirty="0"/>
               <a:t>Implementing an accurate testing method.</a:t>
             </a:r>
           </a:p>
           <a:p>
             <a:r>
-              <a:rPr lang="en-US" dirty="0" smtClean="0"/>
+              <a:rPr lang="en-US" dirty="0"/>
               <a:t>Deploying executables back into the cluster.</a:t>
             </a:r>
           </a:p>
           <a:p>
-            <a:endParaRPr lang="en-US" dirty="0" smtClean="0"/>
+            <a:endParaRPr lang="en-US" dirty="0"/>
           </a:p>
         </p:txBody>
       </p:sp>
@@ -6423,14 +6731,13 @@
           <a:lstStyle/>
           <a:p>
             <a:r>
-              <a:rPr lang="en-US" dirty="0" err="1" smtClean="0"/>
+              <a:rPr lang="en-US" dirty="0" err="1"/>
               <a:t>Mashal’s</a:t>
             </a:r>
             <a:r>
-              <a:rPr lang="en-US" dirty="0" smtClean="0"/>
+              <a:rPr lang="en-US" dirty="0"/>
               <a:t> Overview</a:t>
             </a:r>
-            <a:endParaRPr lang="en-US" dirty="0"/>
           </a:p>
         </p:txBody>
       </p:sp>
@@ -6450,26 +6757,26 @@
           <a:lstStyle/>
           <a:p>
             <a:r>
-              <a:rPr lang="en-US" dirty="0" smtClean="0"/>
-              <a:t>Task: </a:t>
-            </a:r>
-          </a:p>
-          <a:p>
-            <a:r>
-              <a:rPr lang="en-US" dirty="0" smtClean="0"/>
-              <a:t>Tools used:</a:t>
-            </a:r>
-          </a:p>
-          <a:p>
-            <a:r>
-              <a:rPr lang="en-US" dirty="0" smtClean="0"/>
-              <a:t>Time Taken:</a:t>
-            </a:r>
-          </a:p>
-          <a:p>
-            <a:r>
-              <a:rPr lang="en-US" dirty="0" smtClean="0"/>
-              <a:t>Final Result:</a:t>
+              <a:rPr lang="en-US" dirty="0"/>
+              <a:t>Task: upgrading entrada to version 2.0.X</a:t>
+            </a:r>
+          </a:p>
+          <a:p>
+            <a:r>
+              <a:rPr lang="en-US" dirty="0"/>
+              <a:t>Tools used: docker, docker-compose, vim, PostgreSQL , HDFS, Centos7</a:t>
+            </a:r>
+          </a:p>
+          <a:p>
+            <a:r>
+              <a:rPr lang="en-US" dirty="0"/>
+              <a:t>Time Taken:2-3 weeks </a:t>
+            </a:r>
+          </a:p>
+          <a:p>
+            <a:r>
+              <a:rPr lang="en-US" dirty="0"/>
+              <a:t>Final Result: entrada is working with high performance (production version)</a:t>
             </a:r>
           </a:p>
           <a:p>
@@ -6523,10 +6830,9 @@
           <a:lstStyle/>
           <a:p>
             <a:r>
-              <a:rPr lang="en-US" dirty="0" smtClean="0"/>
+              <a:rPr lang="en-US" dirty="0"/>
               <a:t>Issues Faced</a:t>
             </a:r>
-            <a:endParaRPr lang="en-US" dirty="0"/>
           </a:p>
         </p:txBody>
       </p:sp>
@@ -6545,7 +6851,36 @@
           <a:bodyPr/>
           <a:lstStyle/>
           <a:p>
-            <a:endParaRPr lang="en-US"/>
+            <a:r>
+              <a:rPr lang="en-US" dirty="0"/>
+              <a:t>Installing </a:t>
+            </a:r>
+            <a:r>
+              <a:rPr lang="en-US"/>
+              <a:t>and Understanding </a:t>
+            </a:r>
+            <a:r>
+              <a:rPr lang="en-US" dirty="0"/>
+              <a:t>docker</a:t>
+            </a:r>
+          </a:p>
+          <a:p>
+            <a:r>
+              <a:rPr lang="en-US" dirty="0"/>
+              <a:t>The version of PostgreSQL is not compatible with new version of entrada.</a:t>
+            </a:r>
+          </a:p>
+          <a:p>
+            <a:r>
+              <a:rPr lang="en-US" dirty="0"/>
+              <a:t>Configuring HDFS to work with entrada.</a:t>
+            </a:r>
+          </a:p>
+          <a:p>
+            <a:endParaRPr lang="en-US" dirty="0"/>
+          </a:p>
+          <a:p>
+            <a:endParaRPr lang="en-US" dirty="0"/>
           </a:p>
         </p:txBody>
       </p:sp>
@@ -6595,10 +6930,9 @@
           <a:lstStyle/>
           <a:p>
             <a:r>
-              <a:rPr lang="en-US" dirty="0" smtClean="0"/>
+              <a:rPr lang="en-US" dirty="0"/>
               <a:t>Khalid’s Overview</a:t>
             </a:r>
-            <a:endParaRPr lang="en-US" dirty="0"/>
           </a:p>
         </p:txBody>
       </p:sp>
@@ -6618,25 +6952,25 @@
           <a:lstStyle/>
           <a:p>
             <a:r>
-              <a:rPr lang="en-US" dirty="0" smtClean="0"/>
+              <a:rPr lang="en-US" dirty="0"/>
               <a:t>Task: </a:t>
             </a:r>
           </a:p>
           <a:p>
             <a:r>
-              <a:rPr lang="en-US" dirty="0" smtClean="0"/>
+              <a:rPr lang="en-US" dirty="0"/>
               <a:t>Tools used:</a:t>
             </a:r>
           </a:p>
           <a:p>
             <a:r>
-              <a:rPr lang="en-US" dirty="0" smtClean="0"/>
+              <a:rPr lang="en-US" dirty="0"/>
               <a:t>Time Taken:</a:t>
             </a:r>
           </a:p>
           <a:p>
             <a:r>
-              <a:rPr lang="en-US" dirty="0" smtClean="0"/>
+              <a:rPr lang="en-US" dirty="0"/>
               <a:t>Final Result:</a:t>
             </a:r>
           </a:p>
@@ -6688,10 +7022,9 @@
           <a:lstStyle/>
           <a:p>
             <a:r>
-              <a:rPr lang="en-US" dirty="0" smtClean="0"/>
+              <a:rPr lang="en-US" dirty="0"/>
               <a:t>Issues Faced</a:t>
             </a:r>
-            <a:endParaRPr lang="en-US" dirty="0"/>
           </a:p>
         </p:txBody>
       </p:sp>
@@ -6710,7 +7043,7 @@
           <a:bodyPr/>
           <a:lstStyle/>
           <a:p>
-            <a:endParaRPr lang="en-US"/>
+            <a:endParaRPr lang="en-US" dirty="0"/>
           </a:p>
         </p:txBody>
       </p:sp>
@@ -6749,7 +7082,7 @@
           <p:cNvPr id="2" name="Diagram 1">
             <a:extLst>
               <a:ext uri="{FF2B5EF4-FFF2-40B4-BE49-F238E27FC236}">
-                <a16:creationId xmlns:a16="http://schemas.microsoft.com/office/drawing/2014/main" xmlns="" id="{EEF9AD42-46BB-41CC-9817-B9E7ABAE12B6}"/>
+                <a16:creationId xmlns:a16="http://schemas.microsoft.com/office/drawing/2014/main" id="{EEF9AD42-46BB-41CC-9817-B9E7ABAE12B6}"/>
               </a:ext>
             </a:extLst>
           </p:cNvPr>
@@ -6818,10 +7151,9 @@
           <a:lstStyle/>
           <a:p>
             <a:r>
-              <a:rPr lang="en-US" dirty="0" smtClean="0"/>
+              <a:rPr lang="en-US" dirty="0"/>
               <a:t>Overview</a:t>
             </a:r>
-            <a:endParaRPr lang="en-US" dirty="0"/>
           </a:p>
         </p:txBody>
       </p:sp>
@@ -6841,29 +7173,29 @@
           <a:lstStyle/>
           <a:p>
             <a:r>
-              <a:rPr lang="en-US" dirty="0" smtClean="0"/>
+              <a:rPr lang="en-US" dirty="0"/>
               <a:t>Problem: Data sent to </a:t>
             </a:r>
             <a:r>
-              <a:rPr lang="en-US" dirty="0" err="1" smtClean="0"/>
+              <a:rPr lang="en-US" dirty="0" err="1"/>
               <a:t>Grafana</a:t>
             </a:r>
             <a:r>
-              <a:rPr lang="en-US" dirty="0" smtClean="0"/>
+              <a:rPr lang="en-US" dirty="0"/>
               <a:t> is not displayed with the proper packet timestamp. </a:t>
             </a:r>
           </a:p>
           <a:p>
             <a:r>
-              <a:rPr lang="en-US" dirty="0" smtClean="0"/>
+              <a:rPr lang="en-US" dirty="0"/>
               <a:t>Usage example: When sending April’s data in August, </a:t>
             </a:r>
             <a:r>
-              <a:rPr lang="en-US" dirty="0" err="1" smtClean="0"/>
+              <a:rPr lang="en-US" dirty="0" err="1"/>
               <a:t>Grafana</a:t>
             </a:r>
             <a:r>
-              <a:rPr lang="en-US" dirty="0" smtClean="0"/>
+              <a:rPr lang="en-US" dirty="0"/>
               <a:t> assumes this data was captured in August; therefore graphs are misleading.</a:t>
             </a:r>
           </a:p>
@@ -6915,10 +7247,9 @@
           <a:lstStyle/>
           <a:p>
             <a:r>
-              <a:rPr lang="en-US" dirty="0" smtClean="0"/>
+              <a:rPr lang="en-US" dirty="0"/>
               <a:t>Cause</a:t>
             </a:r>
-            <a:endParaRPr lang="en-US" dirty="0"/>
           </a:p>
         </p:txBody>
       </p:sp>
@@ -6938,15 +7269,15 @@
           <a:lstStyle/>
           <a:p>
             <a:r>
-              <a:rPr lang="en-US" dirty="0" smtClean="0"/>
-              <a:t>Entrada 0.9.X sends metrics to graphite in the following format: (</a:t>
-            </a:r>
-            <a:r>
-              <a:rPr lang="en-US" dirty="0" err="1" smtClean="0"/>
+              <a:rPr lang="en-US" dirty="0"/>
+              <a:t>Entrada 0.1.3 sends metrics to graphite in the following format: (</a:t>
+            </a:r>
+            <a:r>
+              <a:rPr lang="en-US" dirty="0" err="1"/>
               <a:t>metricName</a:t>
             </a:r>
             <a:r>
-              <a:rPr lang="en-US" dirty="0" smtClean="0"/>
+              <a:rPr lang="en-US" dirty="0"/>
               <a:t>, value, timestamp); however, when inspecting the logs we noticed it’s using the current system’s time as a timestamp rather than extracting it from the packet itself.</a:t>
             </a:r>
           </a:p>
@@ -6998,10 +7329,9 @@
           <a:lstStyle/>
           <a:p>
             <a:r>
-              <a:rPr lang="en-US" dirty="0" smtClean="0"/>
+              <a:rPr lang="en-US" dirty="0"/>
               <a:t>Possible Solutions</a:t>
             </a:r>
-            <a:endParaRPr lang="en-US" dirty="0"/>
           </a:p>
         </p:txBody>
       </p:sp>
@@ -7025,7 +7355,7 @@
               <a:buAutoNum type="arabicPeriod"/>
             </a:pPr>
             <a:r>
-              <a:rPr lang="en-US" dirty="0" smtClean="0"/>
+              <a:rPr lang="en-US" dirty="0"/>
               <a:t>Update Entrada to version 2.0.X.</a:t>
             </a:r>
           </a:p>
@@ -7035,10 +7365,9 @@
               <a:buAutoNum type="arabicPeriod"/>
             </a:pPr>
             <a:r>
-              <a:rPr lang="en-US" dirty="0" smtClean="0"/>
-              <a:t>Modify Entrada’s 0.9.X java code in order to include the packet timestamp.</a:t>
-            </a:r>
-            <a:endParaRPr lang="en-US" dirty="0"/>
+              <a:rPr lang="en-US" dirty="0"/>
+              <a:t>Modify Entrada’s 0.1.3 java code in order to include the packet timestamp.</a:t>
+            </a:r>
           </a:p>
         </p:txBody>
       </p:sp>
@@ -7088,10 +7417,9 @@
           <a:lstStyle/>
           <a:p>
             <a:r>
-              <a:rPr lang="en-US" dirty="0" smtClean="0"/>
+              <a:rPr lang="en-US" dirty="0"/>
               <a:t>Pros and Cons of Modifying Entrada</a:t>
             </a:r>
-            <a:endParaRPr lang="en-US" dirty="0"/>
           </a:p>
         </p:txBody>
       </p:sp>
@@ -7121,8 +7449,20 @@
                 <a:tableStyleId>{5C22544A-7EE6-4342-B048-85BDC9FD1C3A}</a:tableStyleId>
               </a:tblPr>
               <a:tblGrid>
-                <a:gridCol w="5257800"/>
-                <a:gridCol w="5257800"/>
+                <a:gridCol w="5257800">
+                  <a:extLst>
+                    <a:ext uri="{9D8B030D-6E8A-4147-A177-3AD203B41FA5}">
+                      <a16:colId xmlns:a16="http://schemas.microsoft.com/office/drawing/2014/main" val="20000"/>
+                    </a:ext>
+                  </a:extLst>
+                </a:gridCol>
+                <a:gridCol w="5257800">
+                  <a:extLst>
+                    <a:ext uri="{9D8B030D-6E8A-4147-A177-3AD203B41FA5}">
+                      <a16:colId xmlns:a16="http://schemas.microsoft.com/office/drawing/2014/main" val="20001"/>
+                    </a:ext>
+                  </a:extLst>
+                </a:gridCol>
               </a:tblGrid>
               <a:tr h="770156">
                 <a:tc>
@@ -7131,10 +7471,9 @@
                     <a:lstStyle/>
                     <a:p>
                       <a:r>
-                        <a:rPr lang="en-US" dirty="0" smtClean="0"/>
+                        <a:rPr lang="en-US" dirty="0"/>
                         <a:t>Pros</a:t>
                       </a:r>
-                      <a:endParaRPr lang="en-US" dirty="0"/>
                     </a:p>
                   </a:txBody>
                   <a:tcPr/>
@@ -7145,14 +7484,18 @@
                     <a:lstStyle/>
                     <a:p>
                       <a:r>
-                        <a:rPr lang="en-US" dirty="0" smtClean="0"/>
+                        <a:rPr lang="en-US" dirty="0"/>
                         <a:t>Cons</a:t>
                       </a:r>
-                      <a:endParaRPr lang="en-US" dirty="0"/>
                     </a:p>
                   </a:txBody>
                   <a:tcPr/>
                 </a:tc>
+                <a:extLst>
+                  <a:ext uri="{0D108BD9-81ED-4DB2-BD59-A6C34878D82A}">
+                    <a16:rowId xmlns:a16="http://schemas.microsoft.com/office/drawing/2014/main" val="10000"/>
+                  </a:ext>
+                </a:extLst>
               </a:tr>
               <a:tr h="770156">
                 <a:tc>
@@ -7161,11 +7504,11 @@
                     <a:lstStyle/>
                     <a:p>
                       <a:r>
-                        <a:rPr lang="en-US" dirty="0" smtClean="0"/>
+                        <a:rPr lang="en-US" dirty="0"/>
                         <a:t>Current</a:t>
                       </a:r>
                       <a:r>
-                        <a:rPr lang="en-US" baseline="0" dirty="0" smtClean="0"/>
+                        <a:rPr lang="en-US" baseline="0" dirty="0"/>
                         <a:t> Entrada is tried and tested on our cluster.</a:t>
                       </a:r>
                       <a:endParaRPr lang="en-US" dirty="0"/>
@@ -7179,14 +7522,18 @@
                     <a:lstStyle/>
                     <a:p>
                       <a:r>
-                        <a:rPr lang="en-US" dirty="0" smtClean="0"/>
+                        <a:rPr lang="en-US" dirty="0"/>
                         <a:t>Time inefficient.</a:t>
                       </a:r>
-                      <a:endParaRPr lang="en-US" dirty="0"/>
                     </a:p>
                   </a:txBody>
                   <a:tcPr/>
                 </a:tc>
+                <a:extLst>
+                  <a:ext uri="{0D108BD9-81ED-4DB2-BD59-A6C34878D82A}">
+                    <a16:rowId xmlns:a16="http://schemas.microsoft.com/office/drawing/2014/main" val="10001"/>
+                  </a:ext>
+                </a:extLst>
               </a:tr>
               <a:tr h="770156">
                 <a:tc>
@@ -7212,7 +7559,7 @@
                         <a:defRPr/>
                       </a:pPr>
                       <a:r>
-                        <a:rPr lang="en-US" dirty="0" smtClean="0"/>
+                        <a:rPr lang="en-US" dirty="0"/>
                         <a:t>Behavior is controlled.</a:t>
                       </a:r>
                     </a:p>
@@ -7228,14 +7575,18 @@
                     <a:lstStyle/>
                     <a:p>
                       <a:r>
-                        <a:rPr lang="en-US" dirty="0" smtClean="0"/>
+                        <a:rPr lang="en-US" dirty="0"/>
                         <a:t>Requires deep understanding of the code.</a:t>
                       </a:r>
-                      <a:endParaRPr lang="en-US" dirty="0"/>
                     </a:p>
                   </a:txBody>
                   <a:tcPr/>
                 </a:tc>
+                <a:extLst>
+                  <a:ext uri="{0D108BD9-81ED-4DB2-BD59-A6C34878D82A}">
+                    <a16:rowId xmlns:a16="http://schemas.microsoft.com/office/drawing/2014/main" val="10002"/>
+                  </a:ext>
+                </a:extLst>
               </a:tr>
               <a:tr h="770156">
                 <a:tc>
@@ -7261,7 +7612,7 @@
                         <a:defRPr/>
                       </a:pPr>
                       <a:r>
-                        <a:rPr lang="en-US" b="1" dirty="0" smtClean="0"/>
+                        <a:rPr lang="en-US" b="1" dirty="0"/>
                         <a:t>Meets the client's needs.</a:t>
                       </a:r>
                     </a:p>
@@ -7277,14 +7628,18 @@
                     <a:lstStyle/>
                     <a:p>
                       <a:r>
-                        <a:rPr lang="en-US" dirty="0" smtClean="0"/>
+                        <a:rPr lang="en-US" dirty="0"/>
                         <a:t>Requires intensive testing.</a:t>
                       </a:r>
-                      <a:endParaRPr lang="en-US" dirty="0"/>
                     </a:p>
                   </a:txBody>
                   <a:tcPr/>
                 </a:tc>
+                <a:extLst>
+                  <a:ext uri="{0D108BD9-81ED-4DB2-BD59-A6C34878D82A}">
+                    <a16:rowId xmlns:a16="http://schemas.microsoft.com/office/drawing/2014/main" val="10003"/>
+                  </a:ext>
+                </a:extLst>
               </a:tr>
               <a:tr h="770156">
                 <a:tc>
@@ -7293,10 +7648,9 @@
                     <a:lstStyle/>
                     <a:p>
                       <a:r>
-                        <a:rPr lang="en-US" dirty="0" smtClean="0"/>
+                        <a:rPr lang="en-US" dirty="0"/>
                         <a:t>Maintains current data structure.</a:t>
                       </a:r>
-                      <a:endParaRPr lang="en-US" dirty="0"/>
                     </a:p>
                   </a:txBody>
                   <a:tcPr/>
@@ -7311,6 +7665,11 @@
                   </a:txBody>
                   <a:tcPr/>
                 </a:tc>
+                <a:extLst>
+                  <a:ext uri="{0D108BD9-81ED-4DB2-BD59-A6C34878D82A}">
+                    <a16:rowId xmlns:a16="http://schemas.microsoft.com/office/drawing/2014/main" val="10004"/>
+                  </a:ext>
+                </a:extLst>
               </a:tr>
             </a:tbl>
           </a:graphicData>
@@ -7362,10 +7721,9 @@
           <a:lstStyle/>
           <a:p>
             <a:r>
-              <a:rPr lang="en-US" dirty="0" smtClean="0"/>
+              <a:rPr lang="en-US" dirty="0"/>
               <a:t>Pros and Cons of Updating Entrada</a:t>
             </a:r>
-            <a:endParaRPr lang="en-US" dirty="0"/>
           </a:p>
         </p:txBody>
       </p:sp>
@@ -7394,8 +7752,20 @@
                 <a:tableStyleId>{5C22544A-7EE6-4342-B048-85BDC9FD1C3A}</a:tableStyleId>
               </a:tblPr>
               <a:tblGrid>
-                <a:gridCol w="5257800"/>
-                <a:gridCol w="5257800"/>
+                <a:gridCol w="5257800">
+                  <a:extLst>
+                    <a:ext uri="{9D8B030D-6E8A-4147-A177-3AD203B41FA5}">
+                      <a16:colId xmlns:a16="http://schemas.microsoft.com/office/drawing/2014/main" val="20000"/>
+                    </a:ext>
+                  </a:extLst>
+                </a:gridCol>
+                <a:gridCol w="5257800">
+                  <a:extLst>
+                    <a:ext uri="{9D8B030D-6E8A-4147-A177-3AD203B41FA5}">
+                      <a16:colId xmlns:a16="http://schemas.microsoft.com/office/drawing/2014/main" val="20001"/>
+                    </a:ext>
+                  </a:extLst>
+                </a:gridCol>
               </a:tblGrid>
               <a:tr h="770156">
                 <a:tc>
@@ -7404,10 +7774,9 @@
                     <a:lstStyle/>
                     <a:p>
                       <a:r>
-                        <a:rPr lang="en-US" dirty="0" smtClean="0"/>
+                        <a:rPr lang="en-US" dirty="0"/>
                         <a:t>Pros</a:t>
                       </a:r>
-                      <a:endParaRPr lang="en-US" dirty="0"/>
                     </a:p>
                   </a:txBody>
                   <a:tcPr/>
@@ -7418,14 +7787,18 @@
                     <a:lstStyle/>
                     <a:p>
                       <a:r>
-                        <a:rPr lang="en-US" dirty="0" smtClean="0"/>
+                        <a:rPr lang="en-US" dirty="0"/>
                         <a:t>Cons</a:t>
                       </a:r>
-                      <a:endParaRPr lang="en-US" dirty="0"/>
                     </a:p>
                   </a:txBody>
                   <a:tcPr/>
                 </a:tc>
+                <a:extLst>
+                  <a:ext uri="{0D108BD9-81ED-4DB2-BD59-A6C34878D82A}">
+                    <a16:rowId xmlns:a16="http://schemas.microsoft.com/office/drawing/2014/main" val="10000"/>
+                  </a:ext>
+                </a:extLst>
               </a:tr>
               <a:tr h="770156">
                 <a:tc>
@@ -7434,7 +7807,7 @@
                     <a:lstStyle/>
                     <a:p>
                       <a:r>
-                        <a:rPr lang="en-US" dirty="0" smtClean="0"/>
+                        <a:rPr lang="en-US" dirty="0"/>
                         <a:t>Time efficient.</a:t>
                       </a:r>
                     </a:p>
@@ -7447,11 +7820,11 @@
                     <a:lstStyle/>
                     <a:p>
                       <a:r>
-                        <a:rPr lang="en-US" dirty="0" smtClean="0"/>
+                        <a:rPr lang="en-US" dirty="0"/>
                         <a:t>Requires</a:t>
                       </a:r>
                       <a:r>
-                        <a:rPr lang="en-US" baseline="0" dirty="0" smtClean="0"/>
+                        <a:rPr lang="en-US" baseline="0" dirty="0"/>
                         <a:t> a testing environment.</a:t>
                       </a:r>
                       <a:endParaRPr lang="en-US" dirty="0"/>
@@ -7459,6 +7832,11 @@
                   </a:txBody>
                   <a:tcPr/>
                 </a:tc>
+                <a:extLst>
+                  <a:ext uri="{0D108BD9-81ED-4DB2-BD59-A6C34878D82A}">
+                    <a16:rowId xmlns:a16="http://schemas.microsoft.com/office/drawing/2014/main" val="10001"/>
+                  </a:ext>
+                </a:extLst>
               </a:tr>
               <a:tr h="770156">
                 <a:tc>
@@ -7467,10 +7845,9 @@
                     <a:lstStyle/>
                     <a:p>
                       <a:r>
-                        <a:rPr lang="en-US" dirty="0" smtClean="0"/>
+                        <a:rPr lang="en-US" dirty="0"/>
                         <a:t>Fixed old bugs.</a:t>
                       </a:r>
-                      <a:endParaRPr lang="en-US" dirty="0"/>
                     </a:p>
                   </a:txBody>
                   <a:tcPr/>
@@ -7498,14 +7875,18 @@
                         <a:defRPr/>
                       </a:pPr>
                       <a:r>
-                        <a:rPr lang="en-US" dirty="0" smtClean="0"/>
+                        <a:rPr lang="en-US" dirty="0"/>
                         <a:t>Behavior is uncontrolled.</a:t>
                       </a:r>
-                      <a:endParaRPr lang="en-US" dirty="0" smtClean="0"/>
                     </a:p>
                   </a:txBody>
                   <a:tcPr/>
                 </a:tc>
+                <a:extLst>
+                  <a:ext uri="{0D108BD9-81ED-4DB2-BD59-A6C34878D82A}">
+                    <a16:rowId xmlns:a16="http://schemas.microsoft.com/office/drawing/2014/main" val="10002"/>
+                  </a:ext>
+                </a:extLst>
               </a:tr>
               <a:tr h="770156">
                 <a:tc>
@@ -7514,19 +7895,19 @@
                     <a:lstStyle/>
                     <a:p>
                       <a:r>
-                        <a:rPr lang="en-US" dirty="0" smtClean="0"/>
+                        <a:rPr lang="en-US" dirty="0"/>
                         <a:t>Ability to use</a:t>
                       </a:r>
                       <a:r>
-                        <a:rPr lang="en-US" baseline="0" dirty="0" smtClean="0"/>
+                        <a:rPr lang="en-US" baseline="0" dirty="0"/>
                         <a:t> the </a:t>
                       </a:r>
                       <a:r>
-                        <a:rPr lang="en-US" dirty="0" smtClean="0"/>
+                        <a:rPr lang="en-US" dirty="0"/>
                         <a:t>World Map</a:t>
                       </a:r>
                       <a:r>
-                        <a:rPr lang="en-US" baseline="0" dirty="0" smtClean="0"/>
+                        <a:rPr lang="en-US" baseline="0" dirty="0"/>
                         <a:t> panel.</a:t>
                       </a:r>
                       <a:endParaRPr lang="en-US" dirty="0"/>
@@ -7540,11 +7921,11 @@
                     <a:lstStyle/>
                     <a:p>
                       <a:r>
-                        <a:rPr lang="en-US" dirty="0" smtClean="0"/>
+                        <a:rPr lang="en-US" dirty="0"/>
                         <a:t>New</a:t>
                       </a:r>
                       <a:r>
-                        <a:rPr lang="en-US" baseline="0" dirty="0" smtClean="0"/>
+                        <a:rPr lang="en-US" baseline="0" dirty="0"/>
                         <a:t> data structure.</a:t>
                       </a:r>
                       <a:endParaRPr lang="en-US" dirty="0"/>
@@ -7552,6 +7933,11 @@
                   </a:txBody>
                   <a:tcPr/>
                 </a:tc>
+                <a:extLst>
+                  <a:ext uri="{0D108BD9-81ED-4DB2-BD59-A6C34878D82A}">
+                    <a16:rowId xmlns:a16="http://schemas.microsoft.com/office/drawing/2014/main" val="10003"/>
+                  </a:ext>
+                </a:extLst>
               </a:tr>
               <a:tr h="770156">
                 <a:tc>
@@ -7560,10 +7946,9 @@
                     <a:lstStyle/>
                     <a:p>
                       <a:r>
-                        <a:rPr lang="en-US" dirty="0" smtClean="0"/>
+                        <a:rPr lang="en-US" dirty="0"/>
                         <a:t>Increased performance while using less memory.</a:t>
                       </a:r>
-                      <a:endParaRPr lang="en-US" dirty="0"/>
                     </a:p>
                   </a:txBody>
                   <a:tcPr/>
@@ -7574,14 +7959,18 @@
                     <a:lstStyle/>
                     <a:p>
                       <a:r>
-                        <a:rPr lang="en-US" b="1" dirty="0" smtClean="0"/>
+                        <a:rPr lang="en-US" b="1" dirty="0"/>
                         <a:t>Does not meet the client’s needs.</a:t>
                       </a:r>
-                      <a:endParaRPr lang="en-US" b="1" dirty="0"/>
                     </a:p>
                   </a:txBody>
                   <a:tcPr/>
                 </a:tc>
+                <a:extLst>
+                  <a:ext uri="{0D108BD9-81ED-4DB2-BD59-A6C34878D82A}">
+                    <a16:rowId xmlns:a16="http://schemas.microsoft.com/office/drawing/2014/main" val="10004"/>
+                  </a:ext>
+                </a:extLst>
               </a:tr>
             </a:tbl>
           </a:graphicData>
@@ -7633,10 +8022,9 @@
           <a:lstStyle/>
           <a:p>
             <a:r>
-              <a:rPr lang="en-US" dirty="0" smtClean="0"/>
+              <a:rPr lang="en-US" dirty="0"/>
               <a:t>Client’s Needs?</a:t>
             </a:r>
-            <a:endParaRPr lang="en-US" dirty="0"/>
           </a:p>
         </p:txBody>
       </p:sp>
@@ -7656,10 +8044,9 @@
           <a:lstStyle/>
           <a:p>
             <a:r>
-              <a:rPr lang="en-US" dirty="0" smtClean="0"/>
+              <a:rPr lang="en-US" dirty="0"/>
               <a:t>Client prefers modifying the current version rather than updating; to avoid risking the stability of the whole system.</a:t>
             </a:r>
-            <a:endParaRPr lang="en-US" dirty="0"/>
           </a:p>
         </p:txBody>
       </p:sp>
@@ -7709,10 +8096,9 @@
           <a:lstStyle/>
           <a:p>
             <a:r>
-              <a:rPr lang="en-US" dirty="0" smtClean="0"/>
+              <a:rPr lang="en-US" dirty="0"/>
               <a:t>Our plan</a:t>
             </a:r>
-            <a:endParaRPr lang="en-US" dirty="0"/>
           </a:p>
         </p:txBody>
       </p:sp>
@@ -7740,7 +8126,7 @@
               </a:spcBef>
             </a:pPr>
             <a:r>
-              <a:rPr lang="en-US" dirty="0" smtClean="0"/>
+              <a:rPr lang="en-US" dirty="0"/>
               <a:t>Split the workload equally; some will work on modifying Entrada while others work on updating it. </a:t>
             </a:r>
           </a:p>
@@ -7754,7 +8140,7 @@
               </a:spcBef>
             </a:pPr>
             <a:r>
-              <a:rPr lang="en-US" dirty="0" smtClean="0"/>
+              <a:rPr lang="en-US" dirty="0"/>
               <a:t>This ensures we meet the client’s needs and deliver a working system while also allowing us to freely work on updating it without risking the whole project. </a:t>
             </a:r>
           </a:p>
@@ -7768,10 +8154,9 @@
               </a:spcBef>
             </a:pPr>
             <a:r>
-              <a:rPr lang="en-US" dirty="0" smtClean="0"/>
+              <a:rPr lang="en-US" dirty="0"/>
               <a:t>If update fails we can always revert back to the modified old version.</a:t>
             </a:r>
-            <a:endParaRPr lang="en-US" dirty="0"/>
           </a:p>
         </p:txBody>
       </p:sp>
@@ -8047,4 +8432,299 @@
     </a:ext>
   </a:extLst>
 </a:theme>
+</file>
+
+<file path=ppt/theme/theme2.xml><?xml version="1.0" encoding="utf-8"?>
+<a:theme xmlns:a="http://schemas.openxmlformats.org/drawingml/2006/main" name="Office Theme">
+  <a:themeElements>
+    <a:clrScheme name="Office">
+      <a:dk1>
+        <a:sysClr val="windowText" lastClr="000000"/>
+      </a:dk1>
+      <a:lt1>
+        <a:sysClr val="window" lastClr="FFFFFF"/>
+      </a:lt1>
+      <a:dk2>
+        <a:srgbClr val="44546A"/>
+      </a:dk2>
+      <a:lt2>
+        <a:srgbClr val="E7E6E6"/>
+      </a:lt2>
+      <a:accent1>
+        <a:srgbClr val="4472C4"/>
+      </a:accent1>
+      <a:accent2>
+        <a:srgbClr val="ED7D31"/>
+      </a:accent2>
+      <a:accent3>
+        <a:srgbClr val="A5A5A5"/>
+      </a:accent3>
+      <a:accent4>
+        <a:srgbClr val="FFC000"/>
+      </a:accent4>
+      <a:accent5>
+        <a:srgbClr val="5B9BD5"/>
+      </a:accent5>
+      <a:accent6>
+        <a:srgbClr val="70AD47"/>
+      </a:accent6>
+      <a:hlink>
+        <a:srgbClr val="0563C1"/>
+      </a:hlink>
+      <a:folHlink>
+        <a:srgbClr val="954F72"/>
+      </a:folHlink>
+    </a:clrScheme>
+    <a:fontScheme name="Office">
+      <a:majorFont>
+        <a:latin typeface="Calibri Light" panose="020F0302020204030204"/>
+        <a:ea typeface=""/>
+        <a:cs typeface=""/>
+        <a:font script="Jpan" typeface="游ゴシック Light"/>
+        <a:font script="Hang" typeface="맑은 고딕"/>
+        <a:font script="Hans" typeface="等线 Light"/>
+        <a:font script="Hant" typeface="新細明體"/>
+        <a:font script="Arab" typeface="Times New Roman"/>
+        <a:font script="Hebr" typeface="Times New Roman"/>
+        <a:font script="Thai" typeface="Angsana New"/>
+        <a:font script="Ethi" typeface="Nyala"/>
+        <a:font script="Beng" typeface="Vrinda"/>
+        <a:font script="Gujr" typeface="Shruti"/>
+        <a:font script="Khmr" typeface="MoolBoran"/>
+        <a:font script="Knda" typeface="Tunga"/>
+        <a:font script="Guru" typeface="Raavi"/>
+        <a:font script="Cans" typeface="Euphemia"/>
+        <a:font script="Cher" typeface="Plantagenet Cherokee"/>
+        <a:font script="Yiii" typeface="Microsoft Yi Baiti"/>
+        <a:font script="Tibt" typeface="Microsoft Himalaya"/>
+        <a:font script="Thaa" typeface="MV Boli"/>
+        <a:font script="Deva" typeface="Mangal"/>
+        <a:font script="Telu" typeface="Gautami"/>
+        <a:font script="Taml" typeface="Latha"/>
+        <a:font script="Syrc" typeface="Estrangelo Edessa"/>
+        <a:font script="Orya" typeface="Kalinga"/>
+        <a:font script="Mlym" typeface="Kartika"/>
+        <a:font script="Laoo" typeface="DokChampa"/>
+        <a:font script="Sinh" typeface="Iskoola Pota"/>
+        <a:font script="Mong" typeface="Mongolian Baiti"/>
+        <a:font script="Viet" typeface="Times New Roman"/>
+        <a:font script="Uigh" typeface="Microsoft Uighur"/>
+        <a:font script="Geor" typeface="Sylfaen"/>
+        <a:font script="Armn" typeface="Arial"/>
+        <a:font script="Bugi" typeface="Leelawadee UI"/>
+        <a:font script="Bopo" typeface="Microsoft JhengHei"/>
+        <a:font script="Java" typeface="Javanese Text"/>
+        <a:font script="Lisu" typeface="Segoe UI"/>
+        <a:font script="Mymr" typeface="Myanmar Text"/>
+        <a:font script="Nkoo" typeface="Ebrima"/>
+        <a:font script="Olck" typeface="Nirmala UI"/>
+        <a:font script="Osma" typeface="Ebrima"/>
+        <a:font script="Phag" typeface="Phagspa"/>
+        <a:font script="Syrn" typeface="Estrangelo Edessa"/>
+        <a:font script="Syrj" typeface="Estrangelo Edessa"/>
+        <a:font script="Syre" typeface="Estrangelo Edessa"/>
+        <a:font script="Sora" typeface="Nirmala UI"/>
+        <a:font script="Tale" typeface="Microsoft Tai Le"/>
+        <a:font script="Talu" typeface="Microsoft New Tai Lue"/>
+        <a:font script="Tfng" typeface="Ebrima"/>
+      </a:majorFont>
+      <a:minorFont>
+        <a:latin typeface="Calibri" panose="020F0502020204030204"/>
+        <a:ea typeface=""/>
+        <a:cs typeface=""/>
+        <a:font script="Jpan" typeface="游ゴシック"/>
+        <a:font script="Hang" typeface="맑은 고딕"/>
+        <a:font script="Hans" typeface="等线"/>
+        <a:font script="Hant" typeface="新細明體"/>
+        <a:font script="Arab" typeface="Arial"/>
+        <a:font script="Hebr" typeface="Arial"/>
+        <a:font script="Thai" typeface="Cordia New"/>
+        <a:font script="Ethi" typeface="Nyala"/>
+        <a:font script="Beng" typeface="Vrinda"/>
+        <a:font script="Gujr" typeface="Shruti"/>
+        <a:font script="Khmr" typeface="DaunPenh"/>
+        <a:font script="Knda" typeface="Tunga"/>
+        <a:font script="Guru" typeface="Raavi"/>
+        <a:font script="Cans" typeface="Euphemia"/>
+        <a:font script="Cher" typeface="Plantagenet Cherokee"/>
+        <a:font script="Yiii" typeface="Microsoft Yi Baiti"/>
+        <a:font script="Tibt" typeface="Microsoft Himalaya"/>
+        <a:font script="Thaa" typeface="MV Boli"/>
+        <a:font script="Deva" typeface="Mangal"/>
+        <a:font script="Telu" typeface="Gautami"/>
+        <a:font script="Taml" typeface="Latha"/>
+        <a:font script="Syrc" typeface="Estrangelo Edessa"/>
+        <a:font script="Orya" typeface="Kalinga"/>
+        <a:font script="Mlym" typeface="Kartika"/>
+        <a:font script="Laoo" typeface="DokChampa"/>
+        <a:font script="Sinh" typeface="Iskoola Pota"/>
+        <a:font script="Mong" typeface="Mongolian Baiti"/>
+        <a:font script="Viet" typeface="Arial"/>
+        <a:font script="Uigh" typeface="Microsoft Uighur"/>
+        <a:font script="Geor" typeface="Sylfaen"/>
+        <a:font script="Armn" typeface="Arial"/>
+        <a:font script="Bugi" typeface="Leelawadee UI"/>
+        <a:font script="Bopo" typeface="Microsoft JhengHei"/>
+        <a:font script="Java" typeface="Javanese Text"/>
+        <a:font script="Lisu" typeface="Segoe UI"/>
+        <a:font script="Mymr" typeface="Myanmar Text"/>
+        <a:font script="Nkoo" typeface="Ebrima"/>
+        <a:font script="Olck" typeface="Nirmala UI"/>
+        <a:font script="Osma" typeface="Ebrima"/>
+        <a:font script="Phag" typeface="Phagspa"/>
+        <a:font script="Syrn" typeface="Estrangelo Edessa"/>
+        <a:font script="Syrj" typeface="Estrangelo Edessa"/>
+        <a:font script="Syre" typeface="Estrangelo Edessa"/>
+        <a:font script="Sora" typeface="Nirmala UI"/>
+        <a:font script="Tale" typeface="Microsoft Tai Le"/>
+        <a:font script="Talu" typeface="Microsoft New Tai Lue"/>
+        <a:font script="Tfng" typeface="Ebrima"/>
+      </a:minorFont>
+    </a:fontScheme>
+    <a:fmtScheme name="Office">
+      <a:fillStyleLst>
+        <a:solidFill>
+          <a:schemeClr val="phClr"/>
+        </a:solidFill>
+        <a:gradFill rotWithShape="1">
+          <a:gsLst>
+            <a:gs pos="0">
+              <a:schemeClr val="phClr">
+                <a:lumMod val="110000"/>
+                <a:satMod val="105000"/>
+                <a:tint val="67000"/>
+              </a:schemeClr>
+            </a:gs>
+            <a:gs pos="50000">
+              <a:schemeClr val="phClr">
+                <a:lumMod val="105000"/>
+                <a:satMod val="103000"/>
+                <a:tint val="73000"/>
+              </a:schemeClr>
+            </a:gs>
+            <a:gs pos="100000">
+              <a:schemeClr val="phClr">
+                <a:lumMod val="105000"/>
+                <a:satMod val="109000"/>
+                <a:tint val="81000"/>
+              </a:schemeClr>
+            </a:gs>
+          </a:gsLst>
+          <a:lin ang="5400000" scaled="0"/>
+        </a:gradFill>
+        <a:gradFill rotWithShape="1">
+          <a:gsLst>
+            <a:gs pos="0">
+              <a:schemeClr val="phClr">
+                <a:satMod val="103000"/>
+                <a:lumMod val="102000"/>
+                <a:tint val="94000"/>
+              </a:schemeClr>
+            </a:gs>
+            <a:gs pos="50000">
+              <a:schemeClr val="phClr">
+                <a:satMod val="110000"/>
+                <a:lumMod val="100000"/>
+                <a:shade val="100000"/>
+              </a:schemeClr>
+            </a:gs>
+            <a:gs pos="100000">
+              <a:schemeClr val="phClr">
+                <a:lumMod val="99000"/>
+                <a:satMod val="120000"/>
+                <a:shade val="78000"/>
+              </a:schemeClr>
+            </a:gs>
+          </a:gsLst>
+          <a:lin ang="5400000" scaled="0"/>
+        </a:gradFill>
+      </a:fillStyleLst>
+      <a:lnStyleLst>
+        <a:ln w="6350" cap="flat" cmpd="sng" algn="ctr">
+          <a:solidFill>
+            <a:schemeClr val="phClr"/>
+          </a:solidFill>
+          <a:prstDash val="solid"/>
+          <a:miter lim="800000"/>
+        </a:ln>
+        <a:ln w="12700" cap="flat" cmpd="sng" algn="ctr">
+          <a:solidFill>
+            <a:schemeClr val="phClr"/>
+          </a:solidFill>
+          <a:prstDash val="solid"/>
+          <a:miter lim="800000"/>
+        </a:ln>
+        <a:ln w="19050" cap="flat" cmpd="sng" algn="ctr">
+          <a:solidFill>
+            <a:schemeClr val="phClr"/>
+          </a:solidFill>
+          <a:prstDash val="solid"/>
+          <a:miter lim="800000"/>
+        </a:ln>
+      </a:lnStyleLst>
+      <a:effectStyleLst>
+        <a:effectStyle>
+          <a:effectLst/>
+        </a:effectStyle>
+        <a:effectStyle>
+          <a:effectLst/>
+        </a:effectStyle>
+        <a:effectStyle>
+          <a:effectLst>
+            <a:outerShdw blurRad="57150" dist="19050" dir="5400000" algn="ctr" rotWithShape="0">
+              <a:srgbClr val="000000">
+                <a:alpha val="63000"/>
+              </a:srgbClr>
+            </a:outerShdw>
+          </a:effectLst>
+        </a:effectStyle>
+      </a:effectStyleLst>
+      <a:bgFillStyleLst>
+        <a:solidFill>
+          <a:schemeClr val="phClr"/>
+        </a:solidFill>
+        <a:solidFill>
+          <a:schemeClr val="phClr">
+            <a:tint val="95000"/>
+            <a:satMod val="170000"/>
+          </a:schemeClr>
+        </a:solidFill>
+        <a:gradFill rotWithShape="1">
+          <a:gsLst>
+            <a:gs pos="0">
+              <a:schemeClr val="phClr">
+                <a:tint val="93000"/>
+                <a:satMod val="150000"/>
+                <a:shade val="98000"/>
+                <a:lumMod val="102000"/>
+              </a:schemeClr>
+            </a:gs>
+            <a:gs pos="50000">
+              <a:schemeClr val="phClr">
+                <a:tint val="98000"/>
+                <a:satMod val="130000"/>
+                <a:shade val="90000"/>
+                <a:lumMod val="103000"/>
+              </a:schemeClr>
+            </a:gs>
+            <a:gs pos="100000">
+              <a:schemeClr val="phClr">
+                <a:shade val="63000"/>
+                <a:satMod val="120000"/>
+              </a:schemeClr>
+            </a:gs>
+          </a:gsLst>
+          <a:lin ang="5400000" scaled="0"/>
+        </a:gradFill>
+      </a:bgFillStyleLst>
+    </a:fmtScheme>
+  </a:themeElements>
+  <a:objectDefaults/>
+  <a:extraClrSchemeLst/>
+  <a:extLst>
+    <a:ext uri="{05A4C25C-085E-4340-85A3-A5531E510DB2}">
+      <thm15:themeFamily xmlns:thm15="http://schemas.microsoft.com/office/thememl/2012/main" name="Office Theme" id="{62F939B6-93AF-4DB8-9C6B-D6C7DFDC589F}" vid="{4A3C46E8-61CC-4603-A589-7422A47A8E4A}"/>
+    </a:ext>
+  </a:extLst>
+</a:theme>
 </file>
--- a/OSOC-Final.pptx
+++ b/OSOC-Final.pptx
@@ -1265,13 +1265,6 @@
         </dgm:presLayoutVars>
       </dgm:prSet>
       <dgm:spPr/>
-      <dgm:t>
-        <a:bodyPr/>
-        <a:lstStyle/>
-        <a:p>
-          <a:endParaRPr lang="en-US"/>
-        </a:p>
-      </dgm:t>
     </dgm:pt>
     <dgm:pt modelId="{04AAB2E5-5DB6-4DBD-87A1-5787A75C82E9}" type="pres">
       <dgm:prSet presAssocID="{5BA88B08-F59C-4A55-B5FD-23213CFF1682}" presName="composite" presStyleCnt="0"/>
@@ -1285,13 +1278,6 @@
         </dgm:presLayoutVars>
       </dgm:prSet>
       <dgm:spPr/>
-      <dgm:t>
-        <a:bodyPr/>
-        <a:lstStyle/>
-        <a:p>
-          <a:endParaRPr lang="en-US"/>
-        </a:p>
-      </dgm:t>
     </dgm:pt>
     <dgm:pt modelId="{B79D303A-AEC4-4B03-B379-8552A43CE394}" type="pres">
       <dgm:prSet presAssocID="{5BA88B08-F59C-4A55-B5FD-23213CFF1682}" presName="descendantText" presStyleLbl="alignAcc1" presStyleIdx="0" presStyleCnt="2">
@@ -1300,13 +1286,6 @@
         </dgm:presLayoutVars>
       </dgm:prSet>
       <dgm:spPr/>
-      <dgm:t>
-        <a:bodyPr/>
-        <a:lstStyle/>
-        <a:p>
-          <a:endParaRPr lang="en-US"/>
-        </a:p>
-      </dgm:t>
     </dgm:pt>
     <dgm:pt modelId="{76A2954E-EBDF-41F4-9A6D-197D29542D78}" type="pres">
       <dgm:prSet presAssocID="{39363A2F-EF6F-436E-839D-D3EA31BCFD2C}" presName="sp" presStyleCnt="0"/>
@@ -1324,13 +1303,6 @@
         </dgm:presLayoutVars>
       </dgm:prSet>
       <dgm:spPr/>
-      <dgm:t>
-        <a:bodyPr/>
-        <a:lstStyle/>
-        <a:p>
-          <a:endParaRPr lang="en-US"/>
-        </a:p>
-      </dgm:t>
     </dgm:pt>
     <dgm:pt modelId="{295D754D-6513-4956-AC1F-A3E1A19F0F0D}" type="pres">
       <dgm:prSet presAssocID="{90F72996-CC39-4B1E-9099-A280EA523148}" presName="descendantText" presStyleLbl="alignAcc1" presStyleIdx="1" presStyleCnt="2">
@@ -1339,37 +1311,30 @@
         </dgm:presLayoutVars>
       </dgm:prSet>
       <dgm:spPr/>
-      <dgm:t>
-        <a:bodyPr/>
-        <a:lstStyle/>
-        <a:p>
-          <a:endParaRPr lang="en-US"/>
-        </a:p>
-      </dgm:t>
     </dgm:pt>
   </dgm:ptLst>
   <dgm:cxnLst>
+    <dgm:cxn modelId="{CAEF6F2D-7730-4749-B55B-D7341F862498}" type="presOf" srcId="{8DF17557-66C0-40CB-B6F0-832C992AB0A6}" destId="{B79D303A-AEC4-4B03-B379-8552A43CE394}" srcOrd="0" destOrd="2" presId="urn:microsoft.com/office/officeart/2005/8/layout/chevron2"/>
+    <dgm:cxn modelId="{3D24D835-3317-4F70-95B6-6FFC00E130DA}" srcId="{D47BF227-506D-493D-933E-99DE22B00514}" destId="{8DF17557-66C0-40CB-B6F0-832C992AB0A6}" srcOrd="1" destOrd="0" parTransId="{90555DC5-7517-4801-A88C-682CEA928D44}" sibTransId="{626A3A22-7F40-4F51-9C2D-8F2FAA6A11C5}"/>
+    <dgm:cxn modelId="{B6A9213A-742E-894A-B24F-529D4E2BF730}" type="presOf" srcId="{2C74D283-FFF3-45B1-9AEE-B142FEC0122A}" destId="{295D754D-6513-4956-AC1F-A3E1A19F0F0D}" srcOrd="0" destOrd="0" presId="urn:microsoft.com/office/officeart/2005/8/layout/chevron2"/>
+    <dgm:cxn modelId="{519C653B-E82D-AF43-99E8-87CA8ADD6F90}" type="presOf" srcId="{A1D954AC-509F-4FD9-92DA-805D7F9BEC07}" destId="{295D754D-6513-4956-AC1F-A3E1A19F0F0D}" srcOrd="0" destOrd="2" presId="urn:microsoft.com/office/officeart/2005/8/layout/chevron2"/>
+    <dgm:cxn modelId="{77673764-4980-2442-9D47-E62EA214C241}" type="presOf" srcId="{5BA88B08-F59C-4A55-B5FD-23213CFF1682}" destId="{A8C6B3BF-FF5D-4467-B003-16377340DF62}" srcOrd="0" destOrd="0" presId="urn:microsoft.com/office/officeart/2005/8/layout/chevron2"/>
+    <dgm:cxn modelId="{537CEB6B-D23C-43D8-A66B-6E6FC8528A71}" srcId="{2C74D283-FFF3-45B1-9AEE-B142FEC0122A}" destId="{A1D954AC-509F-4FD9-92DA-805D7F9BEC07}" srcOrd="1" destOrd="0" parTransId="{A31F6E1D-F7B6-4D78-83F1-2EC72D9BEBF4}" sibTransId="{1306D31F-3340-4C1D-B06A-6587448E203C}"/>
     <dgm:cxn modelId="{9D1AFB6D-A697-4AAF-AEE4-5A3567A2AAF5}" srcId="{2C74D283-FFF3-45B1-9AEE-B142FEC0122A}" destId="{656EC3D2-E9FE-4758-A4A2-E7058F9C9FF2}" srcOrd="2" destOrd="0" parTransId="{E5A25A38-A1C2-4076-9E57-531D3500D729}" sibTransId="{1BDC6683-80A1-435B-B94C-47E6764CF79C}"/>
-    <dgm:cxn modelId="{519C653B-E82D-AF43-99E8-87CA8ADD6F90}" type="presOf" srcId="{A1D954AC-509F-4FD9-92DA-805D7F9BEC07}" destId="{295D754D-6513-4956-AC1F-A3E1A19F0F0D}" srcOrd="0" destOrd="2" presId="urn:microsoft.com/office/officeart/2005/8/layout/chevron2"/>
-    <dgm:cxn modelId="{3D24D835-3317-4F70-95B6-6FFC00E130DA}" srcId="{D47BF227-506D-493D-933E-99DE22B00514}" destId="{8DF17557-66C0-40CB-B6F0-832C992AB0A6}" srcOrd="1" destOrd="0" parTransId="{90555DC5-7517-4801-A88C-682CEA928D44}" sibTransId="{626A3A22-7F40-4F51-9C2D-8F2FAA6A11C5}"/>
-    <dgm:cxn modelId="{77673764-4980-2442-9D47-E62EA214C241}" type="presOf" srcId="{5BA88B08-F59C-4A55-B5FD-23213CFF1682}" destId="{A8C6B3BF-FF5D-4467-B003-16377340DF62}" srcOrd="0" destOrd="0" presId="urn:microsoft.com/office/officeart/2005/8/layout/chevron2"/>
+    <dgm:cxn modelId="{981A374E-FE66-8342-8003-FED047F19676}" type="presOf" srcId="{656EC3D2-E9FE-4758-A4A2-E7058F9C9FF2}" destId="{295D754D-6513-4956-AC1F-A3E1A19F0F0D}" srcOrd="0" destOrd="3" presId="urn:microsoft.com/office/officeart/2005/8/layout/chevron2"/>
+    <dgm:cxn modelId="{1AD68677-92E6-48EA-9E42-33743CFBA5A2}" srcId="{D47BF227-506D-493D-933E-99DE22B00514}" destId="{A0DADAA4-6FC5-453C-B51F-0B94CEAC6BCF}" srcOrd="0" destOrd="0" parTransId="{D4F0301E-1A9D-4D7F-BA48-599E9438B49C}" sibTransId="{3FD9D28E-DC0B-46AE-A7A1-4B6C4A3C847E}"/>
+    <dgm:cxn modelId="{63073A89-4FA8-6D42-A25B-28FF7D61E6D8}" type="presOf" srcId="{0307DA00-481D-4BD6-846B-33BEE38B7DB1}" destId="{48F80B76-55D2-41A6-9050-A7243B7AC074}" srcOrd="0" destOrd="0" presId="urn:microsoft.com/office/officeart/2005/8/layout/chevron2"/>
+    <dgm:cxn modelId="{F9ADDE95-69FC-2C42-A92F-FF237AFEDC10}" type="presOf" srcId="{D47BF227-506D-493D-933E-99DE22B00514}" destId="{B79D303A-AEC4-4B03-B379-8552A43CE394}" srcOrd="0" destOrd="0" presId="urn:microsoft.com/office/officeart/2005/8/layout/chevron2"/>
+    <dgm:cxn modelId="{7084AFBE-8E72-490F-8322-71262C001AE4}" srcId="{D47BF227-506D-493D-933E-99DE22B00514}" destId="{BBF82890-7122-4537-B52B-E4F20ED1F867}" srcOrd="2" destOrd="0" parTransId="{9425167E-6E9D-4A98-A0D9-17165470087A}" sibTransId="{3CE1F748-9D67-4059-A103-9F3E544A2C86}"/>
+    <dgm:cxn modelId="{75B0E4BE-EE34-4F43-BFC3-E0671B6253B1}" srcId="{90F72996-CC39-4B1E-9099-A280EA523148}" destId="{2C74D283-FFF3-45B1-9AEE-B142FEC0122A}" srcOrd="0" destOrd="0" parTransId="{BAE4AF88-17CD-4366-98C9-E08F0FD0E627}" sibTransId="{7A9BFEBD-3AFF-4B7C-A7BD-C18BC3B1ED74}"/>
+    <dgm:cxn modelId="{46E052C2-BE7B-405A-8220-71D0D516FC9A}" srcId="{0307DA00-481D-4BD6-846B-33BEE38B7DB1}" destId="{90F72996-CC39-4B1E-9099-A280EA523148}" srcOrd="1" destOrd="0" parTransId="{4185CCCD-6C3C-4AF9-A782-31FE11B69714}" sibTransId="{573537D8-2BE1-456F-9339-F39922F6334B}"/>
+    <dgm:cxn modelId="{473CC3C4-3F2A-427B-9993-DC6412C481DB}" srcId="{2C74D283-FFF3-45B1-9AEE-B142FEC0122A}" destId="{0270EB40-29E7-4816-A291-4EF809864188}" srcOrd="0" destOrd="0" parTransId="{B5DE3FC1-81E1-4749-92E1-9B8BFE51F456}" sibTransId="{D6874FA6-C412-42BD-8D42-2503D6C20AD7}"/>
     <dgm:cxn modelId="{30C91AC9-4984-0D41-A9E0-429E5544DE6E}" type="presOf" srcId="{90F72996-CC39-4B1E-9099-A280EA523148}" destId="{9D686F25-77BB-4530-9949-D39A26D4065C}" srcOrd="0" destOrd="0" presId="urn:microsoft.com/office/officeart/2005/8/layout/chevron2"/>
     <dgm:cxn modelId="{8D5481CC-B5C2-4A25-B5B9-4A398A07EC7D}" srcId="{0307DA00-481D-4BD6-846B-33BEE38B7DB1}" destId="{5BA88B08-F59C-4A55-B5FD-23213CFF1682}" srcOrd="0" destOrd="0" parTransId="{7804942A-410A-46CC-8D20-866FAA5746EC}" sibTransId="{39363A2F-EF6F-436E-839D-D3EA31BCFD2C}"/>
-    <dgm:cxn modelId="{981A374E-FE66-8342-8003-FED047F19676}" type="presOf" srcId="{656EC3D2-E9FE-4758-A4A2-E7058F9C9FF2}" destId="{295D754D-6513-4956-AC1F-A3E1A19F0F0D}" srcOrd="0" destOrd="3" presId="urn:microsoft.com/office/officeart/2005/8/layout/chevron2"/>
-    <dgm:cxn modelId="{75B0E4BE-EE34-4F43-BFC3-E0671B6253B1}" srcId="{90F72996-CC39-4B1E-9099-A280EA523148}" destId="{2C74D283-FFF3-45B1-9AEE-B142FEC0122A}" srcOrd="0" destOrd="0" parTransId="{BAE4AF88-17CD-4366-98C9-E08F0FD0E627}" sibTransId="{7A9BFEBD-3AFF-4B7C-A7BD-C18BC3B1ED74}"/>
     <dgm:cxn modelId="{29D372CD-4BF9-314D-84EB-F7A853C65016}" type="presOf" srcId="{BBF82890-7122-4537-B52B-E4F20ED1F867}" destId="{B79D303A-AEC4-4B03-B379-8552A43CE394}" srcOrd="0" destOrd="3" presId="urn:microsoft.com/office/officeart/2005/8/layout/chevron2"/>
     <dgm:cxn modelId="{8C188AF5-6514-1E47-9BD2-9CFE45FC3B39}" type="presOf" srcId="{A0DADAA4-6FC5-453C-B51F-0B94CEAC6BCF}" destId="{B79D303A-AEC4-4B03-B379-8552A43CE394}" srcOrd="0" destOrd="1" presId="urn:microsoft.com/office/officeart/2005/8/layout/chevron2"/>
     <dgm:cxn modelId="{76552FF6-BDE4-474C-AD32-B50F6A8E87BE}" srcId="{5BA88B08-F59C-4A55-B5FD-23213CFF1682}" destId="{D47BF227-506D-493D-933E-99DE22B00514}" srcOrd="0" destOrd="0" parTransId="{24876323-407F-48DB-9DA8-8C640F29965E}" sibTransId="{61D06881-6805-450B-B6B9-967A680AD2A3}"/>
-    <dgm:cxn modelId="{46E052C2-BE7B-405A-8220-71D0D516FC9A}" srcId="{0307DA00-481D-4BD6-846B-33BEE38B7DB1}" destId="{90F72996-CC39-4B1E-9099-A280EA523148}" srcOrd="1" destOrd="0" parTransId="{4185CCCD-6C3C-4AF9-A782-31FE11B69714}" sibTransId="{573537D8-2BE1-456F-9339-F39922F6334B}"/>
-    <dgm:cxn modelId="{CAEF6F2D-7730-4749-B55B-D7341F862498}" type="presOf" srcId="{8DF17557-66C0-40CB-B6F0-832C992AB0A6}" destId="{B79D303A-AEC4-4B03-B379-8552A43CE394}" srcOrd="0" destOrd="2" presId="urn:microsoft.com/office/officeart/2005/8/layout/chevron2"/>
-    <dgm:cxn modelId="{1AD68677-92E6-48EA-9E42-33743CFBA5A2}" srcId="{D47BF227-506D-493D-933E-99DE22B00514}" destId="{A0DADAA4-6FC5-453C-B51F-0B94CEAC6BCF}" srcOrd="0" destOrd="0" parTransId="{D4F0301E-1A9D-4D7F-BA48-599E9438B49C}" sibTransId="{3FD9D28E-DC0B-46AE-A7A1-4B6C4A3C847E}"/>
-    <dgm:cxn modelId="{537CEB6B-D23C-43D8-A66B-6E6FC8528A71}" srcId="{2C74D283-FFF3-45B1-9AEE-B142FEC0122A}" destId="{A1D954AC-509F-4FD9-92DA-805D7F9BEC07}" srcOrd="1" destOrd="0" parTransId="{A31F6E1D-F7B6-4D78-83F1-2EC72D9BEBF4}" sibTransId="{1306D31F-3340-4C1D-B06A-6587448E203C}"/>
     <dgm:cxn modelId="{AE2FADF6-339A-6B42-9BE2-371EEDACF6FA}" type="presOf" srcId="{0270EB40-29E7-4816-A291-4EF809864188}" destId="{295D754D-6513-4956-AC1F-A3E1A19F0F0D}" srcOrd="0" destOrd="1" presId="urn:microsoft.com/office/officeart/2005/8/layout/chevron2"/>
-    <dgm:cxn modelId="{B6A9213A-742E-894A-B24F-529D4E2BF730}" type="presOf" srcId="{2C74D283-FFF3-45B1-9AEE-B142FEC0122A}" destId="{295D754D-6513-4956-AC1F-A3E1A19F0F0D}" srcOrd="0" destOrd="0" presId="urn:microsoft.com/office/officeart/2005/8/layout/chevron2"/>
-    <dgm:cxn modelId="{63073A89-4FA8-6D42-A25B-28FF7D61E6D8}" type="presOf" srcId="{0307DA00-481D-4BD6-846B-33BEE38B7DB1}" destId="{48F80B76-55D2-41A6-9050-A7243B7AC074}" srcOrd="0" destOrd="0" presId="urn:microsoft.com/office/officeart/2005/8/layout/chevron2"/>
-    <dgm:cxn modelId="{7084AFBE-8E72-490F-8322-71262C001AE4}" srcId="{D47BF227-506D-493D-933E-99DE22B00514}" destId="{BBF82890-7122-4537-B52B-E4F20ED1F867}" srcOrd="2" destOrd="0" parTransId="{9425167E-6E9D-4A98-A0D9-17165470087A}" sibTransId="{3CE1F748-9D67-4059-A103-9F3E544A2C86}"/>
-    <dgm:cxn modelId="{473CC3C4-3F2A-427B-9993-DC6412C481DB}" srcId="{2C74D283-FFF3-45B1-9AEE-B142FEC0122A}" destId="{0270EB40-29E7-4816-A291-4EF809864188}" srcOrd="0" destOrd="0" parTransId="{B5DE3FC1-81E1-4749-92E1-9B8BFE51F456}" sibTransId="{D6874FA6-C412-42BD-8D42-2503D6C20AD7}"/>
-    <dgm:cxn modelId="{F9ADDE95-69FC-2C42-A92F-FF237AFEDC10}" type="presOf" srcId="{D47BF227-506D-493D-933E-99DE22B00514}" destId="{B79D303A-AEC4-4B03-B379-8552A43CE394}" srcOrd="0" destOrd="0" presId="urn:microsoft.com/office/officeart/2005/8/layout/chevron2"/>
     <dgm:cxn modelId="{9DFDECCA-FFBA-C44F-8491-81B32FE7780F}" type="presParOf" srcId="{48F80B76-55D2-41A6-9050-A7243B7AC074}" destId="{04AAB2E5-5DB6-4DBD-87A1-5787A75C82E9}" srcOrd="0" destOrd="0" presId="urn:microsoft.com/office/officeart/2005/8/layout/chevron2"/>
     <dgm:cxn modelId="{E5FAF37E-B5FC-E44B-ADF7-DCE15C1A5A02}" type="presParOf" srcId="{04AAB2E5-5DB6-4DBD-87A1-5787A75C82E9}" destId="{A8C6B3BF-FF5D-4467-B003-16377340DF62}" srcOrd="0" destOrd="0" presId="urn:microsoft.com/office/officeart/2005/8/layout/chevron2"/>
     <dgm:cxn modelId="{91D2D189-5B27-D049-898D-9BA1DFEE7B92}" type="presParOf" srcId="{04AAB2E5-5DB6-4DBD-87A1-5787A75C82E9}" destId="{B79D303A-AEC4-4B03-B379-8552A43CE394}" srcOrd="1" destOrd="0" presId="urn:microsoft.com/office/officeart/2005/8/layout/chevron2"/>
@@ -1451,7 +1416,7 @@
         </a:bodyPr>
         <a:lstStyle/>
         <a:p>
-          <a:pPr lvl="0" algn="ctr" defTabSz="2489200">
+          <a:pPr marL="0" lvl="0" indent="0" algn="ctr" defTabSz="2489200">
             <a:lnSpc>
               <a:spcPct val="90000"/>
             </a:lnSpc>
@@ -1461,6 +1426,7 @@
             <a:spcAft>
               <a:spcPct val="35000"/>
             </a:spcAft>
+            <a:buNone/>
           </a:pPr>
           <a:r>
             <a:rPr lang="en-US" sz="5600" kern="1200" dirty="0"/>
@@ -1537,7 +1503,7 @@
             <a:spcAft>
               <a:spcPct val="15000"/>
             </a:spcAft>
-            <a:buChar char="••"/>
+            <a:buChar char="•"/>
           </a:pPr>
           <a:r>
             <a:rPr lang="en-US" sz="2200" b="1" kern="1200" dirty="0"/>
@@ -1555,7 +1521,7 @@
             <a:spcAft>
               <a:spcPct val="15000"/>
             </a:spcAft>
-            <a:buChar char="••"/>
+            <a:buChar char="•"/>
           </a:pPr>
           <a:r>
             <a:rPr lang="en-US" sz="2200" kern="1200" dirty="0"/>
@@ -1573,7 +1539,7 @@
             <a:spcAft>
               <a:spcPct val="15000"/>
             </a:spcAft>
-            <a:buChar char="••"/>
+            <a:buChar char="•"/>
           </a:pPr>
           <a:r>
             <a:rPr lang="en-US" sz="2200" kern="1200" dirty="0"/>
@@ -1591,7 +1557,7 @@
             <a:spcAft>
               <a:spcPct val="15000"/>
             </a:spcAft>
-            <a:buChar char="••"/>
+            <a:buChar char="•"/>
           </a:pPr>
           <a:r>
             <a:rPr lang="en-US" sz="2200" kern="1200" dirty="0"/>
@@ -1659,7 +1625,7 @@
         </a:bodyPr>
         <a:lstStyle/>
         <a:p>
-          <a:pPr lvl="0" algn="ctr" defTabSz="2489200">
+          <a:pPr marL="0" lvl="0" indent="0" algn="ctr" defTabSz="2489200">
             <a:lnSpc>
               <a:spcPct val="90000"/>
             </a:lnSpc>
@@ -1669,6 +1635,7 @@
             <a:spcAft>
               <a:spcPct val="35000"/>
             </a:spcAft>
+            <a:buNone/>
           </a:pPr>
           <a:r>
             <a:rPr lang="en-US" sz="5600" kern="1200" dirty="0"/>
@@ -1745,7 +1712,7 @@
             <a:spcAft>
               <a:spcPct val="15000"/>
             </a:spcAft>
-            <a:buChar char="••"/>
+            <a:buChar char="•"/>
           </a:pPr>
           <a:r>
             <a:rPr lang="en-US" sz="2200" b="1" kern="1200" dirty="0"/>
@@ -1763,7 +1730,7 @@
             <a:spcAft>
               <a:spcPct val="15000"/>
             </a:spcAft>
-            <a:buChar char="••"/>
+            <a:buChar char="•"/>
           </a:pPr>
           <a:r>
             <a:rPr lang="en-US" sz="2200" kern="1200" dirty="0"/>
@@ -1781,7 +1748,7 @@
             <a:spcAft>
               <a:spcPct val="15000"/>
             </a:spcAft>
-            <a:buChar char="••"/>
+            <a:buChar char="•"/>
           </a:pPr>
           <a:r>
             <a:rPr lang="en-US" sz="2200" kern="1200" dirty="0"/>
@@ -1799,7 +1766,7 @@
             <a:spcAft>
               <a:spcPct val="15000"/>
             </a:spcAft>
-            <a:buChar char="••"/>
+            <a:buChar char="•"/>
           </a:pPr>
           <a:r>
             <a:rPr lang="en-US" sz="2200" kern="1200" dirty="0"/>
@@ -3188,7 +3155,7 @@
           <a:p>
             <a:fld id="{24EC8C89-17FF-42F8-9E1D-7555C66541B0}" type="datetimeFigureOut">
               <a:rPr lang="en-US" smtClean="0"/>
-              <a:t>9/8/19</a:t>
+              <a:t>9/8/2019</a:t>
             </a:fld>
             <a:endParaRPr lang="en-US"/>
           </a:p>
@@ -3668,7 +3635,7 @@
           <a:p>
             <a:fld id="{F361EE3A-9322-EE42-8944-DBFD3A22011F}" type="datetimeFigureOut">
               <a:rPr lang="en-US" smtClean="0"/>
-              <a:t>9/8/19</a:t>
+              <a:t>9/8/2019</a:t>
             </a:fld>
             <a:endParaRPr lang="en-US"/>
           </a:p>
@@ -3836,7 +3803,7 @@
           <a:p>
             <a:fld id="{F361EE3A-9322-EE42-8944-DBFD3A22011F}" type="datetimeFigureOut">
               <a:rPr lang="en-US" smtClean="0"/>
-              <a:t>9/8/19</a:t>
+              <a:t>9/8/2019</a:t>
             </a:fld>
             <a:endParaRPr lang="en-US"/>
           </a:p>
@@ -4014,7 +3981,7 @@
           <a:p>
             <a:fld id="{F361EE3A-9322-EE42-8944-DBFD3A22011F}" type="datetimeFigureOut">
               <a:rPr lang="en-US" smtClean="0"/>
-              <a:t>9/8/19</a:t>
+              <a:t>9/8/2019</a:t>
             </a:fld>
             <a:endParaRPr lang="en-US"/>
           </a:p>
@@ -4182,7 +4149,7 @@
           <a:p>
             <a:fld id="{F361EE3A-9322-EE42-8944-DBFD3A22011F}" type="datetimeFigureOut">
               <a:rPr lang="en-US" smtClean="0"/>
-              <a:t>9/8/19</a:t>
+              <a:t>9/8/2019</a:t>
             </a:fld>
             <a:endParaRPr lang="en-US"/>
           </a:p>
@@ -4427,7 +4394,7 @@
           <a:p>
             <a:fld id="{F361EE3A-9322-EE42-8944-DBFD3A22011F}" type="datetimeFigureOut">
               <a:rPr lang="en-US" smtClean="0"/>
-              <a:t>9/8/19</a:t>
+              <a:t>9/8/2019</a:t>
             </a:fld>
             <a:endParaRPr lang="en-US"/>
           </a:p>
@@ -4656,7 +4623,7 @@
           <a:p>
             <a:fld id="{F361EE3A-9322-EE42-8944-DBFD3A22011F}" type="datetimeFigureOut">
               <a:rPr lang="en-US" smtClean="0"/>
-              <a:t>9/8/19</a:t>
+              <a:t>9/8/2019</a:t>
             </a:fld>
             <a:endParaRPr lang="en-US"/>
           </a:p>
@@ -5020,7 +4987,7 @@
           <a:p>
             <a:fld id="{F361EE3A-9322-EE42-8944-DBFD3A22011F}" type="datetimeFigureOut">
               <a:rPr lang="en-US" smtClean="0"/>
-              <a:t>9/8/19</a:t>
+              <a:t>9/8/2019</a:t>
             </a:fld>
             <a:endParaRPr lang="en-US"/>
           </a:p>
@@ -5137,7 +5104,7 @@
           <a:p>
             <a:fld id="{F361EE3A-9322-EE42-8944-DBFD3A22011F}" type="datetimeFigureOut">
               <a:rPr lang="en-US" smtClean="0"/>
-              <a:t>9/8/19</a:t>
+              <a:t>9/8/2019</a:t>
             </a:fld>
             <a:endParaRPr lang="en-US"/>
           </a:p>
@@ -5232,7 +5199,7 @@
           <a:p>
             <a:fld id="{F361EE3A-9322-EE42-8944-DBFD3A22011F}" type="datetimeFigureOut">
               <a:rPr lang="en-US" smtClean="0"/>
-              <a:t>9/8/19</a:t>
+              <a:t>9/8/2019</a:t>
             </a:fld>
             <a:endParaRPr lang="en-US"/>
           </a:p>
@@ -5507,7 +5474,7 @@
           <a:p>
             <a:fld id="{F361EE3A-9322-EE42-8944-DBFD3A22011F}" type="datetimeFigureOut">
               <a:rPr lang="en-US" smtClean="0"/>
-              <a:t>9/8/19</a:t>
+              <a:t>9/8/2019</a:t>
             </a:fld>
             <a:endParaRPr lang="en-US"/>
           </a:p>
@@ -5759,7 +5726,7 @@
           <a:p>
             <a:fld id="{F361EE3A-9322-EE42-8944-DBFD3A22011F}" type="datetimeFigureOut">
               <a:rPr lang="en-US" smtClean="0"/>
-              <a:t>9/8/19</a:t>
+              <a:t>9/8/2019</a:t>
             </a:fld>
             <a:endParaRPr lang="en-US"/>
           </a:p>
@@ -5970,7 +5937,7 @@
           <a:p>
             <a:fld id="{F361EE3A-9322-EE42-8944-DBFD3A22011F}" type="datetimeFigureOut">
               <a:rPr lang="en-US" smtClean="0"/>
-              <a:t>9/8/19</a:t>
+              <a:t>9/8/2019</a:t>
             </a:fld>
             <a:endParaRPr lang="en-US"/>
           </a:p>
@@ -6990,25 +6957,25 @@
           <a:p>
             <a:r>
               <a:rPr lang="en-US" dirty="0"/>
-              <a:t>Task: </a:t>
+              <a:t>Task: Grafana dashboard customization	</a:t>
             </a:r>
           </a:p>
           <a:p>
             <a:r>
               <a:rPr lang="en-US" dirty="0"/>
-              <a:t>Tools used:</a:t>
+              <a:t>Tools used: Grafana Interface, JSON, Centos7 OS</a:t>
             </a:r>
           </a:p>
           <a:p>
             <a:r>
               <a:rPr lang="en-US" dirty="0"/>
-              <a:t>Time Taken:</a:t>
+              <a:t>Time Taken: 5 days</a:t>
             </a:r>
           </a:p>
           <a:p>
             <a:r>
               <a:rPr lang="en-US" dirty="0"/>
-              <a:t>Final Result:</a:t>
+              <a:t>Final Result: A Beautiful and working dashboard that meets the client needs.</a:t>
             </a:r>
           </a:p>
         </p:txBody>
@@ -7080,6 +7047,36 @@
           <a:bodyPr/>
           <a:lstStyle/>
           <a:p>
+            <a:r>
+              <a:rPr lang="en-US" dirty="0"/>
+              <a:t>Show data from multiple servers ( DNS1-Primary and DNS2-Primary) on one page. </a:t>
+            </a:r>
+          </a:p>
+          <a:p>
+            <a:pPr lvl="1"/>
+            <a:r>
+              <a:rPr lang="en-US" dirty="0"/>
+              <a:t>Solution: modify every query in the panels to show the correct data from the analyzed packets by Entrada.</a:t>
+            </a:r>
+          </a:p>
+          <a:p>
+            <a:pPr lvl="1"/>
+            <a:endParaRPr lang="en-US" dirty="0"/>
+          </a:p>
+          <a:p>
+            <a:r>
+              <a:rPr lang="en-US" dirty="0"/>
+              <a:t>Show and compare the percentages of specific data such as : ip4 vs ip6 percentages and  TCP vs UDP.</a:t>
+            </a:r>
+          </a:p>
+          <a:p>
+            <a:pPr lvl="1"/>
+            <a:r>
+              <a:rPr lang="en-US" dirty="0"/>
+              <a:t>Solution: install chart plugin and write the proper query.</a:t>
+            </a:r>
+          </a:p>
+          <a:p>
             <a:endParaRPr lang="en-US" dirty="0"/>
           </a:p>
         </p:txBody>
@@ -7149,28 +7146,28 @@
           <a:lstStyle/>
           <a:p>
             <a:r>
-              <a:rPr lang="en-US" dirty="0" smtClean="0"/>
+              <a:rPr lang="en-US" dirty="0"/>
               <a:t>Targeted Customers: TRA, </a:t>
             </a:r>
             <a:r>
-              <a:rPr lang="en-US" dirty="0" err="1" smtClean="0"/>
+              <a:rPr lang="en-US" dirty="0" err="1"/>
               <a:t>Omantel</a:t>
             </a:r>
             <a:r>
-              <a:rPr lang="en-US" dirty="0" smtClean="0"/>
+              <a:rPr lang="en-US" dirty="0"/>
               <a:t>, </a:t>
             </a:r>
             <a:r>
-              <a:rPr lang="en-US" dirty="0" err="1" smtClean="0"/>
+              <a:rPr lang="en-US" dirty="0" err="1"/>
               <a:t>Ooredoo</a:t>
             </a:r>
             <a:r>
-              <a:rPr lang="en-US" dirty="0" smtClean="0"/>
+              <a:rPr lang="en-US" dirty="0"/>
               <a:t>, AWASR, Oman Data Park…</a:t>
             </a:r>
           </a:p>
           <a:p>
-            <a:endParaRPr lang="en-US" dirty="0" smtClean="0"/>
+            <a:endParaRPr lang="en-US" dirty="0"/>
           </a:p>
           <a:p>
             <a:endParaRPr lang="en-US" dirty="0"/>
@@ -7223,14 +7220,9 @@
           <a:lstStyle/>
           <a:p>
             <a:r>
-              <a:rPr lang="en-US" dirty="0" smtClean="0"/>
-              <a:t>Cost </a:t>
-            </a:r>
-            <a:r>
-              <a:rPr lang="en-US" dirty="0" smtClean="0"/>
-              <a:t>Assumption</a:t>
-            </a:r>
-            <a:endParaRPr lang="en-US" dirty="0"/>
+              <a:rPr lang="en-US" dirty="0"/>
+              <a:t>Cost Assumption</a:t>
+            </a:r>
           </a:p>
         </p:txBody>
       </p:sp>
@@ -7263,21 +7255,21 @@
                 <a:gridCol w="3505200">
                   <a:extLst>
                     <a:ext uri="{9D8B030D-6E8A-4147-A177-3AD203B41FA5}">
-                      <a16:colId xmlns:a16="http://schemas.microsoft.com/office/drawing/2014/main" xmlns="" val="2162628378"/>
+                      <a16:colId xmlns:a16="http://schemas.microsoft.com/office/drawing/2014/main" val="2162628378"/>
                     </a:ext>
                   </a:extLst>
                 </a:gridCol>
                 <a:gridCol w="3505200">
                   <a:extLst>
                     <a:ext uri="{9D8B030D-6E8A-4147-A177-3AD203B41FA5}">
-                      <a16:colId xmlns:a16="http://schemas.microsoft.com/office/drawing/2014/main" xmlns="" val="595561551"/>
+                      <a16:colId xmlns:a16="http://schemas.microsoft.com/office/drawing/2014/main" val="595561551"/>
                     </a:ext>
                   </a:extLst>
                 </a:gridCol>
                 <a:gridCol w="3505200">
                   <a:extLst>
                     <a:ext uri="{9D8B030D-6E8A-4147-A177-3AD203B41FA5}">
-                      <a16:colId xmlns:a16="http://schemas.microsoft.com/office/drawing/2014/main" xmlns="" val="3255526274"/>
+                      <a16:colId xmlns:a16="http://schemas.microsoft.com/office/drawing/2014/main" val="3255526274"/>
                     </a:ext>
                   </a:extLst>
                 </a:gridCol>
@@ -7289,10 +7281,9 @@
                     <a:lstStyle/>
                     <a:p>
                       <a:r>
-                        <a:rPr lang="en-US" dirty="0" smtClean="0"/>
+                        <a:rPr lang="en-US" dirty="0"/>
                         <a:t>Tool</a:t>
                       </a:r>
-                      <a:endParaRPr lang="en-US" dirty="0"/>
                     </a:p>
                   </a:txBody>
                   <a:tcPr/>
@@ -7303,10 +7294,9 @@
                     <a:lstStyle/>
                     <a:p>
                       <a:r>
-                        <a:rPr lang="en-US" dirty="0" smtClean="0"/>
+                        <a:rPr lang="en-US" dirty="0"/>
                         <a:t>Number</a:t>
                       </a:r>
-                      <a:endParaRPr lang="en-US" dirty="0"/>
                     </a:p>
                   </a:txBody>
                   <a:tcPr/>
@@ -7317,17 +7307,16 @@
                     <a:lstStyle/>
                     <a:p>
                       <a:r>
-                        <a:rPr lang="en-US" dirty="0" smtClean="0"/>
+                        <a:rPr lang="en-US" dirty="0"/>
                         <a:t>Cost - OMR</a:t>
                       </a:r>
-                      <a:endParaRPr lang="en-US" dirty="0"/>
                     </a:p>
                   </a:txBody>
                   <a:tcPr/>
                 </a:tc>
                 <a:extLst>
                   <a:ext uri="{0D108BD9-81ED-4DB2-BD59-A6C34878D82A}">
-                    <a16:rowId xmlns:a16="http://schemas.microsoft.com/office/drawing/2014/main" xmlns="" val="1784872527"/>
+                    <a16:rowId xmlns:a16="http://schemas.microsoft.com/office/drawing/2014/main" val="1784872527"/>
                   </a:ext>
                 </a:extLst>
               </a:tr>
@@ -7338,10 +7327,9 @@
                     <a:lstStyle/>
                     <a:p>
                       <a:r>
-                        <a:rPr lang="en-US" dirty="0" smtClean="0"/>
+                        <a:rPr lang="en-US" dirty="0"/>
                         <a:t>Desktop Computers</a:t>
                       </a:r>
-                      <a:endParaRPr lang="en-US" dirty="0"/>
                     </a:p>
                   </a:txBody>
                   <a:tcPr/>
@@ -7352,10 +7340,9 @@
                     <a:lstStyle/>
                     <a:p>
                       <a:r>
-                        <a:rPr lang="en-US" dirty="0" smtClean="0"/>
+                        <a:rPr lang="en-US" dirty="0"/>
                         <a:t>3</a:t>
                       </a:r>
-                      <a:endParaRPr lang="en-US" dirty="0"/>
                     </a:p>
                   </a:txBody>
                   <a:tcPr/>
@@ -7366,17 +7353,16 @@
                     <a:lstStyle/>
                     <a:p>
                       <a:r>
-                        <a:rPr lang="en-US" dirty="0" smtClean="0"/>
+                        <a:rPr lang="en-US" dirty="0"/>
                         <a:t>400</a:t>
                       </a:r>
-                      <a:endParaRPr lang="en-US" dirty="0"/>
                     </a:p>
                   </a:txBody>
                   <a:tcPr/>
                 </a:tc>
                 <a:extLst>
                   <a:ext uri="{0D108BD9-81ED-4DB2-BD59-A6C34878D82A}">
-                    <a16:rowId xmlns:a16="http://schemas.microsoft.com/office/drawing/2014/main" xmlns="" val="2200977308"/>
+                    <a16:rowId xmlns:a16="http://schemas.microsoft.com/office/drawing/2014/main" val="2200977308"/>
                   </a:ext>
                 </a:extLst>
               </a:tr>
@@ -7387,18 +7373,17 @@
                     <a:lstStyle/>
                     <a:p>
                       <a:r>
-                        <a:rPr lang="en-US" dirty="0" smtClean="0"/>
+                        <a:rPr lang="en-US" dirty="0"/>
                         <a:t>Server</a:t>
                       </a:r>
                       <a:r>
-                        <a:rPr lang="en-US" baseline="0" dirty="0" smtClean="0"/>
+                        <a:rPr lang="en-US" baseline="0" dirty="0"/>
                         <a:t> Nodes</a:t>
                       </a:r>
                       <a:r>
-                        <a:rPr lang="en-US" dirty="0" smtClean="0"/>
+                        <a:rPr lang="en-US" dirty="0"/>
                         <a:t> </a:t>
                       </a:r>
-                      <a:endParaRPr lang="en-US" dirty="0"/>
                     </a:p>
                   </a:txBody>
                   <a:tcPr/>
@@ -7409,10 +7394,9 @@
                     <a:lstStyle/>
                     <a:p>
                       <a:r>
-                        <a:rPr lang="en-US" dirty="0" smtClean="0"/>
+                        <a:rPr lang="en-US" dirty="0"/>
                         <a:t>4</a:t>
                       </a:r>
-                      <a:endParaRPr lang="en-US" dirty="0"/>
                     </a:p>
                   </a:txBody>
                   <a:tcPr/>
@@ -7423,17 +7407,16 @@
                     <a:lstStyle/>
                     <a:p>
                       <a:r>
-                        <a:rPr lang="en-US" dirty="0" smtClean="0"/>
+                        <a:rPr lang="en-US" dirty="0"/>
                         <a:t>1,000</a:t>
                       </a:r>
-                      <a:endParaRPr lang="en-US" dirty="0"/>
                     </a:p>
                   </a:txBody>
                   <a:tcPr/>
                 </a:tc>
                 <a:extLst>
                   <a:ext uri="{0D108BD9-81ED-4DB2-BD59-A6C34878D82A}">
-                    <a16:rowId xmlns:a16="http://schemas.microsoft.com/office/drawing/2014/main" xmlns="" val="503525524"/>
+                    <a16:rowId xmlns:a16="http://schemas.microsoft.com/office/drawing/2014/main" val="503525524"/>
                   </a:ext>
                 </a:extLst>
               </a:tr>
@@ -7444,11 +7427,11 @@
                     <a:lstStyle/>
                     <a:p>
                       <a:r>
-                        <a:rPr lang="en-US" dirty="0" smtClean="0"/>
+                        <a:rPr lang="en-US" dirty="0"/>
                         <a:t>Steel</a:t>
                       </a:r>
                       <a:r>
-                        <a:rPr lang="en-US" baseline="0" dirty="0" smtClean="0"/>
+                        <a:rPr lang="en-US" baseline="0" dirty="0"/>
                         <a:t> Rack</a:t>
                       </a:r>
                       <a:endParaRPr lang="en-US" dirty="0"/>
@@ -7462,10 +7445,9 @@
                     <a:lstStyle/>
                     <a:p>
                       <a:r>
-                        <a:rPr lang="en-US" dirty="0" smtClean="0"/>
+                        <a:rPr lang="en-US" dirty="0"/>
                         <a:t>1</a:t>
                       </a:r>
-                      <a:endParaRPr lang="en-US" dirty="0"/>
                     </a:p>
                   </a:txBody>
                   <a:tcPr/>
@@ -7476,17 +7458,16 @@
                     <a:lstStyle/>
                     <a:p>
                       <a:r>
-                        <a:rPr lang="en-US" dirty="0" smtClean="0"/>
+                        <a:rPr lang="en-US" dirty="0"/>
                         <a:t>600</a:t>
                       </a:r>
-                      <a:endParaRPr lang="en-US" dirty="0"/>
                     </a:p>
                   </a:txBody>
                   <a:tcPr/>
                 </a:tc>
                 <a:extLst>
                   <a:ext uri="{0D108BD9-81ED-4DB2-BD59-A6C34878D82A}">
-                    <a16:rowId xmlns:a16="http://schemas.microsoft.com/office/drawing/2014/main" xmlns="" val="1071871437"/>
+                    <a16:rowId xmlns:a16="http://schemas.microsoft.com/office/drawing/2014/main" val="1071871437"/>
                   </a:ext>
                 </a:extLst>
               </a:tr>
@@ -7497,10 +7478,9 @@
                     <a:lstStyle/>
                     <a:p>
                       <a:r>
-                        <a:rPr lang="en-US" dirty="0" smtClean="0"/>
+                        <a:rPr lang="en-US" dirty="0"/>
                         <a:t>Switch</a:t>
                       </a:r>
-                      <a:endParaRPr lang="en-US" dirty="0"/>
                     </a:p>
                   </a:txBody>
                   <a:tcPr/>
@@ -7511,10 +7491,9 @@
                     <a:lstStyle/>
                     <a:p>
                       <a:r>
-                        <a:rPr lang="en-US" dirty="0" smtClean="0"/>
+                        <a:rPr lang="en-US" dirty="0"/>
                         <a:t>1</a:t>
                       </a:r>
-                      <a:endParaRPr lang="en-US" dirty="0"/>
                     </a:p>
                   </a:txBody>
                   <a:tcPr/>
@@ -7525,17 +7504,16 @@
                     <a:lstStyle/>
                     <a:p>
                       <a:r>
-                        <a:rPr lang="en-US" dirty="0" smtClean="0"/>
+                        <a:rPr lang="en-US" dirty="0"/>
                         <a:t>1,500</a:t>
                       </a:r>
-                      <a:endParaRPr lang="en-US" dirty="0"/>
                     </a:p>
                   </a:txBody>
                   <a:tcPr/>
                 </a:tc>
                 <a:extLst>
                   <a:ext uri="{0D108BD9-81ED-4DB2-BD59-A6C34878D82A}">
-                    <a16:rowId xmlns:a16="http://schemas.microsoft.com/office/drawing/2014/main" xmlns="" val="2717687947"/>
+                    <a16:rowId xmlns:a16="http://schemas.microsoft.com/office/drawing/2014/main" val="2717687947"/>
                   </a:ext>
                 </a:extLst>
               </a:tr>
@@ -7546,10 +7524,9 @@
                     <a:lstStyle/>
                     <a:p>
                       <a:r>
-                        <a:rPr lang="en-US" dirty="0" smtClean="0"/>
+                        <a:rPr lang="en-US" dirty="0"/>
                         <a:t>KVM</a:t>
                       </a:r>
-                      <a:endParaRPr lang="en-US" dirty="0"/>
                     </a:p>
                   </a:txBody>
                   <a:tcPr/>
@@ -7560,10 +7537,9 @@
                     <a:lstStyle/>
                     <a:p>
                       <a:r>
-                        <a:rPr lang="en-US" dirty="0" smtClean="0"/>
+                        <a:rPr lang="en-US" dirty="0"/>
                         <a:t>1</a:t>
                       </a:r>
-                      <a:endParaRPr lang="en-US" dirty="0"/>
                     </a:p>
                   </a:txBody>
                   <a:tcPr/>
@@ -7574,17 +7550,16 @@
                     <a:lstStyle/>
                     <a:p>
                       <a:r>
-                        <a:rPr lang="en-US" dirty="0" smtClean="0"/>
+                        <a:rPr lang="en-US" dirty="0"/>
                         <a:t>400</a:t>
                       </a:r>
-                      <a:endParaRPr lang="en-US" dirty="0"/>
                     </a:p>
                   </a:txBody>
                   <a:tcPr/>
                 </a:tc>
                 <a:extLst>
                   <a:ext uri="{0D108BD9-81ED-4DB2-BD59-A6C34878D82A}">
-                    <a16:rowId xmlns:a16="http://schemas.microsoft.com/office/drawing/2014/main" xmlns="" val="1601319439"/>
+                    <a16:rowId xmlns:a16="http://schemas.microsoft.com/office/drawing/2014/main" val="1601319439"/>
                   </a:ext>
                 </a:extLst>
               </a:tr>
@@ -7595,18 +7570,17 @@
                     <a:lstStyle/>
                     <a:p>
                       <a:r>
-                        <a:rPr lang="en-US" dirty="0" smtClean="0"/>
+                        <a:rPr lang="en-US" dirty="0"/>
                         <a:t>Workspace</a:t>
                       </a:r>
                       <a:r>
-                        <a:rPr lang="en-US" baseline="0" dirty="0" smtClean="0"/>
+                        <a:rPr lang="en-US" baseline="0" dirty="0"/>
                         <a:t> </a:t>
                       </a:r>
                       <a:r>
-                        <a:rPr lang="en-US" dirty="0" smtClean="0"/>
+                        <a:rPr lang="en-US" dirty="0"/>
                         <a:t>Rent</a:t>
                       </a:r>
-                      <a:endParaRPr lang="en-US" dirty="0"/>
                     </a:p>
                   </a:txBody>
                   <a:tcPr/>
@@ -7617,10 +7591,9 @@
                     <a:lstStyle/>
                     <a:p>
                       <a:r>
-                        <a:rPr lang="en-US" dirty="0" smtClean="0"/>
+                        <a:rPr lang="en-US" dirty="0"/>
                         <a:t>1</a:t>
                       </a:r>
-                      <a:endParaRPr lang="en-US" dirty="0"/>
                     </a:p>
                   </a:txBody>
                   <a:tcPr/>
@@ -7631,17 +7604,16 @@
                     <a:lstStyle/>
                     <a:p>
                       <a:r>
-                        <a:rPr lang="en-US" dirty="0" smtClean="0"/>
+                        <a:rPr lang="en-US" dirty="0"/>
                         <a:t>350/month</a:t>
                       </a:r>
-                      <a:endParaRPr lang="en-US" dirty="0"/>
                     </a:p>
                   </a:txBody>
                   <a:tcPr/>
                 </a:tc>
                 <a:extLst>
                   <a:ext uri="{0D108BD9-81ED-4DB2-BD59-A6C34878D82A}">
-                    <a16:rowId xmlns:a16="http://schemas.microsoft.com/office/drawing/2014/main" xmlns="" val="526296104"/>
+                    <a16:rowId xmlns:a16="http://schemas.microsoft.com/office/drawing/2014/main" val="526296104"/>
                   </a:ext>
                 </a:extLst>
               </a:tr>
@@ -7652,11 +7624,11 @@
                     <a:lstStyle/>
                     <a:p>
                       <a:r>
-                        <a:rPr lang="en-US" dirty="0" smtClean="0"/>
+                        <a:rPr lang="en-US" dirty="0"/>
                         <a:t>Employee</a:t>
                       </a:r>
                       <a:r>
-                        <a:rPr lang="en-US" baseline="0" dirty="0" smtClean="0"/>
+                        <a:rPr lang="en-US" baseline="0" dirty="0"/>
                         <a:t> Salary</a:t>
                       </a:r>
                       <a:endParaRPr lang="en-US" dirty="0"/>
@@ -7670,10 +7642,9 @@
                     <a:lstStyle/>
                     <a:p>
                       <a:r>
-                        <a:rPr lang="en-US" dirty="0" smtClean="0"/>
+                        <a:rPr lang="en-US" dirty="0"/>
                         <a:t>3</a:t>
                       </a:r>
-                      <a:endParaRPr lang="en-US" dirty="0"/>
                     </a:p>
                   </a:txBody>
                   <a:tcPr/>
@@ -7684,17 +7655,16 @@
                     <a:lstStyle/>
                     <a:p>
                       <a:r>
-                        <a:rPr lang="en-US" dirty="0" smtClean="0"/>
+                        <a:rPr lang="en-US" dirty="0"/>
                         <a:t>800/month</a:t>
                       </a:r>
-                      <a:endParaRPr lang="en-US" dirty="0"/>
                     </a:p>
                   </a:txBody>
                   <a:tcPr/>
                 </a:tc>
                 <a:extLst>
                   <a:ext uri="{0D108BD9-81ED-4DB2-BD59-A6C34878D82A}">
-                    <a16:rowId xmlns:a16="http://schemas.microsoft.com/office/drawing/2014/main" xmlns="" val="1770766845"/>
+                    <a16:rowId xmlns:a16="http://schemas.microsoft.com/office/drawing/2014/main" val="1770766845"/>
                   </a:ext>
                 </a:extLst>
               </a:tr>
@@ -7705,10 +7675,9 @@
                     <a:lstStyle/>
                     <a:p>
                       <a:r>
-                        <a:rPr lang="en-US" dirty="0" smtClean="0"/>
+                        <a:rPr lang="en-US" dirty="0"/>
                         <a:t>Software Licensing</a:t>
                       </a:r>
-                      <a:endParaRPr lang="en-US" dirty="0"/>
                     </a:p>
                   </a:txBody>
                   <a:tcPr/>
@@ -7719,10 +7688,9 @@
                     <a:lstStyle/>
                     <a:p>
                       <a:r>
-                        <a:rPr lang="en-US" dirty="0" smtClean="0"/>
+                        <a:rPr lang="en-US" dirty="0"/>
                         <a:t>-</a:t>
                       </a:r>
-                      <a:endParaRPr lang="en-US" dirty="0"/>
                     </a:p>
                   </a:txBody>
                   <a:tcPr/>
@@ -7733,17 +7701,16 @@
                     <a:lstStyle/>
                     <a:p>
                       <a:r>
-                        <a:rPr lang="en-US" dirty="0" smtClean="0"/>
+                        <a:rPr lang="en-US" dirty="0"/>
                         <a:t>Free</a:t>
                       </a:r>
-                      <a:endParaRPr lang="en-US" dirty="0"/>
                     </a:p>
                   </a:txBody>
                   <a:tcPr/>
                 </a:tc>
                 <a:extLst>
                   <a:ext uri="{0D108BD9-81ED-4DB2-BD59-A6C34878D82A}">
-                    <a16:rowId xmlns:a16="http://schemas.microsoft.com/office/drawing/2014/main" xmlns="" val="236219316"/>
+                    <a16:rowId xmlns:a16="http://schemas.microsoft.com/office/drawing/2014/main" val="236219316"/>
                   </a:ext>
                 </a:extLst>
               </a:tr>
@@ -7754,10 +7721,9 @@
                     <a:lstStyle/>
                     <a:p>
                       <a:r>
-                        <a:rPr lang="en-US" dirty="0" smtClean="0"/>
+                        <a:rPr lang="en-US" dirty="0"/>
                         <a:t>TOTAL FIXED</a:t>
                       </a:r>
-                      <a:endParaRPr lang="en-US" dirty="0"/>
                     </a:p>
                   </a:txBody>
                   <a:tcPr/>
@@ -7768,10 +7734,9 @@
                     <a:lstStyle/>
                     <a:p>
                       <a:r>
-                        <a:rPr lang="en-US" dirty="0" smtClean="0"/>
+                        <a:rPr lang="en-US" dirty="0"/>
                         <a:t>-</a:t>
                       </a:r>
-                      <a:endParaRPr lang="en-US" dirty="0"/>
                     </a:p>
                   </a:txBody>
                   <a:tcPr/>
@@ -7782,17 +7747,16 @@
                     <a:lstStyle/>
                     <a:p>
                       <a:r>
-                        <a:rPr lang="en-US" dirty="0" smtClean="0"/>
+                        <a:rPr lang="en-US" dirty="0"/>
                         <a:t>8,050</a:t>
                       </a:r>
-                      <a:endParaRPr lang="en-US" dirty="0"/>
                     </a:p>
                   </a:txBody>
                   <a:tcPr/>
                 </a:tc>
                 <a:extLst>
                   <a:ext uri="{0D108BD9-81ED-4DB2-BD59-A6C34878D82A}">
-                    <a16:rowId xmlns:a16="http://schemas.microsoft.com/office/drawing/2014/main" xmlns="" val="3523946346"/>
+                    <a16:rowId xmlns:a16="http://schemas.microsoft.com/office/drawing/2014/main" val="3523946346"/>
                   </a:ext>
                 </a:extLst>
               </a:tr>
@@ -7803,10 +7767,9 @@
                     <a:lstStyle/>
                     <a:p>
                       <a:r>
-                        <a:rPr lang="en-US" dirty="0" smtClean="0"/>
+                        <a:rPr lang="en-US" dirty="0"/>
                         <a:t>Annual Running Cost</a:t>
                       </a:r>
-                      <a:endParaRPr lang="en-US" dirty="0"/>
                     </a:p>
                   </a:txBody>
                   <a:tcPr/>
@@ -7817,10 +7780,9 @@
                     <a:lstStyle/>
                     <a:p>
                       <a:r>
-                        <a:rPr lang="en-US" dirty="0" smtClean="0"/>
+                        <a:rPr lang="en-US" dirty="0"/>
                         <a:t>-</a:t>
                       </a:r>
-                      <a:endParaRPr lang="en-US" dirty="0"/>
                     </a:p>
                   </a:txBody>
                   <a:tcPr/>
@@ -7831,17 +7793,16 @@
                     <a:lstStyle/>
                     <a:p>
                       <a:r>
-                        <a:rPr lang="en-US" dirty="0" smtClean="0"/>
+                        <a:rPr lang="en-US" dirty="0"/>
                         <a:t>33,000</a:t>
                       </a:r>
-                      <a:endParaRPr lang="en-US" dirty="0"/>
                     </a:p>
                   </a:txBody>
                   <a:tcPr/>
                 </a:tc>
                 <a:extLst>
                   <a:ext uri="{0D108BD9-81ED-4DB2-BD59-A6C34878D82A}">
-                    <a16:rowId xmlns:a16="http://schemas.microsoft.com/office/drawing/2014/main" xmlns="" val="2352222308"/>
+                    <a16:rowId xmlns:a16="http://schemas.microsoft.com/office/drawing/2014/main" val="2352222308"/>
                   </a:ext>
                 </a:extLst>
               </a:tr>
@@ -7852,11 +7813,11 @@
                     <a:lstStyle/>
                     <a:p>
                       <a:r>
-                        <a:rPr lang="en-US" dirty="0" smtClean="0"/>
+                        <a:rPr lang="en-US" dirty="0"/>
                         <a:t>TOTAL</a:t>
                       </a:r>
                       <a:r>
-                        <a:rPr lang="en-US" baseline="0" dirty="0" smtClean="0"/>
+                        <a:rPr lang="en-US" baseline="0" dirty="0"/>
                         <a:t> + RUNNING COSTS (~ 1 Y)</a:t>
                       </a:r>
                       <a:endParaRPr lang="en-US" dirty="0"/>
@@ -7870,10 +7831,9 @@
                     <a:lstStyle/>
                     <a:p>
                       <a:r>
-                        <a:rPr lang="en-US" dirty="0" smtClean="0"/>
+                        <a:rPr lang="en-US" dirty="0"/>
                         <a:t>-</a:t>
                       </a:r>
-                      <a:endParaRPr lang="en-US" dirty="0"/>
                     </a:p>
                   </a:txBody>
                   <a:tcPr/>
@@ -7884,17 +7844,16 @@
                     <a:lstStyle/>
                     <a:p>
                       <a:r>
-                        <a:rPr lang="en-US" dirty="0" smtClean="0"/>
+                        <a:rPr lang="en-US" dirty="0"/>
                         <a:t>33,800</a:t>
                       </a:r>
-                      <a:endParaRPr lang="en-US" dirty="0"/>
                     </a:p>
                   </a:txBody>
                   <a:tcPr/>
                 </a:tc>
                 <a:extLst>
                   <a:ext uri="{0D108BD9-81ED-4DB2-BD59-A6C34878D82A}">
-                    <a16:rowId xmlns:a16="http://schemas.microsoft.com/office/drawing/2014/main" xmlns="" val="3270946333"/>
+                    <a16:rowId xmlns:a16="http://schemas.microsoft.com/office/drawing/2014/main" val="3270946333"/>
                   </a:ext>
                 </a:extLst>
               </a:tr>
@@ -7948,10 +7907,9 @@
           <a:lstStyle/>
           <a:p>
             <a:r>
-              <a:rPr lang="en-US" dirty="0" smtClean="0"/>
+              <a:rPr lang="en-US" dirty="0"/>
               <a:t>Services Provided</a:t>
             </a:r>
-            <a:endParaRPr lang="en-US" dirty="0"/>
           </a:p>
         </p:txBody>
       </p:sp>
@@ -7984,14 +7942,14 @@
                 <a:gridCol w="5257800">
                   <a:extLst>
                     <a:ext uri="{9D8B030D-6E8A-4147-A177-3AD203B41FA5}">
-                      <a16:colId xmlns:a16="http://schemas.microsoft.com/office/drawing/2014/main" xmlns="" val="1327917867"/>
+                      <a16:colId xmlns:a16="http://schemas.microsoft.com/office/drawing/2014/main" val="1327917867"/>
                     </a:ext>
                   </a:extLst>
                 </a:gridCol>
                 <a:gridCol w="5257800">
                   <a:extLst>
                     <a:ext uri="{9D8B030D-6E8A-4147-A177-3AD203B41FA5}">
-                      <a16:colId xmlns:a16="http://schemas.microsoft.com/office/drawing/2014/main" xmlns="" val="2613390166"/>
+                      <a16:colId xmlns:a16="http://schemas.microsoft.com/office/drawing/2014/main" val="2613390166"/>
                     </a:ext>
                   </a:extLst>
                 </a:gridCol>
@@ -8003,10 +7961,9 @@
                     <a:lstStyle/>
                     <a:p>
                       <a:r>
-                        <a:rPr lang="en-US" dirty="0" smtClean="0"/>
+                        <a:rPr lang="en-US" dirty="0"/>
                         <a:t>Service</a:t>
                       </a:r>
-                      <a:endParaRPr lang="en-US" dirty="0"/>
                     </a:p>
                   </a:txBody>
                   <a:tcPr/>
@@ -8017,17 +7974,16 @@
                     <a:lstStyle/>
                     <a:p>
                       <a:r>
-                        <a:rPr lang="en-US" dirty="0" smtClean="0"/>
+                        <a:rPr lang="en-US" dirty="0"/>
                         <a:t>Pricing (OMR)</a:t>
                       </a:r>
-                      <a:endParaRPr lang="en-US" dirty="0"/>
                     </a:p>
                   </a:txBody>
                   <a:tcPr/>
                 </a:tc>
                 <a:extLst>
                   <a:ext uri="{0D108BD9-81ED-4DB2-BD59-A6C34878D82A}">
-                    <a16:rowId xmlns:a16="http://schemas.microsoft.com/office/drawing/2014/main" xmlns="" val="1069383605"/>
+                    <a16:rowId xmlns:a16="http://schemas.microsoft.com/office/drawing/2014/main" val="1069383605"/>
                   </a:ext>
                 </a:extLst>
               </a:tr>
@@ -8038,10 +7994,9 @@
                     <a:lstStyle/>
                     <a:p>
                       <a:r>
-                        <a:rPr lang="en-US" dirty="0" smtClean="0"/>
+                        <a:rPr lang="en-US" dirty="0"/>
                         <a:t>Entrada Installation</a:t>
                       </a:r>
-                      <a:endParaRPr lang="en-US" dirty="0"/>
                     </a:p>
                   </a:txBody>
                   <a:tcPr/>
@@ -8052,17 +8007,16 @@
                     <a:lstStyle/>
                     <a:p>
                       <a:r>
-                        <a:rPr lang="en-US" dirty="0" smtClean="0"/>
+                        <a:rPr lang="en-US" dirty="0"/>
                         <a:t>1,000</a:t>
                       </a:r>
-                      <a:endParaRPr lang="en-US" dirty="0"/>
                     </a:p>
                   </a:txBody>
                   <a:tcPr/>
                 </a:tc>
                 <a:extLst>
                   <a:ext uri="{0D108BD9-81ED-4DB2-BD59-A6C34878D82A}">
-                    <a16:rowId xmlns:a16="http://schemas.microsoft.com/office/drawing/2014/main" xmlns="" val="3222226414"/>
+                    <a16:rowId xmlns:a16="http://schemas.microsoft.com/office/drawing/2014/main" val="3222226414"/>
                   </a:ext>
                 </a:extLst>
               </a:tr>
@@ -8073,10 +8027,9 @@
                     <a:lstStyle/>
                     <a:p>
                       <a:r>
-                        <a:rPr lang="en-US" dirty="0" smtClean="0"/>
+                        <a:rPr lang="en-US" dirty="0"/>
                         <a:t>Full System Installation (Cluster + Entrada)</a:t>
                       </a:r>
-                      <a:endParaRPr lang="en-US" dirty="0"/>
                     </a:p>
                   </a:txBody>
                   <a:tcPr/>
@@ -8087,17 +8040,16 @@
                     <a:lstStyle/>
                     <a:p>
                       <a:r>
-                        <a:rPr lang="en-US" dirty="0" smtClean="0"/>
+                        <a:rPr lang="en-US" dirty="0"/>
                         <a:t>3,000</a:t>
                       </a:r>
-                      <a:endParaRPr lang="en-US" dirty="0"/>
                     </a:p>
                   </a:txBody>
                   <a:tcPr/>
                 </a:tc>
                 <a:extLst>
                   <a:ext uri="{0D108BD9-81ED-4DB2-BD59-A6C34878D82A}">
-                    <a16:rowId xmlns:a16="http://schemas.microsoft.com/office/drawing/2014/main" xmlns="" val="974692844"/>
+                    <a16:rowId xmlns:a16="http://schemas.microsoft.com/office/drawing/2014/main" val="974692844"/>
                   </a:ext>
                 </a:extLst>
               </a:tr>
@@ -8108,10 +8060,9 @@
                     <a:lstStyle/>
                     <a:p>
                       <a:r>
-                        <a:rPr lang="en-US" dirty="0" smtClean="0"/>
+                        <a:rPr lang="en-US" dirty="0"/>
                         <a:t>Annual Contract </a:t>
                       </a:r>
-                      <a:endParaRPr lang="en-US" dirty="0"/>
                     </a:p>
                   </a:txBody>
                   <a:tcPr/>
@@ -8122,17 +8073,16 @@
                     <a:lstStyle/>
                     <a:p>
                       <a:r>
-                        <a:rPr lang="en-US" dirty="0" smtClean="0"/>
+                        <a:rPr lang="en-US" dirty="0"/>
                         <a:t>6,000 per year</a:t>
                       </a:r>
-                      <a:endParaRPr lang="en-US" dirty="0"/>
                     </a:p>
                   </a:txBody>
                   <a:tcPr/>
                 </a:tc>
                 <a:extLst>
                   <a:ext uri="{0D108BD9-81ED-4DB2-BD59-A6C34878D82A}">
-                    <a16:rowId xmlns:a16="http://schemas.microsoft.com/office/drawing/2014/main" xmlns="" val="2378681332"/>
+                    <a16:rowId xmlns:a16="http://schemas.microsoft.com/office/drawing/2014/main" val="2378681332"/>
                   </a:ext>
                 </a:extLst>
               </a:tr>
@@ -8143,10 +8093,9 @@
                     <a:lstStyle/>
                     <a:p>
                       <a:r>
-                        <a:rPr lang="en-US" dirty="0" smtClean="0"/>
+                        <a:rPr lang="en-US" dirty="0"/>
                         <a:t>Plugins</a:t>
                       </a:r>
-                      <a:endParaRPr lang="en-US" dirty="0"/>
                     </a:p>
                   </a:txBody>
                   <a:tcPr/>
@@ -8157,17 +8106,16 @@
                     <a:lstStyle/>
                     <a:p>
                       <a:r>
-                        <a:rPr lang="en-US" dirty="0" smtClean="0"/>
+                        <a:rPr lang="en-US" dirty="0"/>
                         <a:t>1,000– 5,000</a:t>
                       </a:r>
-                      <a:endParaRPr lang="en-US" dirty="0"/>
                     </a:p>
                   </a:txBody>
                   <a:tcPr/>
                 </a:tc>
                 <a:extLst>
                   <a:ext uri="{0D108BD9-81ED-4DB2-BD59-A6C34878D82A}">
-                    <a16:rowId xmlns:a16="http://schemas.microsoft.com/office/drawing/2014/main" xmlns="" val="941494577"/>
+                    <a16:rowId xmlns:a16="http://schemas.microsoft.com/office/drawing/2014/main" val="941494577"/>
                   </a:ext>
                 </a:extLst>
               </a:tr>
@@ -8210,7 +8158,7 @@
           <p:cNvPr id="2" name="Diagram 1">
             <a:extLst>
               <a:ext uri="{FF2B5EF4-FFF2-40B4-BE49-F238E27FC236}">
-                <a16:creationId xmlns:a16="http://schemas.microsoft.com/office/drawing/2014/main" xmlns="" id="{EEF9AD42-46BB-41CC-9817-B9E7ABAE12B6}"/>
+                <a16:creationId xmlns:a16="http://schemas.microsoft.com/office/drawing/2014/main" id="{EEF9AD42-46BB-41CC-9817-B9E7ABAE12B6}"/>
               </a:ext>
             </a:extLst>
           </p:cNvPr>
@@ -8279,10 +8227,9 @@
           <a:lstStyle/>
           <a:p>
             <a:r>
-              <a:rPr lang="en-US" dirty="0" smtClean="0"/>
+              <a:rPr lang="en-US" dirty="0"/>
               <a:t>First Year Scenario</a:t>
             </a:r>
-            <a:endParaRPr lang="en-US" dirty="0"/>
           </a:p>
         </p:txBody>
       </p:sp>
@@ -8315,21 +8262,21 @@
                 <a:gridCol w="3505200">
                   <a:extLst>
                     <a:ext uri="{9D8B030D-6E8A-4147-A177-3AD203B41FA5}">
-                      <a16:colId xmlns:a16="http://schemas.microsoft.com/office/drawing/2014/main" xmlns="" val="2162628378"/>
+                      <a16:colId xmlns:a16="http://schemas.microsoft.com/office/drawing/2014/main" val="2162628378"/>
                     </a:ext>
                   </a:extLst>
                 </a:gridCol>
                 <a:gridCol w="3505200">
                   <a:extLst>
                     <a:ext uri="{9D8B030D-6E8A-4147-A177-3AD203B41FA5}">
-                      <a16:colId xmlns:a16="http://schemas.microsoft.com/office/drawing/2014/main" xmlns="" val="595561551"/>
+                      <a16:colId xmlns:a16="http://schemas.microsoft.com/office/drawing/2014/main" val="595561551"/>
                     </a:ext>
                   </a:extLst>
                 </a:gridCol>
                 <a:gridCol w="3505200">
                   <a:extLst>
                     <a:ext uri="{9D8B030D-6E8A-4147-A177-3AD203B41FA5}">
-                      <a16:colId xmlns:a16="http://schemas.microsoft.com/office/drawing/2014/main" xmlns="" val="3255526274"/>
+                      <a16:colId xmlns:a16="http://schemas.microsoft.com/office/drawing/2014/main" val="3255526274"/>
                     </a:ext>
                   </a:extLst>
                 </a:gridCol>
@@ -8341,10 +8288,9 @@
                     <a:lstStyle/>
                     <a:p>
                       <a:r>
-                        <a:rPr lang="en-US" dirty="0" smtClean="0"/>
+                        <a:rPr lang="en-US" dirty="0"/>
                         <a:t>Service</a:t>
                       </a:r>
-                      <a:endParaRPr lang="en-US" dirty="0"/>
                     </a:p>
                   </a:txBody>
                   <a:tcPr/>
@@ -8355,10 +8301,9 @@
                     <a:lstStyle/>
                     <a:p>
                       <a:r>
-                        <a:rPr lang="en-US" dirty="0" smtClean="0"/>
+                        <a:rPr lang="en-US" dirty="0"/>
                         <a:t>Number</a:t>
                       </a:r>
-                      <a:endParaRPr lang="en-US" dirty="0"/>
                     </a:p>
                   </a:txBody>
                   <a:tcPr/>
@@ -8369,21 +8314,16 @@
                     <a:lstStyle/>
                     <a:p>
                       <a:r>
-                        <a:rPr lang="en-US" dirty="0" smtClean="0"/>
-                        <a:t>Pricing- </a:t>
+                        <a:rPr lang="en-US" dirty="0"/>
+                        <a:t>Pricing- OMR</a:t>
                       </a:r>
-                      <a:r>
-                        <a:rPr lang="en-US" dirty="0" smtClean="0"/>
-                        <a:t>OMR</a:t>
-                      </a:r>
-                      <a:endParaRPr lang="en-US" dirty="0"/>
                     </a:p>
                   </a:txBody>
                   <a:tcPr/>
                 </a:tc>
                 <a:extLst>
                   <a:ext uri="{0D108BD9-81ED-4DB2-BD59-A6C34878D82A}">
-                    <a16:rowId xmlns:a16="http://schemas.microsoft.com/office/drawing/2014/main" xmlns="" val="1784872527"/>
+                    <a16:rowId xmlns:a16="http://schemas.microsoft.com/office/drawing/2014/main" val="1784872527"/>
                   </a:ext>
                 </a:extLst>
               </a:tr>
@@ -8394,10 +8334,9 @@
                     <a:lstStyle/>
                     <a:p>
                       <a:r>
-                        <a:rPr lang="en-US" dirty="0" smtClean="0"/>
+                        <a:rPr lang="en-US" dirty="0"/>
                         <a:t>Annual Contracts</a:t>
                       </a:r>
-                      <a:endParaRPr lang="en-US" dirty="0"/>
                     </a:p>
                   </a:txBody>
                   <a:tcPr/>
@@ -8408,10 +8347,9 @@
                     <a:lstStyle/>
                     <a:p>
                       <a:r>
-                        <a:rPr lang="en-US" dirty="0" smtClean="0"/>
+                        <a:rPr lang="en-US" dirty="0"/>
                         <a:t>3</a:t>
                       </a:r>
-                      <a:endParaRPr lang="en-US" dirty="0"/>
                     </a:p>
                   </a:txBody>
                   <a:tcPr/>
@@ -8422,17 +8360,16 @@
                     <a:lstStyle/>
                     <a:p>
                       <a:r>
-                        <a:rPr lang="en-US" dirty="0" smtClean="0"/>
+                        <a:rPr lang="en-US" dirty="0"/>
                         <a:t>6,000</a:t>
                       </a:r>
-                      <a:endParaRPr lang="en-US" dirty="0"/>
                     </a:p>
                   </a:txBody>
                   <a:tcPr/>
                 </a:tc>
                 <a:extLst>
                   <a:ext uri="{0D108BD9-81ED-4DB2-BD59-A6C34878D82A}">
-                    <a16:rowId xmlns:a16="http://schemas.microsoft.com/office/drawing/2014/main" xmlns="" val="2200977308"/>
+                    <a16:rowId xmlns:a16="http://schemas.microsoft.com/office/drawing/2014/main" val="2200977308"/>
                   </a:ext>
                 </a:extLst>
               </a:tr>
@@ -8443,10 +8380,9 @@
                     <a:lstStyle/>
                     <a:p>
                       <a:r>
-                        <a:rPr lang="en-US" dirty="0" smtClean="0"/>
+                        <a:rPr lang="en-US" dirty="0"/>
                         <a:t>Plugins</a:t>
                       </a:r>
-                      <a:endParaRPr lang="en-US" dirty="0"/>
                     </a:p>
                   </a:txBody>
                   <a:tcPr/>
@@ -8457,10 +8393,9 @@
                     <a:lstStyle/>
                     <a:p>
                       <a:r>
-                        <a:rPr lang="en-US" dirty="0" smtClean="0"/>
+                        <a:rPr lang="en-US" dirty="0"/>
                         <a:t>10</a:t>
                       </a:r>
-                      <a:endParaRPr lang="en-US" dirty="0"/>
                     </a:p>
                   </a:txBody>
                   <a:tcPr/>
@@ -8471,17 +8406,16 @@
                     <a:lstStyle/>
                     <a:p>
                       <a:r>
-                        <a:rPr lang="en-US" dirty="0" smtClean="0"/>
+                        <a:rPr lang="en-US" dirty="0"/>
                         <a:t>1,000-5,000</a:t>
                       </a:r>
-                      <a:endParaRPr lang="en-US" dirty="0"/>
                     </a:p>
                   </a:txBody>
                   <a:tcPr/>
                 </a:tc>
                 <a:extLst>
                   <a:ext uri="{0D108BD9-81ED-4DB2-BD59-A6C34878D82A}">
-                    <a16:rowId xmlns:a16="http://schemas.microsoft.com/office/drawing/2014/main" xmlns="" val="503525524"/>
+                    <a16:rowId xmlns:a16="http://schemas.microsoft.com/office/drawing/2014/main" val="503525524"/>
                   </a:ext>
                 </a:extLst>
               </a:tr>
@@ -8492,10 +8426,9 @@
                     <a:lstStyle/>
                     <a:p>
                       <a:r>
-                        <a:rPr lang="en-US" dirty="0" smtClean="0"/>
+                        <a:rPr lang="en-US" dirty="0"/>
                         <a:t>Entrada Installation</a:t>
                       </a:r>
-                      <a:endParaRPr lang="en-US" dirty="0"/>
                     </a:p>
                   </a:txBody>
                   <a:tcPr/>
@@ -8506,10 +8439,9 @@
                     <a:lstStyle/>
                     <a:p>
                       <a:r>
-                        <a:rPr lang="en-US" dirty="0" smtClean="0"/>
+                        <a:rPr lang="en-US" dirty="0"/>
                         <a:t>5</a:t>
                       </a:r>
-                      <a:endParaRPr lang="en-US" dirty="0"/>
                     </a:p>
                   </a:txBody>
                   <a:tcPr/>
@@ -8520,17 +8452,16 @@
                     <a:lstStyle/>
                     <a:p>
                       <a:r>
-                        <a:rPr lang="en-US" dirty="0" smtClean="0"/>
+                        <a:rPr lang="en-US" dirty="0"/>
                         <a:t>1,000</a:t>
                       </a:r>
-                      <a:endParaRPr lang="en-US" dirty="0"/>
                     </a:p>
                   </a:txBody>
                   <a:tcPr/>
                 </a:tc>
                 <a:extLst>
                   <a:ext uri="{0D108BD9-81ED-4DB2-BD59-A6C34878D82A}">
-                    <a16:rowId xmlns:a16="http://schemas.microsoft.com/office/drawing/2014/main" xmlns="" val="1071871437"/>
+                    <a16:rowId xmlns:a16="http://schemas.microsoft.com/office/drawing/2014/main" val="1071871437"/>
                   </a:ext>
                 </a:extLst>
               </a:tr>
@@ -8541,10 +8472,9 @@
                     <a:lstStyle/>
                     <a:p>
                       <a:r>
-                        <a:rPr lang="en-US" dirty="0" smtClean="0"/>
+                        <a:rPr lang="en-US" dirty="0"/>
                         <a:t>Full System Installation</a:t>
                       </a:r>
-                      <a:endParaRPr lang="en-US" dirty="0"/>
                     </a:p>
                   </a:txBody>
                   <a:tcPr/>
@@ -8555,10 +8485,9 @@
                     <a:lstStyle/>
                     <a:p>
                       <a:r>
-                        <a:rPr lang="en-US" dirty="0" smtClean="0"/>
+                        <a:rPr lang="en-US" dirty="0"/>
                         <a:t>1</a:t>
                       </a:r>
-                      <a:endParaRPr lang="en-US" dirty="0"/>
                     </a:p>
                   </a:txBody>
                   <a:tcPr/>
@@ -8569,17 +8498,16 @@
                     <a:lstStyle/>
                     <a:p>
                       <a:r>
-                        <a:rPr lang="en-US" dirty="0" smtClean="0"/>
+                        <a:rPr lang="en-US" dirty="0"/>
                         <a:t>3,000</a:t>
                       </a:r>
-                      <a:endParaRPr lang="en-US" dirty="0"/>
                     </a:p>
                   </a:txBody>
                   <a:tcPr/>
                 </a:tc>
                 <a:extLst>
                   <a:ext uri="{0D108BD9-81ED-4DB2-BD59-A6C34878D82A}">
-                    <a16:rowId xmlns:a16="http://schemas.microsoft.com/office/drawing/2014/main" xmlns="" val="2717687947"/>
+                    <a16:rowId xmlns:a16="http://schemas.microsoft.com/office/drawing/2014/main" val="2717687947"/>
                   </a:ext>
                 </a:extLst>
               </a:tr>
@@ -8590,10 +8518,9 @@
                     <a:lstStyle/>
                     <a:p>
                       <a:r>
-                        <a:rPr lang="en-US" dirty="0" smtClean="0"/>
+                        <a:rPr lang="en-US" dirty="0"/>
                         <a:t>Total Returns </a:t>
                       </a:r>
-                      <a:endParaRPr lang="en-US" dirty="0"/>
                     </a:p>
                   </a:txBody>
                   <a:tcPr/>
@@ -8604,10 +8531,9 @@
                     <a:lstStyle/>
                     <a:p>
                       <a:r>
-                        <a:rPr lang="en-US" dirty="0" smtClean="0"/>
+                        <a:rPr lang="en-US" dirty="0"/>
                         <a:t>-</a:t>
                       </a:r>
-                      <a:endParaRPr lang="en-US" dirty="0"/>
                     </a:p>
                   </a:txBody>
                   <a:tcPr/>
@@ -8618,17 +8544,16 @@
                     <a:lstStyle/>
                     <a:p>
                       <a:r>
-                        <a:rPr lang="en-US" dirty="0" smtClean="0"/>
+                        <a:rPr lang="en-US" dirty="0"/>
                         <a:t>41,000</a:t>
                       </a:r>
-                      <a:endParaRPr lang="en-US" dirty="0"/>
                     </a:p>
                   </a:txBody>
                   <a:tcPr/>
                 </a:tc>
                 <a:extLst>
                   <a:ext uri="{0D108BD9-81ED-4DB2-BD59-A6C34878D82A}">
-                    <a16:rowId xmlns:a16="http://schemas.microsoft.com/office/drawing/2014/main" xmlns="" val="4085466169"/>
+                    <a16:rowId xmlns:a16="http://schemas.microsoft.com/office/drawing/2014/main" val="4085466169"/>
                   </a:ext>
                 </a:extLst>
               </a:tr>
@@ -8639,10 +8564,9 @@
                     <a:lstStyle/>
                     <a:p>
                       <a:r>
-                        <a:rPr lang="en-US" dirty="0" smtClean="0"/>
+                        <a:rPr lang="en-US" dirty="0"/>
                         <a:t>Profits</a:t>
                       </a:r>
-                      <a:endParaRPr lang="en-US" dirty="0"/>
                     </a:p>
                   </a:txBody>
                   <a:tcPr/>
@@ -8653,10 +8577,9 @@
                     <a:lstStyle/>
                     <a:p>
                       <a:r>
-                        <a:rPr lang="en-US" dirty="0" smtClean="0"/>
+                        <a:rPr lang="en-US" dirty="0"/>
                         <a:t>-</a:t>
                       </a:r>
-                      <a:endParaRPr lang="en-US" dirty="0"/>
                     </a:p>
                   </a:txBody>
                   <a:tcPr/>
@@ -8667,17 +8590,16 @@
                     <a:lstStyle/>
                     <a:p>
                       <a:r>
-                        <a:rPr lang="en-US" dirty="0" smtClean="0"/>
+                        <a:rPr lang="en-US" dirty="0"/>
                         <a:t>8,000</a:t>
                       </a:r>
-                      <a:endParaRPr lang="en-US" dirty="0"/>
                     </a:p>
                   </a:txBody>
                   <a:tcPr/>
                 </a:tc>
                 <a:extLst>
                   <a:ext uri="{0D108BD9-81ED-4DB2-BD59-A6C34878D82A}">
-                    <a16:rowId xmlns:a16="http://schemas.microsoft.com/office/drawing/2014/main" xmlns="" val="2038346965"/>
+                    <a16:rowId xmlns:a16="http://schemas.microsoft.com/office/drawing/2014/main" val="2038346965"/>
                   </a:ext>
                 </a:extLst>
               </a:tr>
@@ -8708,10 +8630,9 @@
           <a:lstStyle/>
           <a:p>
             <a:r>
-              <a:rPr lang="en-US" dirty="0" smtClean="0"/>
+              <a:rPr lang="en-US" dirty="0"/>
               <a:t>*Expected to turn returns into profits after the first year; as per the above scenario. </a:t>
             </a:r>
-            <a:endParaRPr lang="en-US" dirty="0"/>
           </a:p>
         </p:txBody>
       </p:sp>
@@ -9062,14 +8983,14 @@
                 <a:gridCol w="5257800">
                   <a:extLst>
                     <a:ext uri="{9D8B030D-6E8A-4147-A177-3AD203B41FA5}">
-                      <a16:colId xmlns:a16="http://schemas.microsoft.com/office/drawing/2014/main" xmlns="" val="20000"/>
+                      <a16:colId xmlns:a16="http://schemas.microsoft.com/office/drawing/2014/main" val="20000"/>
                     </a:ext>
                   </a:extLst>
                 </a:gridCol>
                 <a:gridCol w="5257800">
                   <a:extLst>
                     <a:ext uri="{9D8B030D-6E8A-4147-A177-3AD203B41FA5}">
-                      <a16:colId xmlns:a16="http://schemas.microsoft.com/office/drawing/2014/main" xmlns="" val="20001"/>
+                      <a16:colId xmlns:a16="http://schemas.microsoft.com/office/drawing/2014/main" val="20001"/>
                     </a:ext>
                   </a:extLst>
                 </a:gridCol>
@@ -9103,7 +9024,7 @@
                 </a:tc>
                 <a:extLst>
                   <a:ext uri="{0D108BD9-81ED-4DB2-BD59-A6C34878D82A}">
-                    <a16:rowId xmlns:a16="http://schemas.microsoft.com/office/drawing/2014/main" xmlns="" val="10000"/>
+                    <a16:rowId xmlns:a16="http://schemas.microsoft.com/office/drawing/2014/main" val="10000"/>
                   </a:ext>
                 </a:extLst>
               </a:tr>
@@ -9141,7 +9062,7 @@
                 </a:tc>
                 <a:extLst>
                   <a:ext uri="{0D108BD9-81ED-4DB2-BD59-A6C34878D82A}">
-                    <a16:rowId xmlns:a16="http://schemas.microsoft.com/office/drawing/2014/main" xmlns="" val="10001"/>
+                    <a16:rowId xmlns:a16="http://schemas.microsoft.com/office/drawing/2014/main" val="10001"/>
                   </a:ext>
                 </a:extLst>
               </a:tr>
@@ -9194,7 +9115,7 @@
                 </a:tc>
                 <a:extLst>
                   <a:ext uri="{0D108BD9-81ED-4DB2-BD59-A6C34878D82A}">
-                    <a16:rowId xmlns:a16="http://schemas.microsoft.com/office/drawing/2014/main" xmlns="" val="10002"/>
+                    <a16:rowId xmlns:a16="http://schemas.microsoft.com/office/drawing/2014/main" val="10002"/>
                   </a:ext>
                 </a:extLst>
               </a:tr>
@@ -9247,7 +9168,7 @@
                 </a:tc>
                 <a:extLst>
                   <a:ext uri="{0D108BD9-81ED-4DB2-BD59-A6C34878D82A}">
-                    <a16:rowId xmlns:a16="http://schemas.microsoft.com/office/drawing/2014/main" xmlns="" val="10003"/>
+                    <a16:rowId xmlns:a16="http://schemas.microsoft.com/office/drawing/2014/main" val="10003"/>
                   </a:ext>
                 </a:extLst>
               </a:tr>
@@ -9277,7 +9198,7 @@
                 </a:tc>
                 <a:extLst>
                   <a:ext uri="{0D108BD9-81ED-4DB2-BD59-A6C34878D82A}">
-                    <a16:rowId xmlns:a16="http://schemas.microsoft.com/office/drawing/2014/main" xmlns="" val="10004"/>
+                    <a16:rowId xmlns:a16="http://schemas.microsoft.com/office/drawing/2014/main" val="10004"/>
                   </a:ext>
                 </a:extLst>
               </a:tr>
@@ -9365,14 +9286,14 @@
                 <a:gridCol w="5257800">
                   <a:extLst>
                     <a:ext uri="{9D8B030D-6E8A-4147-A177-3AD203B41FA5}">
-                      <a16:colId xmlns:a16="http://schemas.microsoft.com/office/drawing/2014/main" xmlns="" val="20000"/>
+                      <a16:colId xmlns:a16="http://schemas.microsoft.com/office/drawing/2014/main" val="20000"/>
                     </a:ext>
                   </a:extLst>
                 </a:gridCol>
                 <a:gridCol w="5257800">
                   <a:extLst>
                     <a:ext uri="{9D8B030D-6E8A-4147-A177-3AD203B41FA5}">
-                      <a16:colId xmlns:a16="http://schemas.microsoft.com/office/drawing/2014/main" xmlns="" val="20001"/>
+                      <a16:colId xmlns:a16="http://schemas.microsoft.com/office/drawing/2014/main" val="20001"/>
                     </a:ext>
                   </a:extLst>
                 </a:gridCol>
@@ -9406,7 +9327,7 @@
                 </a:tc>
                 <a:extLst>
                   <a:ext uri="{0D108BD9-81ED-4DB2-BD59-A6C34878D82A}">
-                    <a16:rowId xmlns:a16="http://schemas.microsoft.com/office/drawing/2014/main" xmlns="" val="10000"/>
+                    <a16:rowId xmlns:a16="http://schemas.microsoft.com/office/drawing/2014/main" val="10000"/>
                   </a:ext>
                 </a:extLst>
               </a:tr>
@@ -9444,7 +9365,7 @@
                 </a:tc>
                 <a:extLst>
                   <a:ext uri="{0D108BD9-81ED-4DB2-BD59-A6C34878D82A}">
-                    <a16:rowId xmlns:a16="http://schemas.microsoft.com/office/drawing/2014/main" xmlns="" val="10001"/>
+                    <a16:rowId xmlns:a16="http://schemas.microsoft.com/office/drawing/2014/main" val="10001"/>
                   </a:ext>
                 </a:extLst>
               </a:tr>
@@ -9494,7 +9415,7 @@
                 </a:tc>
                 <a:extLst>
                   <a:ext uri="{0D108BD9-81ED-4DB2-BD59-A6C34878D82A}">
-                    <a16:rowId xmlns:a16="http://schemas.microsoft.com/office/drawing/2014/main" xmlns="" val="10002"/>
+                    <a16:rowId xmlns:a16="http://schemas.microsoft.com/office/drawing/2014/main" val="10002"/>
                   </a:ext>
                 </a:extLst>
               </a:tr>
@@ -9545,7 +9466,7 @@
                 </a:tc>
                 <a:extLst>
                   <a:ext uri="{0D108BD9-81ED-4DB2-BD59-A6C34878D82A}">
-                    <a16:rowId xmlns:a16="http://schemas.microsoft.com/office/drawing/2014/main" xmlns="" val="10003"/>
+                    <a16:rowId xmlns:a16="http://schemas.microsoft.com/office/drawing/2014/main" val="10003"/>
                   </a:ext>
                 </a:extLst>
               </a:tr>
@@ -9578,7 +9499,7 @@
                 </a:tc>
                 <a:extLst>
                   <a:ext uri="{0D108BD9-81ED-4DB2-BD59-A6C34878D82A}">
-                    <a16:rowId xmlns:a16="http://schemas.microsoft.com/office/drawing/2014/main" xmlns="" val="10004"/>
+                    <a16:rowId xmlns:a16="http://schemas.microsoft.com/office/drawing/2014/main" val="10004"/>
                   </a:ext>
                 </a:extLst>
               </a:tr>

--- a/OSOC-Final.pptx
+++ b/OSOC-Final.pptx
@@ -5,7 +5,7 @@
     <p:sldMasterId id="2147483648" r:id="rId1"/>
   </p:sldMasterIdLst>
   <p:notesMasterIdLst>
-    <p:notesMasterId r:id="rId22"/>
+    <p:notesMasterId r:id="rId23"/>
   </p:notesMasterIdLst>
   <p:sldIdLst>
     <p:sldId id="280" r:id="rId2"/>
@@ -28,6 +28,7 @@
     <p:sldId id="274" r:id="rId19"/>
     <p:sldId id="276" r:id="rId20"/>
     <p:sldId id="277" r:id="rId21"/>
+    <p:sldId id="284" r:id="rId22"/>
   </p:sldIdLst>
   <p:sldSz cx="12192000" cy="6858000"/>
   <p:notesSz cx="6858000" cy="9144000"/>
@@ -8232,7 +8233,7 @@
                 <a14:useLocalDpi xmlns:a14="http://schemas.microsoft.com/office/drawing/2010/main" val="0"/>
               </a:ext>
               <a:ext uri="{96DAC541-7B7A-43D3-8B79-37D633B846F1}">
-                <asvg:svgBlip xmlns:asvg="http://schemas.microsoft.com/office/drawing/2016/SVG/main" xmlns="" r:embed="rId2"/>
+                <asvg:svgBlip xmlns="" xmlns:asvg="http://schemas.microsoft.com/office/drawing/2016/SVG/main" r:embed="rId2"/>
               </a:ext>
             </a:extLst>
           </a:blip>
@@ -8292,7 +8293,7 @@
                 <a14:useLocalDpi xmlns:a14="http://schemas.microsoft.com/office/drawing/2010/main" val="0"/>
               </a:ext>
               <a:ext uri="{96DAC541-7B7A-43D3-8B79-37D633B846F1}">
-                <asvg:svgBlip xmlns:asvg="http://schemas.microsoft.com/office/drawing/2016/SVG/main" xmlns="" r:embed="rId4"/>
+                <asvg:svgBlip xmlns="" xmlns:asvg="http://schemas.microsoft.com/office/drawing/2016/SVG/main" r:embed="rId4"/>
               </a:ext>
             </a:extLst>
           </a:blip>
@@ -8515,7 +8516,7 @@
                 <a14:useLocalDpi xmlns:a14="http://schemas.microsoft.com/office/drawing/2010/main" val="0"/>
               </a:ext>
               <a:ext uri="{96DAC541-7B7A-43D3-8B79-37D633B846F1}">
-                <asvg:svgBlip xmlns:asvg="http://schemas.microsoft.com/office/drawing/2016/SVG/main" xmlns="" r:embed="rId2"/>
+                <asvg:svgBlip xmlns="" xmlns:asvg="http://schemas.microsoft.com/office/drawing/2016/SVG/main" r:embed="rId2"/>
               </a:ext>
             </a:extLst>
           </a:blip>
@@ -8575,7 +8576,7 @@
                 <a14:useLocalDpi xmlns:a14="http://schemas.microsoft.com/office/drawing/2010/main" val="0"/>
               </a:ext>
               <a:ext uri="{96DAC541-7B7A-43D3-8B79-37D633B846F1}">
-                <asvg:svgBlip xmlns:asvg="http://schemas.microsoft.com/office/drawing/2016/SVG/main" xmlns="" r:embed="rId4"/>
+                <asvg:svgBlip xmlns="" xmlns:asvg="http://schemas.microsoft.com/office/drawing/2016/SVG/main" r:embed="rId4"/>
               </a:ext>
             </a:extLst>
           </a:blip>
@@ -8635,7 +8636,7 @@
                 <a14:useLocalDpi xmlns:a14="http://schemas.microsoft.com/office/drawing/2010/main" val="0"/>
               </a:ext>
               <a:ext uri="{96DAC541-7B7A-43D3-8B79-37D633B846F1}">
-                <asvg:svgBlip xmlns:asvg="http://schemas.microsoft.com/office/drawing/2016/SVG/main" xmlns="" r:embed="rId6"/>
+                <asvg:svgBlip xmlns="" xmlns:asvg="http://schemas.microsoft.com/office/drawing/2016/SVG/main" r:embed="rId6"/>
               </a:ext>
             </a:extLst>
           </a:blip>
@@ -9227,29 +9228,29 @@
     </dgm:pt>
   </dgm:ptLst>
   <dgm:cxnLst>
+    <dgm:cxn modelId="{7084AFBE-8E72-490F-8322-71262C001AE4}" srcId="{D47BF227-506D-493D-933E-99DE22B00514}" destId="{BBF82890-7122-4537-B52B-E4F20ED1F867}" srcOrd="2" destOrd="0" parTransId="{9425167E-6E9D-4A98-A0D9-17165470087A}" sibTransId="{3CE1F748-9D67-4059-A103-9F3E544A2C86}"/>
+    <dgm:cxn modelId="{6C100DE6-9412-46BA-BD82-B166B05DF90C}" type="presOf" srcId="{0270EB40-29E7-4816-A291-4EF809864188}" destId="{E97C0401-C313-4ECF-B559-6F9B9C155278}" srcOrd="0" destOrd="1" presId="urn:microsoft.com/office/officeart/2005/8/layout/list1"/>
+    <dgm:cxn modelId="{867EC92F-62B8-42D3-B970-45D9BB80A48A}" type="presOf" srcId="{90F72996-CC39-4B1E-9099-A280EA523148}" destId="{26F3F309-3D09-49B7-B21B-E4A9C07080A8}" srcOrd="0" destOrd="0" presId="urn:microsoft.com/office/officeart/2005/8/layout/list1"/>
+    <dgm:cxn modelId="{51C643DA-410A-4BB7-B28C-558C0A058F75}" type="presOf" srcId="{BBF82890-7122-4537-B52B-E4F20ED1F867}" destId="{C3E3A53A-5633-4F32-9728-38EC4FB94391}" srcOrd="0" destOrd="3" presId="urn:microsoft.com/office/officeart/2005/8/layout/list1"/>
+    <dgm:cxn modelId="{4F460841-001C-4986-828F-CA6103563562}" type="presOf" srcId="{8DF17557-66C0-40CB-B6F0-832C992AB0A6}" destId="{C3E3A53A-5633-4F32-9728-38EC4FB94391}" srcOrd="0" destOrd="2" presId="urn:microsoft.com/office/officeart/2005/8/layout/list1"/>
+    <dgm:cxn modelId="{46E052C2-BE7B-405A-8220-71D0D516FC9A}" srcId="{0307DA00-481D-4BD6-846B-33BEE38B7DB1}" destId="{90F72996-CC39-4B1E-9099-A280EA523148}" srcOrd="1" destOrd="0" parTransId="{4185CCCD-6C3C-4AF9-A782-31FE11B69714}" sibTransId="{573537D8-2BE1-456F-9339-F39922F6334B}"/>
+    <dgm:cxn modelId="{3D24D835-3317-4F70-95B6-6FFC00E130DA}" srcId="{D47BF227-506D-493D-933E-99DE22B00514}" destId="{8DF17557-66C0-40CB-B6F0-832C992AB0A6}" srcOrd="1" destOrd="0" parTransId="{90555DC5-7517-4801-A88C-682CEA928D44}" sibTransId="{626A3A22-7F40-4F51-9C2D-8F2FAA6A11C5}"/>
+    <dgm:cxn modelId="{91CD6A19-B0EF-4FA9-AA2C-C9E71068A6B8}" type="presOf" srcId="{0307DA00-481D-4BD6-846B-33BEE38B7DB1}" destId="{F3DA4727-BFA7-4BC1-B229-755DBB9C2FD6}" srcOrd="0" destOrd="0" presId="urn:microsoft.com/office/officeart/2005/8/layout/list1"/>
+    <dgm:cxn modelId="{2B80AC7F-DEB9-4754-ADE0-2245F88E9429}" type="presOf" srcId="{5BA88B08-F59C-4A55-B5FD-23213CFF1682}" destId="{50B9F778-32B1-4E1A-9986-849CEFD72783}" srcOrd="0" destOrd="0" presId="urn:microsoft.com/office/officeart/2005/8/layout/list1"/>
+    <dgm:cxn modelId="{76552FF6-BDE4-474C-AD32-B50F6A8E87BE}" srcId="{5BA88B08-F59C-4A55-B5FD-23213CFF1682}" destId="{D47BF227-506D-493D-933E-99DE22B00514}" srcOrd="0" destOrd="0" parTransId="{24876323-407F-48DB-9DA8-8C640F29965E}" sibTransId="{61D06881-6805-450B-B6B9-967A680AD2A3}"/>
+    <dgm:cxn modelId="{75B0E4BE-EE34-4F43-BFC3-E0671B6253B1}" srcId="{90F72996-CC39-4B1E-9099-A280EA523148}" destId="{2C74D283-FFF3-45B1-9AEE-B142FEC0122A}" srcOrd="0" destOrd="0" parTransId="{BAE4AF88-17CD-4366-98C9-E08F0FD0E627}" sibTransId="{7A9BFEBD-3AFF-4B7C-A7BD-C18BC3B1ED74}"/>
     <dgm:cxn modelId="{D629EE2F-7083-4E6E-8BFD-C7C92661C4BE}" type="presOf" srcId="{D47BF227-506D-493D-933E-99DE22B00514}" destId="{C3E3A53A-5633-4F32-9728-38EC4FB94391}" srcOrd="0" destOrd="0" presId="urn:microsoft.com/office/officeart/2005/8/layout/list1"/>
+    <dgm:cxn modelId="{08BAAF70-4627-47DD-8ABE-C459F40FC8C6}" type="presOf" srcId="{5BA88B08-F59C-4A55-B5FD-23213CFF1682}" destId="{A84B1EE4-AE58-4322-BE34-7D1D0F44D4ED}" srcOrd="1" destOrd="0" presId="urn:microsoft.com/office/officeart/2005/8/layout/list1"/>
+    <dgm:cxn modelId="{F401424F-FFD5-47AC-A11D-0B84DC06E461}" type="presOf" srcId="{2C74D283-FFF3-45B1-9AEE-B142FEC0122A}" destId="{E97C0401-C313-4ECF-B559-6F9B9C155278}" srcOrd="0" destOrd="0" presId="urn:microsoft.com/office/officeart/2005/8/layout/list1"/>
     <dgm:cxn modelId="{9D1AFB6D-A697-4AAF-AEE4-5A3567A2AAF5}" srcId="{2C74D283-FFF3-45B1-9AEE-B142FEC0122A}" destId="{656EC3D2-E9FE-4758-A4A2-E7058F9C9FF2}" srcOrd="2" destOrd="0" parTransId="{E5A25A38-A1C2-4076-9E57-531D3500D729}" sibTransId="{1BDC6683-80A1-435B-B94C-47E6764CF79C}"/>
+    <dgm:cxn modelId="{473CC3C4-3F2A-427B-9993-DC6412C481DB}" srcId="{2C74D283-FFF3-45B1-9AEE-B142FEC0122A}" destId="{0270EB40-29E7-4816-A291-4EF809864188}" srcOrd="0" destOrd="0" parTransId="{B5DE3FC1-81E1-4749-92E1-9B8BFE51F456}" sibTransId="{D6874FA6-C412-42BD-8D42-2503D6C20AD7}"/>
+    <dgm:cxn modelId="{41DC1C15-8132-4B55-BB0B-40211CCC0970}" type="presOf" srcId="{656EC3D2-E9FE-4758-A4A2-E7058F9C9FF2}" destId="{E97C0401-C313-4ECF-B559-6F9B9C155278}" srcOrd="0" destOrd="3" presId="urn:microsoft.com/office/officeart/2005/8/layout/list1"/>
     <dgm:cxn modelId="{244310E4-1527-417C-8917-03B0D71EB366}" type="presOf" srcId="{A1D954AC-509F-4FD9-92DA-805D7F9BEC07}" destId="{E97C0401-C313-4ECF-B559-6F9B9C155278}" srcOrd="0" destOrd="2" presId="urn:microsoft.com/office/officeart/2005/8/layout/list1"/>
-    <dgm:cxn modelId="{6C100DE6-9412-46BA-BD82-B166B05DF90C}" type="presOf" srcId="{0270EB40-29E7-4816-A291-4EF809864188}" destId="{E97C0401-C313-4ECF-B559-6F9B9C155278}" srcOrd="0" destOrd="1" presId="urn:microsoft.com/office/officeart/2005/8/layout/list1"/>
-    <dgm:cxn modelId="{3D24D835-3317-4F70-95B6-6FFC00E130DA}" srcId="{D47BF227-506D-493D-933E-99DE22B00514}" destId="{8DF17557-66C0-40CB-B6F0-832C992AB0A6}" srcOrd="1" destOrd="0" parTransId="{90555DC5-7517-4801-A88C-682CEA928D44}" sibTransId="{626A3A22-7F40-4F51-9C2D-8F2FAA6A11C5}"/>
-    <dgm:cxn modelId="{08BAAF70-4627-47DD-8ABE-C459F40FC8C6}" type="presOf" srcId="{5BA88B08-F59C-4A55-B5FD-23213CFF1682}" destId="{A84B1EE4-AE58-4322-BE34-7D1D0F44D4ED}" srcOrd="1" destOrd="0" presId="urn:microsoft.com/office/officeart/2005/8/layout/list1"/>
-    <dgm:cxn modelId="{51C643DA-410A-4BB7-B28C-558C0A058F75}" type="presOf" srcId="{BBF82890-7122-4537-B52B-E4F20ED1F867}" destId="{C3E3A53A-5633-4F32-9728-38EC4FB94391}" srcOrd="0" destOrd="3" presId="urn:microsoft.com/office/officeart/2005/8/layout/list1"/>
+    <dgm:cxn modelId="{8D5481CC-B5C2-4A25-B5B9-4A398A07EC7D}" srcId="{0307DA00-481D-4BD6-846B-33BEE38B7DB1}" destId="{5BA88B08-F59C-4A55-B5FD-23213CFF1682}" srcOrd="0" destOrd="0" parTransId="{7804942A-410A-46CC-8D20-866FAA5746EC}" sibTransId="{39363A2F-EF6F-436E-839D-D3EA31BCFD2C}"/>
+    <dgm:cxn modelId="{1AD68677-92E6-48EA-9E42-33743CFBA5A2}" srcId="{D47BF227-506D-493D-933E-99DE22B00514}" destId="{A0DADAA4-6FC5-453C-B51F-0B94CEAC6BCF}" srcOrd="0" destOrd="0" parTransId="{D4F0301E-1A9D-4D7F-BA48-599E9438B49C}" sibTransId="{3FD9D28E-DC0B-46AE-A7A1-4B6C4A3C847E}"/>
     <dgm:cxn modelId="{C137E54C-D5C3-4754-B505-0CFBF45E471D}" type="presOf" srcId="{A0DADAA4-6FC5-453C-B51F-0B94CEAC6BCF}" destId="{C3E3A53A-5633-4F32-9728-38EC4FB94391}" srcOrd="0" destOrd="1" presId="urn:microsoft.com/office/officeart/2005/8/layout/list1"/>
-    <dgm:cxn modelId="{8D5481CC-B5C2-4A25-B5B9-4A398A07EC7D}" srcId="{0307DA00-481D-4BD6-846B-33BEE38B7DB1}" destId="{5BA88B08-F59C-4A55-B5FD-23213CFF1682}" srcOrd="0" destOrd="0" parTransId="{7804942A-410A-46CC-8D20-866FAA5746EC}" sibTransId="{39363A2F-EF6F-436E-839D-D3EA31BCFD2C}"/>
-    <dgm:cxn modelId="{75B0E4BE-EE34-4F43-BFC3-E0671B6253B1}" srcId="{90F72996-CC39-4B1E-9099-A280EA523148}" destId="{2C74D283-FFF3-45B1-9AEE-B142FEC0122A}" srcOrd="0" destOrd="0" parTransId="{BAE4AF88-17CD-4366-98C9-E08F0FD0E627}" sibTransId="{7A9BFEBD-3AFF-4B7C-A7BD-C18BC3B1ED74}"/>
-    <dgm:cxn modelId="{F401424F-FFD5-47AC-A11D-0B84DC06E461}" type="presOf" srcId="{2C74D283-FFF3-45B1-9AEE-B142FEC0122A}" destId="{E97C0401-C313-4ECF-B559-6F9B9C155278}" srcOrd="0" destOrd="0" presId="urn:microsoft.com/office/officeart/2005/8/layout/list1"/>
-    <dgm:cxn modelId="{76552FF6-BDE4-474C-AD32-B50F6A8E87BE}" srcId="{5BA88B08-F59C-4A55-B5FD-23213CFF1682}" destId="{D47BF227-506D-493D-933E-99DE22B00514}" srcOrd="0" destOrd="0" parTransId="{24876323-407F-48DB-9DA8-8C640F29965E}" sibTransId="{61D06881-6805-450B-B6B9-967A680AD2A3}"/>
-    <dgm:cxn modelId="{46E052C2-BE7B-405A-8220-71D0D516FC9A}" srcId="{0307DA00-481D-4BD6-846B-33BEE38B7DB1}" destId="{90F72996-CC39-4B1E-9099-A280EA523148}" srcOrd="1" destOrd="0" parTransId="{4185CCCD-6C3C-4AF9-A782-31FE11B69714}" sibTransId="{573537D8-2BE1-456F-9339-F39922F6334B}"/>
-    <dgm:cxn modelId="{867EC92F-62B8-42D3-B970-45D9BB80A48A}" type="presOf" srcId="{90F72996-CC39-4B1E-9099-A280EA523148}" destId="{26F3F309-3D09-49B7-B21B-E4A9C07080A8}" srcOrd="0" destOrd="0" presId="urn:microsoft.com/office/officeart/2005/8/layout/list1"/>
-    <dgm:cxn modelId="{41DC1C15-8132-4B55-BB0B-40211CCC0970}" type="presOf" srcId="{656EC3D2-E9FE-4758-A4A2-E7058F9C9FF2}" destId="{E97C0401-C313-4ECF-B559-6F9B9C155278}" srcOrd="0" destOrd="3" presId="urn:microsoft.com/office/officeart/2005/8/layout/list1"/>
-    <dgm:cxn modelId="{1AD68677-92E6-48EA-9E42-33743CFBA5A2}" srcId="{D47BF227-506D-493D-933E-99DE22B00514}" destId="{A0DADAA4-6FC5-453C-B51F-0B94CEAC6BCF}" srcOrd="0" destOrd="0" parTransId="{D4F0301E-1A9D-4D7F-BA48-599E9438B49C}" sibTransId="{3FD9D28E-DC0B-46AE-A7A1-4B6C4A3C847E}"/>
+    <dgm:cxn modelId="{FD6B651C-242D-4AA5-92CE-E9C108897C4D}" type="presOf" srcId="{90F72996-CC39-4B1E-9099-A280EA523148}" destId="{8590C616-DFA2-4FB2-858A-2DF381881E4E}" srcOrd="1" destOrd="0" presId="urn:microsoft.com/office/officeart/2005/8/layout/list1"/>
     <dgm:cxn modelId="{537CEB6B-D23C-43D8-A66B-6E6FC8528A71}" srcId="{2C74D283-FFF3-45B1-9AEE-B142FEC0122A}" destId="{A1D954AC-509F-4FD9-92DA-805D7F9BEC07}" srcOrd="1" destOrd="0" parTransId="{A31F6E1D-F7B6-4D78-83F1-2EC72D9BEBF4}" sibTransId="{1306D31F-3340-4C1D-B06A-6587448E203C}"/>
-    <dgm:cxn modelId="{7084AFBE-8E72-490F-8322-71262C001AE4}" srcId="{D47BF227-506D-493D-933E-99DE22B00514}" destId="{BBF82890-7122-4537-B52B-E4F20ED1F867}" srcOrd="2" destOrd="0" parTransId="{9425167E-6E9D-4A98-A0D9-17165470087A}" sibTransId="{3CE1F748-9D67-4059-A103-9F3E544A2C86}"/>
-    <dgm:cxn modelId="{91CD6A19-B0EF-4FA9-AA2C-C9E71068A6B8}" type="presOf" srcId="{0307DA00-481D-4BD6-846B-33BEE38B7DB1}" destId="{F3DA4727-BFA7-4BC1-B229-755DBB9C2FD6}" srcOrd="0" destOrd="0" presId="urn:microsoft.com/office/officeart/2005/8/layout/list1"/>
-    <dgm:cxn modelId="{FD6B651C-242D-4AA5-92CE-E9C108897C4D}" type="presOf" srcId="{90F72996-CC39-4B1E-9099-A280EA523148}" destId="{8590C616-DFA2-4FB2-858A-2DF381881E4E}" srcOrd="1" destOrd="0" presId="urn:microsoft.com/office/officeart/2005/8/layout/list1"/>
-    <dgm:cxn modelId="{2B80AC7F-DEB9-4754-ADE0-2245F88E9429}" type="presOf" srcId="{5BA88B08-F59C-4A55-B5FD-23213CFF1682}" destId="{50B9F778-32B1-4E1A-9986-849CEFD72783}" srcOrd="0" destOrd="0" presId="urn:microsoft.com/office/officeart/2005/8/layout/list1"/>
-    <dgm:cxn modelId="{473CC3C4-3F2A-427B-9993-DC6412C481DB}" srcId="{2C74D283-FFF3-45B1-9AEE-B142FEC0122A}" destId="{0270EB40-29E7-4816-A291-4EF809864188}" srcOrd="0" destOrd="0" parTransId="{B5DE3FC1-81E1-4749-92E1-9B8BFE51F456}" sibTransId="{D6874FA6-C412-42BD-8D42-2503D6C20AD7}"/>
-    <dgm:cxn modelId="{4F460841-001C-4986-828F-CA6103563562}" type="presOf" srcId="{8DF17557-66C0-40CB-B6F0-832C992AB0A6}" destId="{C3E3A53A-5633-4F32-9728-38EC4FB94391}" srcOrd="0" destOrd="2" presId="urn:microsoft.com/office/officeart/2005/8/layout/list1"/>
     <dgm:cxn modelId="{E0A9D5E7-2EAD-42B4-B077-BD094EBA166E}" type="presParOf" srcId="{F3DA4727-BFA7-4BC1-B229-755DBB9C2FD6}" destId="{90532B71-97DE-401B-BEDE-D9EA342B6005}" srcOrd="0" destOrd="0" presId="urn:microsoft.com/office/officeart/2005/8/layout/list1"/>
     <dgm:cxn modelId="{B9CC62DC-9DA6-42A3-B927-87DE1985C7EB}" type="presParOf" srcId="{90532B71-97DE-401B-BEDE-D9EA342B6005}" destId="{50B9F778-32B1-4E1A-9986-849CEFD72783}" srcOrd="0" destOrd="0" presId="urn:microsoft.com/office/officeart/2005/8/layout/list1"/>
     <dgm:cxn modelId="{C477466D-ADC0-40BA-9D83-684646E81A10}" type="presParOf" srcId="{90532B71-97DE-401B-BEDE-D9EA342B6005}" destId="{A84B1EE4-AE58-4322-BE34-7D1D0F44D4ED}" srcOrd="1" destOrd="0" presId="urn:microsoft.com/office/officeart/2005/8/layout/list1"/>
@@ -9500,7 +9501,7 @@
                 <a14:useLocalDpi xmlns:a14="http://schemas.microsoft.com/office/drawing/2010/main" val="0"/>
               </a:ext>
               <a:ext uri="{96DAC541-7B7A-43D3-8B79-37D633B846F1}">
-                <asvg:svgBlip xmlns:asvg="http://schemas.microsoft.com/office/drawing/2016/SVG/main" xmlns="" r:embed="rId2"/>
+                <asvg:svgBlip xmlns="" xmlns:asvg="http://schemas.microsoft.com/office/drawing/2016/SVG/main" r:embed="rId2"/>
               </a:ext>
             </a:extLst>
           </a:blip>
@@ -9560,7 +9561,7 @@
                 <a14:useLocalDpi xmlns:a14="http://schemas.microsoft.com/office/drawing/2010/main" val="0"/>
               </a:ext>
               <a:ext uri="{96DAC541-7B7A-43D3-8B79-37D633B846F1}">
-                <asvg:svgBlip xmlns:asvg="http://schemas.microsoft.com/office/drawing/2016/SVG/main" xmlns="" r:embed="rId4"/>
+                <asvg:svgBlip xmlns="" xmlns:asvg="http://schemas.microsoft.com/office/drawing/2016/SVG/main" r:embed="rId4"/>
               </a:ext>
             </a:extLst>
           </a:blip>
@@ -9620,7 +9621,7 @@
                 <a14:useLocalDpi xmlns:a14="http://schemas.microsoft.com/office/drawing/2010/main" val="0"/>
               </a:ext>
               <a:ext uri="{96DAC541-7B7A-43D3-8B79-37D633B846F1}">
-                <asvg:svgBlip xmlns:asvg="http://schemas.microsoft.com/office/drawing/2016/SVG/main" xmlns="" r:embed="rId6"/>
+                <asvg:svgBlip xmlns="" xmlns:asvg="http://schemas.microsoft.com/office/drawing/2016/SVG/main" r:embed="rId6"/>
               </a:ext>
             </a:extLst>
           </a:blip>
@@ -9680,7 +9681,7 @@
                 <a14:useLocalDpi xmlns:a14="http://schemas.microsoft.com/office/drawing/2010/main" val="0"/>
               </a:ext>
               <a:ext uri="{96DAC541-7B7A-43D3-8B79-37D633B846F1}">
-                <asvg:svgBlip xmlns:asvg="http://schemas.microsoft.com/office/drawing/2016/SVG/main" xmlns="" r:embed="rId8"/>
+                <asvg:svgBlip xmlns="" xmlns:asvg="http://schemas.microsoft.com/office/drawing/2016/SVG/main" r:embed="rId8"/>
               </a:ext>
             </a:extLst>
           </a:blip>
@@ -9964,7 +9965,7 @@
                 <a14:useLocalDpi xmlns:a14="http://schemas.microsoft.com/office/drawing/2010/main" val="0"/>
               </a:ext>
               <a:ext uri="{96DAC541-7B7A-43D3-8B79-37D633B846F1}">
-                <asvg:svgBlip xmlns:asvg="http://schemas.microsoft.com/office/drawing/2016/SVG/main" xmlns="" r:embed="rId2"/>
+                <asvg:svgBlip xmlns="" xmlns:asvg="http://schemas.microsoft.com/office/drawing/2016/SVG/main" r:embed="rId2"/>
               </a:ext>
             </a:extLst>
           </a:blip>
@@ -10031,7 +10032,7 @@
                 <a14:useLocalDpi xmlns:a14="http://schemas.microsoft.com/office/drawing/2010/main" val="0"/>
               </a:ext>
               <a:ext uri="{96DAC541-7B7A-43D3-8B79-37D633B846F1}">
-                <asvg:svgBlip xmlns:asvg="http://schemas.microsoft.com/office/drawing/2016/SVG/main" xmlns="" r:embed="rId4"/>
+                <asvg:svgBlip xmlns="" xmlns:asvg="http://schemas.microsoft.com/office/drawing/2016/SVG/main" r:embed="rId4"/>
               </a:ext>
             </a:extLst>
           </a:blip>
@@ -10098,7 +10099,7 @@
                 <a14:useLocalDpi xmlns:a14="http://schemas.microsoft.com/office/drawing/2010/main" val="0"/>
               </a:ext>
               <a:ext uri="{96DAC541-7B7A-43D3-8B79-37D633B846F1}">
-                <asvg:svgBlip xmlns:asvg="http://schemas.microsoft.com/office/drawing/2016/SVG/main" xmlns="" r:embed="rId6"/>
+                <asvg:svgBlip xmlns="" xmlns:asvg="http://schemas.microsoft.com/office/drawing/2016/SVG/main" r:embed="rId6"/>
               </a:ext>
             </a:extLst>
           </a:blip>
@@ -10165,7 +10166,7 @@
                 <a14:useLocalDpi xmlns:a14="http://schemas.microsoft.com/office/drawing/2010/main" val="0"/>
               </a:ext>
               <a:ext uri="{96DAC541-7B7A-43D3-8B79-37D633B846F1}">
-                <asvg:svgBlip xmlns:asvg="http://schemas.microsoft.com/office/drawing/2016/SVG/main" xmlns="" r:embed="rId8"/>
+                <asvg:svgBlip xmlns="" xmlns:asvg="http://schemas.microsoft.com/office/drawing/2016/SVG/main" r:embed="rId8"/>
               </a:ext>
             </a:extLst>
           </a:blip>
@@ -10444,7 +10445,7 @@
                 <a14:useLocalDpi xmlns:a14="http://schemas.microsoft.com/office/drawing/2010/main" val="0"/>
               </a:ext>
               <a:ext uri="{96DAC541-7B7A-43D3-8B79-37D633B846F1}">
-                <asvg:svgBlip xmlns:asvg="http://schemas.microsoft.com/office/drawing/2016/SVG/main" xmlns="" r:embed="rId2"/>
+                <asvg:svgBlip xmlns="" xmlns:asvg="http://schemas.microsoft.com/office/drawing/2016/SVG/main" r:embed="rId2"/>
               </a:ext>
             </a:extLst>
           </a:blip>
@@ -10504,7 +10505,7 @@
                 <a14:useLocalDpi xmlns:a14="http://schemas.microsoft.com/office/drawing/2010/main" val="0"/>
               </a:ext>
               <a:ext uri="{96DAC541-7B7A-43D3-8B79-37D633B846F1}">
-                <asvg:svgBlip xmlns:asvg="http://schemas.microsoft.com/office/drawing/2016/SVG/main" xmlns="" r:embed="rId4"/>
+                <asvg:svgBlip xmlns="" xmlns:asvg="http://schemas.microsoft.com/office/drawing/2016/SVG/main" r:embed="rId4"/>
               </a:ext>
             </a:extLst>
           </a:blip>
@@ -10564,7 +10565,7 @@
                 <a14:useLocalDpi xmlns:a14="http://schemas.microsoft.com/office/drawing/2010/main" val="0"/>
               </a:ext>
               <a:ext uri="{96DAC541-7B7A-43D3-8B79-37D633B846F1}">
-                <asvg:svgBlip xmlns:asvg="http://schemas.microsoft.com/office/drawing/2016/SVG/main" xmlns="" r:embed="rId6"/>
+                <asvg:svgBlip xmlns="" xmlns:asvg="http://schemas.microsoft.com/office/drawing/2016/SVG/main" r:embed="rId6"/>
               </a:ext>
             </a:extLst>
           </a:blip>
@@ -10624,7 +10625,7 @@
                 <a14:useLocalDpi xmlns:a14="http://schemas.microsoft.com/office/drawing/2010/main" val="0"/>
               </a:ext>
               <a:ext uri="{96DAC541-7B7A-43D3-8B79-37D633B846F1}">
-                <asvg:svgBlip xmlns:asvg="http://schemas.microsoft.com/office/drawing/2016/SVG/main" xmlns="" r:embed="rId8"/>
+                <asvg:svgBlip xmlns="" xmlns:asvg="http://schemas.microsoft.com/office/drawing/2016/SVG/main" r:embed="rId8"/>
               </a:ext>
             </a:extLst>
           </a:blip>
@@ -10924,7 +10925,7 @@
                 <a14:useLocalDpi xmlns:a14="http://schemas.microsoft.com/office/drawing/2010/main" val="0"/>
               </a:ext>
               <a:ext uri="{96DAC541-7B7A-43D3-8B79-37D633B846F1}">
-                <asvg:svgBlip xmlns:asvg="http://schemas.microsoft.com/office/drawing/2016/SVG/main" xmlns="" r:embed="rId2"/>
+                <asvg:svgBlip xmlns="" xmlns:asvg="http://schemas.microsoft.com/office/drawing/2016/SVG/main" r:embed="rId2"/>
               </a:ext>
             </a:extLst>
           </a:blip>
@@ -10988,7 +10989,7 @@
                 <a14:useLocalDpi xmlns:a14="http://schemas.microsoft.com/office/drawing/2010/main" val="0"/>
               </a:ext>
               <a:ext uri="{96DAC541-7B7A-43D3-8B79-37D633B846F1}">
-                <asvg:svgBlip xmlns:asvg="http://schemas.microsoft.com/office/drawing/2016/SVG/main" xmlns="" r:embed="rId4"/>
+                <asvg:svgBlip xmlns="" xmlns:asvg="http://schemas.microsoft.com/office/drawing/2016/SVG/main" r:embed="rId4"/>
               </a:ext>
             </a:extLst>
           </a:blip>
@@ -11052,7 +11053,7 @@
                 <a14:useLocalDpi xmlns:a14="http://schemas.microsoft.com/office/drawing/2010/main" val="0"/>
               </a:ext>
               <a:ext uri="{96DAC541-7B7A-43D3-8B79-37D633B846F1}">
-                <asvg:svgBlip xmlns:asvg="http://schemas.microsoft.com/office/drawing/2016/SVG/main" xmlns="" r:embed="rId6"/>
+                <asvg:svgBlip xmlns="" xmlns:asvg="http://schemas.microsoft.com/office/drawing/2016/SVG/main" r:embed="rId6"/>
               </a:ext>
             </a:extLst>
           </a:blip>
@@ -11116,7 +11117,7 @@
                 <a14:useLocalDpi xmlns:a14="http://schemas.microsoft.com/office/drawing/2010/main" val="0"/>
               </a:ext>
               <a:ext uri="{96DAC541-7B7A-43D3-8B79-37D633B846F1}">
-                <asvg:svgBlip xmlns:asvg="http://schemas.microsoft.com/office/drawing/2016/SVG/main" xmlns="" r:embed="rId8"/>
+                <asvg:svgBlip xmlns="" xmlns:asvg="http://schemas.microsoft.com/office/drawing/2016/SVG/main" r:embed="rId8"/>
               </a:ext>
             </a:extLst>
           </a:blip>
@@ -11376,7 +11377,7 @@
                 <a14:useLocalDpi xmlns:a14="http://schemas.microsoft.com/office/drawing/2010/main" val="0"/>
               </a:ext>
               <a:ext uri="{96DAC541-7B7A-43D3-8B79-37D633B846F1}">
-                <asvg:svgBlip xmlns:asvg="http://schemas.microsoft.com/office/drawing/2016/SVG/main" xmlns="" r:embed="rId2"/>
+                <asvg:svgBlip xmlns="" xmlns:asvg="http://schemas.microsoft.com/office/drawing/2016/SVG/main" r:embed="rId2"/>
               </a:ext>
             </a:extLst>
           </a:blip>
@@ -11436,7 +11437,7 @@
                 <a14:useLocalDpi xmlns:a14="http://schemas.microsoft.com/office/drawing/2010/main" val="0"/>
               </a:ext>
               <a:ext uri="{96DAC541-7B7A-43D3-8B79-37D633B846F1}">
-                <asvg:svgBlip xmlns:asvg="http://schemas.microsoft.com/office/drawing/2016/SVG/main" xmlns="" r:embed="rId4"/>
+                <asvg:svgBlip xmlns="" xmlns:asvg="http://schemas.microsoft.com/office/drawing/2016/SVG/main" r:embed="rId4"/>
               </a:ext>
             </a:extLst>
           </a:blip>
@@ -11496,7 +11497,7 @@
                 <a14:useLocalDpi xmlns:a14="http://schemas.microsoft.com/office/drawing/2010/main" val="0"/>
               </a:ext>
               <a:ext uri="{96DAC541-7B7A-43D3-8B79-37D633B846F1}">
-                <asvg:svgBlip xmlns:asvg="http://schemas.microsoft.com/office/drawing/2016/SVG/main" xmlns="" r:embed="rId6"/>
+                <asvg:svgBlip xmlns="" xmlns:asvg="http://schemas.microsoft.com/office/drawing/2016/SVG/main" r:embed="rId6"/>
               </a:ext>
             </a:extLst>
           </a:blip>
@@ -11772,7 +11773,7 @@
                 <a14:useLocalDpi xmlns:a14="http://schemas.microsoft.com/office/drawing/2010/main" val="0"/>
               </a:ext>
               <a:ext uri="{96DAC541-7B7A-43D3-8B79-37D633B846F1}">
-                <asvg:svgBlip xmlns:asvg="http://schemas.microsoft.com/office/drawing/2016/SVG/main" xmlns="" r:embed="rId2"/>
+                <asvg:svgBlip xmlns="" xmlns:asvg="http://schemas.microsoft.com/office/drawing/2016/SVG/main" r:embed="rId2"/>
               </a:ext>
             </a:extLst>
           </a:blip>
@@ -11836,7 +11837,7 @@
                 <a14:useLocalDpi xmlns:a14="http://schemas.microsoft.com/office/drawing/2010/main" val="0"/>
               </a:ext>
               <a:ext uri="{96DAC541-7B7A-43D3-8B79-37D633B846F1}">
-                <asvg:svgBlip xmlns:asvg="http://schemas.microsoft.com/office/drawing/2016/SVG/main" xmlns="" r:embed="rId4"/>
+                <asvg:svgBlip xmlns="" xmlns:asvg="http://schemas.microsoft.com/office/drawing/2016/SVG/main" r:embed="rId4"/>
               </a:ext>
             </a:extLst>
           </a:blip>
@@ -11900,7 +11901,7 @@
                 <a14:useLocalDpi xmlns:a14="http://schemas.microsoft.com/office/drawing/2010/main" val="0"/>
               </a:ext>
               <a:ext uri="{96DAC541-7B7A-43D3-8B79-37D633B846F1}">
-                <asvg:svgBlip xmlns:asvg="http://schemas.microsoft.com/office/drawing/2016/SVG/main" xmlns="" r:embed="rId6"/>
+                <asvg:svgBlip xmlns="" xmlns:asvg="http://schemas.microsoft.com/office/drawing/2016/SVG/main" r:embed="rId6"/>
               </a:ext>
             </a:extLst>
           </a:blip>
@@ -11964,7 +11965,7 @@
                 <a14:useLocalDpi xmlns:a14="http://schemas.microsoft.com/office/drawing/2010/main" val="0"/>
               </a:ext>
               <a:ext uri="{96DAC541-7B7A-43D3-8B79-37D633B846F1}">
-                <asvg:svgBlip xmlns:asvg="http://schemas.microsoft.com/office/drawing/2016/SVG/main" xmlns="" r:embed="rId8"/>
+                <asvg:svgBlip xmlns="" xmlns:asvg="http://schemas.microsoft.com/office/drawing/2016/SVG/main" r:embed="rId8"/>
               </a:ext>
             </a:extLst>
           </a:blip>
@@ -12117,7 +12118,7 @@
                 <a14:useLocalDpi xmlns:a14="http://schemas.microsoft.com/office/drawing/2010/main" val="0"/>
               </a:ext>
               <a:ext uri="{96DAC541-7B7A-43D3-8B79-37D633B846F1}">
-                <asvg:svgBlip xmlns:asvg="http://schemas.microsoft.com/office/drawing/2016/SVG/main" xmlns="" r:embed="rId2"/>
+                <asvg:svgBlip xmlns="" xmlns:asvg="http://schemas.microsoft.com/office/drawing/2016/SVG/main" r:embed="rId2"/>
               </a:ext>
             </a:extLst>
           </a:blip>
@@ -12267,7 +12268,7 @@
                 <a14:useLocalDpi xmlns:a14="http://schemas.microsoft.com/office/drawing/2010/main" val="0"/>
               </a:ext>
               <a:ext uri="{96DAC541-7B7A-43D3-8B79-37D633B846F1}">
-                <asvg:svgBlip xmlns:asvg="http://schemas.microsoft.com/office/drawing/2016/SVG/main" xmlns="" r:embed="rId4"/>
+                <asvg:svgBlip xmlns="" xmlns:asvg="http://schemas.microsoft.com/office/drawing/2016/SVG/main" r:embed="rId4"/>
               </a:ext>
             </a:extLst>
           </a:blip>
@@ -12429,7 +12430,7 @@
                 <a14:useLocalDpi xmlns:a14="http://schemas.microsoft.com/office/drawing/2010/main" val="0"/>
               </a:ext>
               <a:ext uri="{96DAC541-7B7A-43D3-8B79-37D633B846F1}">
-                <asvg:svgBlip xmlns:asvg="http://schemas.microsoft.com/office/drawing/2016/SVG/main" xmlns="" r:embed="rId2"/>
+                <asvg:svgBlip xmlns="" xmlns:asvg="http://schemas.microsoft.com/office/drawing/2016/SVG/main" r:embed="rId2"/>
               </a:ext>
             </a:extLst>
           </a:blip>
@@ -12579,7 +12580,7 @@
                 <a14:useLocalDpi xmlns:a14="http://schemas.microsoft.com/office/drawing/2010/main" val="0"/>
               </a:ext>
               <a:ext uri="{96DAC541-7B7A-43D3-8B79-37D633B846F1}">
-                <asvg:svgBlip xmlns:asvg="http://schemas.microsoft.com/office/drawing/2016/SVG/main" xmlns="" r:embed="rId4"/>
+                <asvg:svgBlip xmlns="" xmlns:asvg="http://schemas.microsoft.com/office/drawing/2016/SVG/main" r:embed="rId4"/>
               </a:ext>
             </a:extLst>
           </a:blip>
@@ -12729,7 +12730,7 @@
                 <a14:useLocalDpi xmlns:a14="http://schemas.microsoft.com/office/drawing/2010/main" val="0"/>
               </a:ext>
               <a:ext uri="{96DAC541-7B7A-43D3-8B79-37D633B846F1}">
-                <asvg:svgBlip xmlns:asvg="http://schemas.microsoft.com/office/drawing/2016/SVG/main" xmlns="" r:embed="rId6"/>
+                <asvg:svgBlip xmlns="" xmlns:asvg="http://schemas.microsoft.com/office/drawing/2016/SVG/main" r:embed="rId6"/>
               </a:ext>
             </a:extLst>
           </a:blip>
@@ -13320,7 +13321,7 @@
                 <a14:useLocalDpi xmlns:a14="http://schemas.microsoft.com/office/drawing/2010/main" val="0"/>
               </a:ext>
               <a:ext uri="{96DAC541-7B7A-43D3-8B79-37D633B846F1}">
-                <asvg:svgBlip xmlns:asvg="http://schemas.microsoft.com/office/drawing/2016/SVG/main" xmlns="" r:embed="rId2"/>
+                <asvg:svgBlip xmlns="" xmlns:asvg="http://schemas.microsoft.com/office/drawing/2016/SVG/main" r:embed="rId2"/>
               </a:ext>
             </a:extLst>
           </a:blip>
@@ -13471,7 +13472,7 @@
                 <a14:useLocalDpi xmlns:a14="http://schemas.microsoft.com/office/drawing/2010/main" val="0"/>
               </a:ext>
               <a:ext uri="{96DAC541-7B7A-43D3-8B79-37D633B846F1}">
-                <asvg:svgBlip xmlns:asvg="http://schemas.microsoft.com/office/drawing/2016/SVG/main" xmlns="" r:embed="rId4"/>
+                <asvg:svgBlip xmlns="" xmlns:asvg="http://schemas.microsoft.com/office/drawing/2016/SVG/main" r:embed="rId4"/>
               </a:ext>
             </a:extLst>
           </a:blip>
@@ -13626,7 +13627,7 @@
                 <a14:useLocalDpi xmlns:a14="http://schemas.microsoft.com/office/drawing/2010/main" val="0"/>
               </a:ext>
               <a:ext uri="{96DAC541-7B7A-43D3-8B79-37D633B846F1}">
-                <asvg:svgBlip xmlns:asvg="http://schemas.microsoft.com/office/drawing/2016/SVG/main" xmlns="" r:embed="rId6"/>
+                <asvg:svgBlip xmlns="" xmlns:asvg="http://schemas.microsoft.com/office/drawing/2016/SVG/main" r:embed="rId6"/>
               </a:ext>
             </a:extLst>
           </a:blip>
@@ -13785,7 +13786,7 @@
                 <a14:useLocalDpi xmlns:a14="http://schemas.microsoft.com/office/drawing/2010/main" val="0"/>
               </a:ext>
               <a:ext uri="{96DAC541-7B7A-43D3-8B79-37D633B846F1}">
-                <asvg:svgBlip xmlns:asvg="http://schemas.microsoft.com/office/drawing/2016/SVG/main" xmlns="" r:embed="rId8"/>
+                <asvg:svgBlip xmlns="" xmlns:asvg="http://schemas.microsoft.com/office/drawing/2016/SVG/main" r:embed="rId8"/>
               </a:ext>
             </a:extLst>
           </a:blip>
@@ -13950,7 +13951,7 @@
                 <a14:useLocalDpi xmlns:a14="http://schemas.microsoft.com/office/drawing/2010/main" val="0"/>
               </a:ext>
               <a:ext uri="{96DAC541-7B7A-43D3-8B79-37D633B846F1}">
-                <asvg:svgBlip xmlns:asvg="http://schemas.microsoft.com/office/drawing/2016/SVG/main" xmlns="" r:embed="rId2"/>
+                <asvg:svgBlip xmlns="" xmlns:asvg="http://schemas.microsoft.com/office/drawing/2016/SVG/main" r:embed="rId2"/>
               </a:ext>
             </a:extLst>
           </a:blip>
@@ -14099,7 +14100,7 @@
                 <a14:useLocalDpi xmlns:a14="http://schemas.microsoft.com/office/drawing/2010/main" val="0"/>
               </a:ext>
               <a:ext uri="{96DAC541-7B7A-43D3-8B79-37D633B846F1}">
-                <asvg:svgBlip xmlns:asvg="http://schemas.microsoft.com/office/drawing/2016/SVG/main" xmlns="" r:embed="rId4"/>
+                <asvg:svgBlip xmlns="" xmlns:asvg="http://schemas.microsoft.com/office/drawing/2016/SVG/main" r:embed="rId4"/>
               </a:ext>
             </a:extLst>
           </a:blip>
@@ -14248,7 +14249,7 @@
                 <a14:useLocalDpi xmlns:a14="http://schemas.microsoft.com/office/drawing/2010/main" val="0"/>
               </a:ext>
               <a:ext uri="{96DAC541-7B7A-43D3-8B79-37D633B846F1}">
-                <asvg:svgBlip xmlns:asvg="http://schemas.microsoft.com/office/drawing/2016/SVG/main" xmlns="" r:embed="rId6"/>
+                <asvg:svgBlip xmlns="" xmlns:asvg="http://schemas.microsoft.com/office/drawing/2016/SVG/main" r:embed="rId6"/>
               </a:ext>
             </a:extLst>
           </a:blip>
@@ -14397,7 +14398,7 @@
                 <a14:useLocalDpi xmlns:a14="http://schemas.microsoft.com/office/drawing/2010/main" val="0"/>
               </a:ext>
               <a:ext uri="{96DAC541-7B7A-43D3-8B79-37D633B846F1}">
-                <asvg:svgBlip xmlns:asvg="http://schemas.microsoft.com/office/drawing/2016/SVG/main" xmlns="" r:embed="rId8"/>
+                <asvg:svgBlip xmlns="" xmlns:asvg="http://schemas.microsoft.com/office/drawing/2016/SVG/main" r:embed="rId8"/>
               </a:ext>
             </a:extLst>
           </a:blip>
@@ -14560,7 +14561,7 @@
                 <a14:useLocalDpi xmlns:a14="http://schemas.microsoft.com/office/drawing/2010/main" val="0"/>
               </a:ext>
               <a:ext uri="{96DAC541-7B7A-43D3-8B79-37D633B846F1}">
-                <asvg:svgBlip xmlns:asvg="http://schemas.microsoft.com/office/drawing/2016/SVG/main" xmlns="" r:embed="rId2"/>
+                <asvg:svgBlip xmlns="" xmlns:asvg="http://schemas.microsoft.com/office/drawing/2016/SVG/main" r:embed="rId2"/>
               </a:ext>
             </a:extLst>
           </a:blip>
@@ -14711,7 +14712,7 @@
                 <a14:useLocalDpi xmlns:a14="http://schemas.microsoft.com/office/drawing/2010/main" val="0"/>
               </a:ext>
               <a:ext uri="{96DAC541-7B7A-43D3-8B79-37D633B846F1}">
-                <asvg:svgBlip xmlns:asvg="http://schemas.microsoft.com/office/drawing/2016/SVG/main" xmlns="" r:embed="rId4"/>
+                <asvg:svgBlip xmlns="" xmlns:asvg="http://schemas.microsoft.com/office/drawing/2016/SVG/main" r:embed="rId4"/>
               </a:ext>
             </a:extLst>
           </a:blip>
@@ -14862,7 +14863,7 @@
                 <a14:useLocalDpi xmlns:a14="http://schemas.microsoft.com/office/drawing/2010/main" val="0"/>
               </a:ext>
               <a:ext uri="{96DAC541-7B7A-43D3-8B79-37D633B846F1}">
-                <asvg:svgBlip xmlns:asvg="http://schemas.microsoft.com/office/drawing/2016/SVG/main" xmlns="" r:embed="rId6"/>
+                <asvg:svgBlip xmlns="" xmlns:asvg="http://schemas.microsoft.com/office/drawing/2016/SVG/main" r:embed="rId6"/>
               </a:ext>
             </a:extLst>
           </a:blip>
@@ -15013,7 +15014,7 @@
                 <a14:useLocalDpi xmlns:a14="http://schemas.microsoft.com/office/drawing/2010/main" val="0"/>
               </a:ext>
               <a:ext uri="{96DAC541-7B7A-43D3-8B79-37D633B846F1}">
-                <asvg:svgBlip xmlns:asvg="http://schemas.microsoft.com/office/drawing/2016/SVG/main" xmlns="" r:embed="rId8"/>
+                <asvg:svgBlip xmlns="" xmlns:asvg="http://schemas.microsoft.com/office/drawing/2016/SVG/main" r:embed="rId8"/>
               </a:ext>
             </a:extLst>
           </a:blip>
@@ -15174,7 +15175,7 @@
                 <a14:useLocalDpi xmlns:a14="http://schemas.microsoft.com/office/drawing/2010/main" val="0"/>
               </a:ext>
               <a:ext uri="{96DAC541-7B7A-43D3-8B79-37D633B846F1}">
-                <asvg:svgBlip xmlns:asvg="http://schemas.microsoft.com/office/drawing/2016/SVG/main" xmlns="" r:embed="rId2"/>
+                <asvg:svgBlip xmlns="" xmlns:asvg="http://schemas.microsoft.com/office/drawing/2016/SVG/main" r:embed="rId2"/>
               </a:ext>
             </a:extLst>
           </a:blip>
@@ -15324,7 +15325,7 @@
                 <a14:useLocalDpi xmlns:a14="http://schemas.microsoft.com/office/drawing/2010/main" val="0"/>
               </a:ext>
               <a:ext uri="{96DAC541-7B7A-43D3-8B79-37D633B846F1}">
-                <asvg:svgBlip xmlns:asvg="http://schemas.microsoft.com/office/drawing/2016/SVG/main" xmlns="" r:embed="rId4"/>
+                <asvg:svgBlip xmlns="" xmlns:asvg="http://schemas.microsoft.com/office/drawing/2016/SVG/main" r:embed="rId4"/>
               </a:ext>
             </a:extLst>
           </a:blip>
@@ -15490,7 +15491,7 @@
                 <a14:useLocalDpi xmlns:a14="http://schemas.microsoft.com/office/drawing/2010/main" val="0"/>
               </a:ext>
               <a:ext uri="{96DAC541-7B7A-43D3-8B79-37D633B846F1}">
-                <asvg:svgBlip xmlns:asvg="http://schemas.microsoft.com/office/drawing/2016/SVG/main" xmlns="" r:embed="rId6"/>
+                <asvg:svgBlip xmlns="" xmlns:asvg="http://schemas.microsoft.com/office/drawing/2016/SVG/main" r:embed="rId6"/>
               </a:ext>
             </a:extLst>
           </a:blip>
@@ -15640,7 +15641,7 @@
                 <a14:useLocalDpi xmlns:a14="http://schemas.microsoft.com/office/drawing/2010/main" val="0"/>
               </a:ext>
               <a:ext uri="{96DAC541-7B7A-43D3-8B79-37D633B846F1}">
-                <asvg:svgBlip xmlns:asvg="http://schemas.microsoft.com/office/drawing/2016/SVG/main" xmlns="" r:embed="rId8"/>
+                <asvg:svgBlip xmlns="" xmlns:asvg="http://schemas.microsoft.com/office/drawing/2016/SVG/main" r:embed="rId8"/>
               </a:ext>
             </a:extLst>
           </a:blip>
@@ -15803,7 +15804,7 @@
                 <a14:useLocalDpi xmlns:a14="http://schemas.microsoft.com/office/drawing/2010/main" val="0"/>
               </a:ext>
               <a:ext uri="{96DAC541-7B7A-43D3-8B79-37D633B846F1}">
-                <asvg:svgBlip xmlns:asvg="http://schemas.microsoft.com/office/drawing/2016/SVG/main" xmlns="" r:embed="rId2"/>
+                <asvg:svgBlip xmlns="" xmlns:asvg="http://schemas.microsoft.com/office/drawing/2016/SVG/main" r:embed="rId2"/>
               </a:ext>
             </a:extLst>
           </a:blip>
@@ -15958,7 +15959,7 @@
                 <a14:useLocalDpi xmlns:a14="http://schemas.microsoft.com/office/drawing/2010/main" val="0"/>
               </a:ext>
               <a:ext uri="{96DAC541-7B7A-43D3-8B79-37D633B846F1}">
-                <asvg:svgBlip xmlns:asvg="http://schemas.microsoft.com/office/drawing/2016/SVG/main" xmlns="" r:embed="rId4"/>
+                <asvg:svgBlip xmlns="" xmlns:asvg="http://schemas.microsoft.com/office/drawing/2016/SVG/main" r:embed="rId4"/>
               </a:ext>
             </a:extLst>
           </a:blip>
@@ -16108,7 +16109,7 @@
                 <a14:useLocalDpi xmlns:a14="http://schemas.microsoft.com/office/drawing/2010/main" val="0"/>
               </a:ext>
               <a:ext uri="{96DAC541-7B7A-43D3-8B79-37D633B846F1}">
-                <asvg:svgBlip xmlns:asvg="http://schemas.microsoft.com/office/drawing/2016/SVG/main" xmlns="" r:embed="rId6"/>
+                <asvg:svgBlip xmlns="" xmlns:asvg="http://schemas.microsoft.com/office/drawing/2016/SVG/main" r:embed="rId6"/>
               </a:ext>
             </a:extLst>
           </a:blip>
@@ -16269,7 +16270,7 @@
                 <a14:useLocalDpi xmlns:a14="http://schemas.microsoft.com/office/drawing/2010/main" val="0"/>
               </a:ext>
               <a:ext uri="{96DAC541-7B7A-43D3-8B79-37D633B846F1}">
-                <asvg:svgBlip xmlns:asvg="http://schemas.microsoft.com/office/drawing/2016/SVG/main" xmlns="" r:embed="rId2"/>
+                <asvg:svgBlip xmlns="" xmlns:asvg="http://schemas.microsoft.com/office/drawing/2016/SVG/main" r:embed="rId2"/>
               </a:ext>
             </a:extLst>
           </a:blip>
@@ -16419,7 +16420,7 @@
                 <a14:useLocalDpi xmlns:a14="http://schemas.microsoft.com/office/drawing/2010/main" val="0"/>
               </a:ext>
               <a:ext uri="{96DAC541-7B7A-43D3-8B79-37D633B846F1}">
-                <asvg:svgBlip xmlns:asvg="http://schemas.microsoft.com/office/drawing/2016/SVG/main" xmlns="" r:embed="rId4"/>
+                <asvg:svgBlip xmlns="" xmlns:asvg="http://schemas.microsoft.com/office/drawing/2016/SVG/main" r:embed="rId4"/>
               </a:ext>
             </a:extLst>
           </a:blip>
@@ -16569,7 +16570,7 @@
                 <a14:useLocalDpi xmlns:a14="http://schemas.microsoft.com/office/drawing/2010/main" val="0"/>
               </a:ext>
               <a:ext uri="{96DAC541-7B7A-43D3-8B79-37D633B846F1}">
-                <asvg:svgBlip xmlns:asvg="http://schemas.microsoft.com/office/drawing/2016/SVG/main" xmlns="" r:embed="rId6"/>
+                <asvg:svgBlip xmlns="" xmlns:asvg="http://schemas.microsoft.com/office/drawing/2016/SVG/main" r:embed="rId6"/>
               </a:ext>
             </a:extLst>
           </a:blip>
@@ -16719,7 +16720,7 @@
                 <a14:useLocalDpi xmlns:a14="http://schemas.microsoft.com/office/drawing/2010/main" val="0"/>
               </a:ext>
               <a:ext uri="{96DAC541-7B7A-43D3-8B79-37D633B846F1}">
-                <asvg:svgBlip xmlns:asvg="http://schemas.microsoft.com/office/drawing/2016/SVG/main" xmlns="" r:embed="rId8"/>
+                <asvg:svgBlip xmlns="" xmlns:asvg="http://schemas.microsoft.com/office/drawing/2016/SVG/main" r:embed="rId8"/>
               </a:ext>
             </a:extLst>
           </a:blip>
@@ -17090,7 +17091,7 @@
   </dgm:layoutNode>
   <dgm:extLst>
     <a:ext uri="{68A01E43-0DF5-4B5B-8FA6-DAF915123BFB}">
-      <dgm1612:lstStyle xmlns:dgm1612="http://schemas.microsoft.com/office/drawing/2016/12/diagram" xmlns="">
+      <dgm1612:lstStyle xmlns="" xmlns:dgm1612="http://schemas.microsoft.com/office/drawing/2016/12/diagram">
         <a:lvl1pPr>
           <a:lnSpc>
             <a:spcPct val="100000"/>
@@ -17384,7 +17385,7 @@
   </dgm:layoutNode>
   <dgm:extLst>
     <a:ext uri="{68A01E43-0DF5-4B5B-8FA6-DAF915123BFB}">
-      <dgm1612:lstStyle xmlns:dgm1612="http://schemas.microsoft.com/office/drawing/2016/12/diagram" xmlns="">
+      <dgm1612:lstStyle xmlns="" xmlns:dgm1612="http://schemas.microsoft.com/office/drawing/2016/12/diagram">
         <a:lvl1pPr>
           <a:lnSpc>
             <a:spcPct val="100000"/>
@@ -17903,7 +17904,7 @@
   </dgm:layoutNode>
   <dgm:extLst>
     <a:ext uri="{68A01E43-0DF5-4B5B-8FA6-DAF915123BFB}">
-      <dgm1612:lstStyle xmlns:dgm1612="http://schemas.microsoft.com/office/drawing/2016/12/diagram" xmlns="">
+      <dgm1612:lstStyle xmlns="" xmlns:dgm1612="http://schemas.microsoft.com/office/drawing/2016/12/diagram">
         <a:lvl1pPr>
           <a:lnSpc>
             <a:spcPct val="100000"/>
@@ -18120,7 +18121,7 @@
   </dgm:layoutNode>
   <dgm:extLst>
     <a:ext uri="{68A01E43-0DF5-4B5B-8FA6-DAF915123BFB}">
-      <dgm1612:lstStyle xmlns:dgm1612="http://schemas.microsoft.com/office/drawing/2016/12/diagram" xmlns="">
+      <dgm1612:lstStyle xmlns="" xmlns:dgm1612="http://schemas.microsoft.com/office/drawing/2016/12/diagram">
         <a:lvl1pPr>
           <a:lnSpc>
             <a:spcPct val="100000"/>
@@ -18409,7 +18410,7 @@
   </dgm:layoutNode>
   <dgm:extLst>
     <a:ext uri="{68A01E43-0DF5-4B5B-8FA6-DAF915123BFB}">
-      <dgm1612:lstStyle xmlns:dgm1612="http://schemas.microsoft.com/office/drawing/2016/12/diagram" xmlns="">
+      <dgm1612:lstStyle xmlns="" xmlns:dgm1612="http://schemas.microsoft.com/office/drawing/2016/12/diagram">
         <a:lvl1pPr>
           <a:lnSpc>
             <a:spcPct val="100000"/>
@@ -18626,7 +18627,7 @@
   </dgm:layoutNode>
   <dgm:extLst>
     <a:ext uri="{68A01E43-0DF5-4B5B-8FA6-DAF915123BFB}">
-      <dgm1612:lstStyle xmlns:dgm1612="http://schemas.microsoft.com/office/drawing/2016/12/diagram" xmlns="">
+      <dgm1612:lstStyle xmlns="" xmlns:dgm1612="http://schemas.microsoft.com/office/drawing/2016/12/diagram">
         <a:lvl1pPr>
           <a:lnSpc>
             <a:spcPct val="100000"/>
@@ -18915,7 +18916,7 @@
   </dgm:layoutNode>
   <dgm:extLst>
     <a:ext uri="{68A01E43-0DF5-4B5B-8FA6-DAF915123BFB}">
-      <dgm1612:lstStyle xmlns:dgm1612="http://schemas.microsoft.com/office/drawing/2016/12/diagram" xmlns="">
+      <dgm1612:lstStyle xmlns="" xmlns:dgm1612="http://schemas.microsoft.com/office/drawing/2016/12/diagram">
         <a:lvl1pPr>
           <a:lnSpc>
             <a:spcPct val="100000"/>
@@ -19132,7 +19133,7 @@
   </dgm:layoutNode>
   <dgm:extLst>
     <a:ext uri="{68A01E43-0DF5-4B5B-8FA6-DAF915123BFB}">
-      <dgm1612:lstStyle xmlns:dgm1612="http://schemas.microsoft.com/office/drawing/2016/12/diagram" xmlns="">
+      <dgm1612:lstStyle xmlns="" xmlns:dgm1612="http://schemas.microsoft.com/office/drawing/2016/12/diagram">
         <a:lvl1pPr>
           <a:lnSpc>
             <a:spcPct val="100000"/>
@@ -28532,7 +28533,7 @@
           <a:p>
             <a:fld id="{24EC8C89-17FF-42F8-9E1D-7555C66541B0}" type="datetimeFigureOut">
               <a:rPr lang="en-US" smtClean="0"/>
-              <a:t>9/8/19</a:t>
+              <a:t>9/9/2019</a:t>
             </a:fld>
             <a:endParaRPr lang="en-US"/>
           </a:p>
@@ -29180,7 +29181,7 @@
           <a:p>
             <a:fld id="{F361EE3A-9322-EE42-8944-DBFD3A22011F}" type="datetimeFigureOut">
               <a:rPr lang="en-US" smtClean="0"/>
-              <a:t>9/8/19</a:t>
+              <a:t>9/9/2019</a:t>
             </a:fld>
             <a:endParaRPr lang="en-US"/>
           </a:p>
@@ -29348,7 +29349,7 @@
           <a:p>
             <a:fld id="{F361EE3A-9322-EE42-8944-DBFD3A22011F}" type="datetimeFigureOut">
               <a:rPr lang="en-US" smtClean="0"/>
-              <a:t>9/8/19</a:t>
+              <a:t>9/9/2019</a:t>
             </a:fld>
             <a:endParaRPr lang="en-US"/>
           </a:p>
@@ -29526,7 +29527,7 @@
           <a:p>
             <a:fld id="{F361EE3A-9322-EE42-8944-DBFD3A22011F}" type="datetimeFigureOut">
               <a:rPr lang="en-US" smtClean="0"/>
-              <a:t>9/8/19</a:t>
+              <a:t>9/9/2019</a:t>
             </a:fld>
             <a:endParaRPr lang="en-US"/>
           </a:p>
@@ -29694,7 +29695,7 @@
           <a:p>
             <a:fld id="{F361EE3A-9322-EE42-8944-DBFD3A22011F}" type="datetimeFigureOut">
               <a:rPr lang="en-US" smtClean="0"/>
-              <a:t>9/8/19</a:t>
+              <a:t>9/9/2019</a:t>
             </a:fld>
             <a:endParaRPr lang="en-US"/>
           </a:p>
@@ -29939,7 +29940,7 @@
           <a:p>
             <a:fld id="{F361EE3A-9322-EE42-8944-DBFD3A22011F}" type="datetimeFigureOut">
               <a:rPr lang="en-US" smtClean="0"/>
-              <a:t>9/8/19</a:t>
+              <a:t>9/9/2019</a:t>
             </a:fld>
             <a:endParaRPr lang="en-US"/>
           </a:p>
@@ -30168,7 +30169,7 @@
           <a:p>
             <a:fld id="{F361EE3A-9322-EE42-8944-DBFD3A22011F}" type="datetimeFigureOut">
               <a:rPr lang="en-US" smtClean="0"/>
-              <a:t>9/8/19</a:t>
+              <a:t>9/9/2019</a:t>
             </a:fld>
             <a:endParaRPr lang="en-US"/>
           </a:p>
@@ -30532,7 +30533,7 @@
           <a:p>
             <a:fld id="{F361EE3A-9322-EE42-8944-DBFD3A22011F}" type="datetimeFigureOut">
               <a:rPr lang="en-US" smtClean="0"/>
-              <a:t>9/8/19</a:t>
+              <a:t>9/9/2019</a:t>
             </a:fld>
             <a:endParaRPr lang="en-US"/>
           </a:p>
@@ -30649,7 +30650,7 @@
           <a:p>
             <a:fld id="{F361EE3A-9322-EE42-8944-DBFD3A22011F}" type="datetimeFigureOut">
               <a:rPr lang="en-US" smtClean="0"/>
-              <a:t>9/8/19</a:t>
+              <a:t>9/9/2019</a:t>
             </a:fld>
             <a:endParaRPr lang="en-US"/>
           </a:p>
@@ -30744,7 +30745,7 @@
           <a:p>
             <a:fld id="{F361EE3A-9322-EE42-8944-DBFD3A22011F}" type="datetimeFigureOut">
               <a:rPr lang="en-US" smtClean="0"/>
-              <a:t>9/8/19</a:t>
+              <a:t>9/9/2019</a:t>
             </a:fld>
             <a:endParaRPr lang="en-US"/>
           </a:p>
@@ -31019,7 +31020,7 @@
           <a:p>
             <a:fld id="{F361EE3A-9322-EE42-8944-DBFD3A22011F}" type="datetimeFigureOut">
               <a:rPr lang="en-US" smtClean="0"/>
-              <a:t>9/8/19</a:t>
+              <a:t>9/9/2019</a:t>
             </a:fld>
             <a:endParaRPr lang="en-US"/>
           </a:p>
@@ -31271,7 +31272,7 @@
           <a:p>
             <a:fld id="{F361EE3A-9322-EE42-8944-DBFD3A22011F}" type="datetimeFigureOut">
               <a:rPr lang="en-US" smtClean="0"/>
-              <a:t>9/8/19</a:t>
+              <a:t>9/9/2019</a:t>
             </a:fld>
             <a:endParaRPr lang="en-US"/>
           </a:p>
@@ -31482,7 +31483,7 @@
           <a:p>
             <a:fld id="{F361EE3A-9322-EE42-8944-DBFD3A22011F}" type="datetimeFigureOut">
               <a:rPr lang="en-US" smtClean="0"/>
-              <a:t>9/8/19</a:t>
+              <a:t>9/9/2019</a:t>
             </a:fld>
             <a:endParaRPr lang="en-US"/>
           </a:p>
@@ -31892,7 +31893,7 @@
           <p:cNvPr id="3" name="Picture 4" descr="ÙØªÙØ¬Ø© Ø¨Ø­Ø« Ø§ÙØµÙØ± Ø¹Ù âªserver pngâ¬â">
             <a:extLst>
               <a:ext uri="{FF2B5EF4-FFF2-40B4-BE49-F238E27FC236}">
-                <a16:creationId xmlns:a16="http://schemas.microsoft.com/office/drawing/2014/main" xmlns="" id="{209E4133-C6C9-4E7A-A0EB-D5FE51315FAB}"/>
+                <a16:creationId xmlns:a16="http://schemas.microsoft.com/office/drawing/2014/main" id="{209E4133-C6C9-4E7A-A0EB-D5FE51315FAB}"/>
               </a:ext>
             </a:extLst>
           </p:cNvPr>
@@ -32869,7 +32870,7 @@
           <p:cNvPr id="2" name="TextBox 1">
             <a:extLst>
               <a:ext uri="{FF2B5EF4-FFF2-40B4-BE49-F238E27FC236}">
-                <a16:creationId xmlns:a16="http://schemas.microsoft.com/office/drawing/2014/main" xmlns="" id="{E6FC455A-E3F3-413D-BB0E-30C9A7892DC4}"/>
+                <a16:creationId xmlns:a16="http://schemas.microsoft.com/office/drawing/2014/main" id="{E6FC455A-E3F3-413D-BB0E-30C9A7892DC4}"/>
               </a:ext>
             </a:extLst>
           </p:cNvPr>
@@ -32983,7 +32984,7 @@
           <p:cNvPr id="5" name="Content Placeholder 2">
             <a:extLst>
               <a:ext uri="{FF2B5EF4-FFF2-40B4-BE49-F238E27FC236}">
-                <a16:creationId xmlns:a16="http://schemas.microsoft.com/office/drawing/2014/main" xmlns="" id="{CFCAC9A5-9548-4B0F-A39E-51499B356969}"/>
+                <a16:creationId xmlns:a16="http://schemas.microsoft.com/office/drawing/2014/main" id="{CFCAC9A5-9548-4B0F-A39E-51499B356969}"/>
               </a:ext>
             </a:extLst>
           </p:cNvPr>
@@ -33059,10 +33060,10 @@
           <p:cNvPr id="14" name="Freeform: Shape 9">
             <a:extLst>
               <a:ext uri="{FF2B5EF4-FFF2-40B4-BE49-F238E27FC236}">
-                <a16:creationId xmlns:a16="http://schemas.microsoft.com/office/drawing/2014/main" xmlns="" id="{46C2E80F-49A6-4372-B103-219D417A55ED}"/>
+                <a16:creationId xmlns:a16="http://schemas.microsoft.com/office/drawing/2014/main" id="{46C2E80F-49A6-4372-B103-219D417A55ED}"/>
               </a:ext>
               <a:ext uri="{C183D7F6-B498-43B3-948B-1728B52AA6E4}">
-                <adec:decorative xmlns:adec="http://schemas.microsoft.com/office/drawing/2017/decorative" xmlns="" val="1"/>
+                <adec:decorative xmlns="" xmlns:adec="http://schemas.microsoft.com/office/drawing/2017/decorative" val="1"/>
               </a:ext>
             </a:extLst>
           </p:cNvPr>
@@ -33573,7 +33574,7 @@
           <p:cNvPr id="15" name="Content Placeholder 2">
             <a:extLst>
               <a:ext uri="{FF2B5EF4-FFF2-40B4-BE49-F238E27FC236}">
-                <a16:creationId xmlns:a16="http://schemas.microsoft.com/office/drawing/2014/main" xmlns="" id="{B2654A3F-7244-4C63-950E-C238C5B82B73}"/>
+                <a16:creationId xmlns:a16="http://schemas.microsoft.com/office/drawing/2014/main" id="{B2654A3F-7244-4C63-950E-C238C5B82B73}"/>
               </a:ext>
             </a:extLst>
           </p:cNvPr>
@@ -33649,10 +33650,10 @@
           <p:cNvPr id="12" name="Freeform: Shape 9">
             <a:extLst>
               <a:ext uri="{FF2B5EF4-FFF2-40B4-BE49-F238E27FC236}">
-                <a16:creationId xmlns:a16="http://schemas.microsoft.com/office/drawing/2014/main" xmlns="" id="{46C2E80F-49A6-4372-B103-219D417A55ED}"/>
+                <a16:creationId xmlns:a16="http://schemas.microsoft.com/office/drawing/2014/main" id="{46C2E80F-49A6-4372-B103-219D417A55ED}"/>
               </a:ext>
               <a:ext uri="{C183D7F6-B498-43B3-948B-1728B52AA6E4}">
-                <adec:decorative xmlns:adec="http://schemas.microsoft.com/office/drawing/2017/decorative" xmlns="" val="1"/>
+                <adec:decorative xmlns="" xmlns:adec="http://schemas.microsoft.com/office/drawing/2017/decorative" val="1"/>
               </a:ext>
             </a:extLst>
           </p:cNvPr>
@@ -34163,7 +34164,7 @@
           <p:cNvPr id="13" name="Content Placeholder 2">
             <a:extLst>
               <a:ext uri="{FF2B5EF4-FFF2-40B4-BE49-F238E27FC236}">
-                <a16:creationId xmlns:a16="http://schemas.microsoft.com/office/drawing/2014/main" xmlns="" id="{85475A06-2E22-443E-8E4E-AB099BBD9F94}"/>
+                <a16:creationId xmlns:a16="http://schemas.microsoft.com/office/drawing/2014/main" id="{85475A06-2E22-443E-8E4E-AB099BBD9F94}"/>
               </a:ext>
             </a:extLst>
           </p:cNvPr>
@@ -34239,10 +34240,10 @@
           <p:cNvPr id="14" name="Freeform: Shape 9">
             <a:extLst>
               <a:ext uri="{FF2B5EF4-FFF2-40B4-BE49-F238E27FC236}">
-                <a16:creationId xmlns:a16="http://schemas.microsoft.com/office/drawing/2014/main" xmlns="" id="{46C2E80F-49A6-4372-B103-219D417A55ED}"/>
+                <a16:creationId xmlns:a16="http://schemas.microsoft.com/office/drawing/2014/main" id="{46C2E80F-49A6-4372-B103-219D417A55ED}"/>
               </a:ext>
               <a:ext uri="{C183D7F6-B498-43B3-948B-1728B52AA6E4}">
-                <adec:decorative xmlns:adec="http://schemas.microsoft.com/office/drawing/2017/decorative" xmlns="" val="1"/>
+                <adec:decorative xmlns="" xmlns:adec="http://schemas.microsoft.com/office/drawing/2017/decorative" val="1"/>
               </a:ext>
             </a:extLst>
           </p:cNvPr>
@@ -34761,7 +34762,7 @@
           <p:cNvPr id="15" name="Content Placeholder 2">
             <a:extLst>
               <a:ext uri="{FF2B5EF4-FFF2-40B4-BE49-F238E27FC236}">
-                <a16:creationId xmlns:a16="http://schemas.microsoft.com/office/drawing/2014/main" xmlns="" id="{97084CD6-DD8A-4E4F-8088-A804DF2CA04A}"/>
+                <a16:creationId xmlns:a16="http://schemas.microsoft.com/office/drawing/2014/main" id="{97084CD6-DD8A-4E4F-8088-A804DF2CA04A}"/>
               </a:ext>
             </a:extLst>
           </p:cNvPr>
@@ -34837,10 +34838,10 @@
           <p:cNvPr id="22" name="Freeform: Shape 21">
             <a:extLst>
               <a:ext uri="{FF2B5EF4-FFF2-40B4-BE49-F238E27FC236}">
-                <a16:creationId xmlns:a16="http://schemas.microsoft.com/office/drawing/2014/main" xmlns="" id="{46C2E80F-49A6-4372-B103-219D417A55ED}"/>
+                <a16:creationId xmlns:a16="http://schemas.microsoft.com/office/drawing/2014/main" id="{46C2E80F-49A6-4372-B103-219D417A55ED}"/>
               </a:ext>
               <a:ext uri="{C183D7F6-B498-43B3-948B-1728B52AA6E4}">
-                <adec:decorative xmlns:adec="http://schemas.microsoft.com/office/drawing/2017/decorative" xmlns="" val="1"/>
+                <adec:decorative xmlns="" xmlns:adec="http://schemas.microsoft.com/office/drawing/2017/decorative" val="1"/>
               </a:ext>
             </a:extLst>
           </p:cNvPr>
@@ -35351,7 +35352,7 @@
           <p:cNvPr id="5" name="Content Placeholder 2">
             <a:extLst>
               <a:ext uri="{FF2B5EF4-FFF2-40B4-BE49-F238E27FC236}">
-                <a16:creationId xmlns:a16="http://schemas.microsoft.com/office/drawing/2014/main" xmlns="" id="{F43F2B67-950B-47F0-9A73-21E90245B57D}"/>
+                <a16:creationId xmlns:a16="http://schemas.microsoft.com/office/drawing/2014/main" id="{F43F2B67-950B-47F0-9A73-21E90245B57D}"/>
               </a:ext>
             </a:extLst>
           </p:cNvPr>
@@ -35420,10 +35421,10 @@
           <p:cNvPr id="14" name="Freeform: Shape 9">
             <a:extLst>
               <a:ext uri="{FF2B5EF4-FFF2-40B4-BE49-F238E27FC236}">
-                <a16:creationId xmlns:a16="http://schemas.microsoft.com/office/drawing/2014/main" xmlns="" id="{46C2E80F-49A6-4372-B103-219D417A55ED}"/>
+                <a16:creationId xmlns:a16="http://schemas.microsoft.com/office/drawing/2014/main" id="{46C2E80F-49A6-4372-B103-219D417A55ED}"/>
               </a:ext>
               <a:ext uri="{C183D7F6-B498-43B3-948B-1728B52AA6E4}">
-                <adec:decorative xmlns:adec="http://schemas.microsoft.com/office/drawing/2017/decorative" xmlns="" val="1"/>
+                <adec:decorative xmlns="" xmlns:adec="http://schemas.microsoft.com/office/drawing/2017/decorative" val="1"/>
               </a:ext>
             </a:extLst>
           </p:cNvPr>
@@ -35934,7 +35935,7 @@
           <p:cNvPr id="15" name="Content Placeholder 2">
             <a:extLst>
               <a:ext uri="{FF2B5EF4-FFF2-40B4-BE49-F238E27FC236}">
-                <a16:creationId xmlns:a16="http://schemas.microsoft.com/office/drawing/2014/main" xmlns="" id="{97084CD6-DD8A-4E4F-8088-A804DF2CA04A}"/>
+                <a16:creationId xmlns:a16="http://schemas.microsoft.com/office/drawing/2014/main" id="{97084CD6-DD8A-4E4F-8088-A804DF2CA04A}"/>
               </a:ext>
             </a:extLst>
           </p:cNvPr>
@@ -36003,7 +36004,7 @@
           <p:cNvPr id="2" name="Title 1">
             <a:extLst>
               <a:ext uri="{FF2B5EF4-FFF2-40B4-BE49-F238E27FC236}">
-                <a16:creationId xmlns:a16="http://schemas.microsoft.com/office/drawing/2014/main" xmlns="" id="{1672C192-FFF2-4B96-ACC0-1F0C9A1065C6}"/>
+                <a16:creationId xmlns:a16="http://schemas.microsoft.com/office/drawing/2014/main" id="{1672C192-FFF2-4B96-ACC0-1F0C9A1065C6}"/>
               </a:ext>
             </a:extLst>
           </p:cNvPr>
@@ -36038,7 +36039,7 @@
           <p:cNvPr id="3" name="Content Placeholder 2">
             <a:extLst>
               <a:ext uri="{FF2B5EF4-FFF2-40B4-BE49-F238E27FC236}">
-                <a16:creationId xmlns:a16="http://schemas.microsoft.com/office/drawing/2014/main" xmlns="" id="{C23D8105-B970-4366-A419-F51995B5EC83}"/>
+                <a16:creationId xmlns:a16="http://schemas.microsoft.com/office/drawing/2014/main" id="{C23D8105-B970-4366-A419-F51995B5EC83}"/>
               </a:ext>
             </a:extLst>
           </p:cNvPr>
@@ -36103,10 +36104,10 @@
           <p:cNvPr id="6" name="Rectangle 9">
             <a:extLst>
               <a:ext uri="{FF2B5EF4-FFF2-40B4-BE49-F238E27FC236}">
-                <a16:creationId xmlns:a16="http://schemas.microsoft.com/office/drawing/2014/main" xmlns="" id="{59A309A7-1751-4ABE-A3C1-EEC40366AD89}"/>
+                <a16:creationId xmlns:a16="http://schemas.microsoft.com/office/drawing/2014/main" id="{59A309A7-1751-4ABE-A3C1-EEC40366AD89}"/>
               </a:ext>
               <a:ext uri="{C183D7F6-B498-43B3-948B-1728B52AA6E4}">
-                <adec:decorative xmlns:adec="http://schemas.microsoft.com/office/drawing/2017/decorative" xmlns="" val="1"/>
+                <adec:decorative xmlns="" xmlns:adec="http://schemas.microsoft.com/office/drawing/2017/decorative" val="1"/>
               </a:ext>
             </a:extLst>
           </p:cNvPr>
@@ -36166,10 +36167,10 @@
           <p:cNvPr id="8" name="Oval 11">
             <a:extLst>
               <a:ext uri="{FF2B5EF4-FFF2-40B4-BE49-F238E27FC236}">
-                <a16:creationId xmlns:a16="http://schemas.microsoft.com/office/drawing/2014/main" xmlns="" id="{967D8EB6-EAE1-4F9C-B398-83321E287204}"/>
+                <a16:creationId xmlns:a16="http://schemas.microsoft.com/office/drawing/2014/main" id="{967D8EB6-EAE1-4F9C-B398-83321E287204}"/>
               </a:ext>
               <a:ext uri="{C183D7F6-B498-43B3-948B-1728B52AA6E4}">
-                <adec:decorative xmlns:adec="http://schemas.microsoft.com/office/drawing/2017/decorative" xmlns="" val="1"/>
+                <adec:decorative xmlns="" xmlns:adec="http://schemas.microsoft.com/office/drawing/2017/decorative" val="1"/>
               </a:ext>
             </a:extLst>
           </p:cNvPr>
@@ -36231,7 +36232,7 @@
           <p:cNvPr id="7" name="Graphic 6" descr="Database">
             <a:extLst>
               <a:ext uri="{FF2B5EF4-FFF2-40B4-BE49-F238E27FC236}">
-                <a16:creationId xmlns:a16="http://schemas.microsoft.com/office/drawing/2014/main" xmlns="" id="{6034C1AA-0285-4C4E-9697-F8420C1BE9BA}"/>
+                <a16:creationId xmlns:a16="http://schemas.microsoft.com/office/drawing/2014/main" id="{6034C1AA-0285-4C4E-9697-F8420C1BE9BA}"/>
               </a:ext>
             </a:extLst>
           </p:cNvPr>
@@ -36247,7 +36248,7 @@
                 <a14:useLocalDpi xmlns:a14="http://schemas.microsoft.com/office/drawing/2010/main" val="0"/>
               </a:ext>
               <a:ext uri="{96DAC541-7B7A-43D3-8B79-37D633B846F1}">
-                <asvg:svgBlip xmlns:asvg="http://schemas.microsoft.com/office/drawing/2016/SVG/main" xmlns="" r:embed="rId4"/>
+                <asvg:svgBlip xmlns="" xmlns:asvg="http://schemas.microsoft.com/office/drawing/2016/SVG/main" r:embed="rId4"/>
               </a:ext>
             </a:extLst>
           </a:blip>
@@ -36308,10 +36309,10 @@
           <p:cNvPr id="75" name="Rectangle 74">
             <a:extLst>
               <a:ext uri="{FF2B5EF4-FFF2-40B4-BE49-F238E27FC236}">
-                <a16:creationId xmlns:a16="http://schemas.microsoft.com/office/drawing/2014/main" xmlns="" id="{57845966-6EFC-468A-9CC7-BAB4B95854E7}"/>
+                <a16:creationId xmlns:a16="http://schemas.microsoft.com/office/drawing/2014/main" id="{57845966-6EFC-468A-9CC7-BAB4B95854E7}"/>
               </a:ext>
               <a:ext uri="{C183D7F6-B498-43B3-948B-1728B52AA6E4}">
-                <adec:decorative xmlns:adec="http://schemas.microsoft.com/office/drawing/2017/decorative" xmlns="" val="1"/>
+                <adec:decorative xmlns="" xmlns:adec="http://schemas.microsoft.com/office/drawing/2017/decorative" val="1"/>
               </a:ext>
             </a:extLst>
           </p:cNvPr>
@@ -36371,10 +36372,10 @@
           <p:cNvPr id="77" name="Picture 76">
             <a:extLst>
               <a:ext uri="{FF2B5EF4-FFF2-40B4-BE49-F238E27FC236}">
-                <a16:creationId xmlns:a16="http://schemas.microsoft.com/office/drawing/2014/main" xmlns="" id="{75554383-98AF-4A47-BB65-705FAAA4BE6A}"/>
+                <a16:creationId xmlns:a16="http://schemas.microsoft.com/office/drawing/2014/main" id="{75554383-98AF-4A47-BB65-705FAAA4BE6A}"/>
               </a:ext>
               <a:ext uri="{C183D7F6-B498-43B3-948B-1728B52AA6E4}">
-                <adec:decorative xmlns:adec="http://schemas.microsoft.com/office/drawing/2017/decorative" xmlns="" val="1"/>
+                <adec:decorative xmlns="" xmlns:adec="http://schemas.microsoft.com/office/drawing/2017/decorative" val="1"/>
               </a:ext>
             </a:extLst>
           </p:cNvPr>
@@ -36416,10 +36417,10 @@
           <p:cNvPr id="79" name="Freeform: Shape 78">
             <a:extLst>
               <a:ext uri="{FF2B5EF4-FFF2-40B4-BE49-F238E27FC236}">
-                <a16:creationId xmlns:a16="http://schemas.microsoft.com/office/drawing/2014/main" xmlns="" id="{ADAD1991-FFD1-4E94-ABAB-7560D33008E4}"/>
+                <a16:creationId xmlns:a16="http://schemas.microsoft.com/office/drawing/2014/main" id="{ADAD1991-FFD1-4E94-ABAB-7560D33008E4}"/>
               </a:ext>
               <a:ext uri="{C183D7F6-B498-43B3-948B-1728B52AA6E4}">
-                <adec:decorative xmlns:adec="http://schemas.microsoft.com/office/drawing/2017/decorative" xmlns="" val="1"/>
+                <adec:decorative xmlns="" xmlns:adec="http://schemas.microsoft.com/office/drawing/2017/decorative" val="1"/>
               </a:ext>
             </a:extLst>
           </p:cNvPr>
@@ -36606,7 +36607,7 @@
           <p:cNvPr id="1030" name="Picture 6" descr="ÙØªÙØ¬Ø© Ø¨Ø­Ø« Ø§ÙØµÙØ± Ø¹Ù âªserver pngâ¬â">
             <a:extLst>
               <a:ext uri="{FF2B5EF4-FFF2-40B4-BE49-F238E27FC236}">
-                <a16:creationId xmlns:a16="http://schemas.microsoft.com/office/drawing/2014/main" xmlns="" id="{9D942DAA-6E3D-4F2B-ABB3-D04C9E8B7756}"/>
+                <a16:creationId xmlns:a16="http://schemas.microsoft.com/office/drawing/2014/main" id="{9D942DAA-6E3D-4F2B-ABB3-D04C9E8B7756}"/>
               </a:ext>
             </a:extLst>
           </p:cNvPr>
@@ -36652,7 +36653,7 @@
           <p:cNvPr id="2" name="TextBox 1">
             <a:extLst>
               <a:ext uri="{FF2B5EF4-FFF2-40B4-BE49-F238E27FC236}">
-                <a16:creationId xmlns:a16="http://schemas.microsoft.com/office/drawing/2014/main" xmlns="" id="{E6FC455A-E3F3-413D-BB0E-30C9A7892DC4}"/>
+                <a16:creationId xmlns:a16="http://schemas.microsoft.com/office/drawing/2014/main" id="{E6FC455A-E3F3-413D-BB0E-30C9A7892DC4}"/>
               </a:ext>
             </a:extLst>
           </p:cNvPr>
@@ -36779,10 +36780,10 @@
           <p:cNvPr id="37" name="Rectangle 26">
             <a:extLst>
               <a:ext uri="{FF2B5EF4-FFF2-40B4-BE49-F238E27FC236}">
-                <a16:creationId xmlns:a16="http://schemas.microsoft.com/office/drawing/2014/main" xmlns="" id="{90BB9581-2E1D-405D-AC21-AD669748D56E}"/>
+                <a16:creationId xmlns:a16="http://schemas.microsoft.com/office/drawing/2014/main" id="{90BB9581-2E1D-405D-AC21-AD669748D56E}"/>
               </a:ext>
               <a:ext uri="{C183D7F6-B498-43B3-948B-1728B52AA6E4}">
-                <adec:decorative xmlns:adec="http://schemas.microsoft.com/office/drawing/2017/decorative" xmlns="" val="1"/>
+                <adec:decorative xmlns="" xmlns:adec="http://schemas.microsoft.com/office/drawing/2017/decorative" val="1"/>
               </a:ext>
             </a:extLst>
           </p:cNvPr>
@@ -36850,21 +36851,21 @@
                 <a:gridCol w="3120586">
                   <a:extLst>
                     <a:ext uri="{9D8B030D-6E8A-4147-A177-3AD203B41FA5}">
-                      <a16:colId xmlns:a16="http://schemas.microsoft.com/office/drawing/2014/main" xmlns="" val="2162628378"/>
+                      <a16:colId xmlns:a16="http://schemas.microsoft.com/office/drawing/2014/main" val="2162628378"/>
                     </a:ext>
                   </a:extLst>
                 </a:gridCol>
                 <a:gridCol w="1686732">
                   <a:extLst>
                     <a:ext uri="{9D8B030D-6E8A-4147-A177-3AD203B41FA5}">
-                      <a16:colId xmlns:a16="http://schemas.microsoft.com/office/drawing/2014/main" xmlns="" val="595561551"/>
+                      <a16:colId xmlns:a16="http://schemas.microsoft.com/office/drawing/2014/main" val="595561551"/>
                     </a:ext>
                   </a:extLst>
                 </a:gridCol>
                 <a:gridCol w="2083870">
                   <a:extLst>
                     <a:ext uri="{9D8B030D-6E8A-4147-A177-3AD203B41FA5}">
-                      <a16:colId xmlns:a16="http://schemas.microsoft.com/office/drawing/2014/main" xmlns="" val="3255526274"/>
+                      <a16:colId xmlns:a16="http://schemas.microsoft.com/office/drawing/2014/main" val="3255526274"/>
                     </a:ext>
                   </a:extLst>
                 </a:gridCol>
@@ -36942,7 +36943,7 @@
                 </a:tc>
                 <a:extLst>
                   <a:ext uri="{0D108BD9-81ED-4DB2-BD59-A6C34878D82A}">
-                    <a16:rowId xmlns:a16="http://schemas.microsoft.com/office/drawing/2014/main" xmlns="" val="1784872527"/>
+                    <a16:rowId xmlns:a16="http://schemas.microsoft.com/office/drawing/2014/main" val="1784872527"/>
                   </a:ext>
                 </a:extLst>
               </a:tr>
@@ -37012,7 +37013,7 @@
                 </a:tc>
                 <a:extLst>
                   <a:ext uri="{0D108BD9-81ED-4DB2-BD59-A6C34878D82A}">
-                    <a16:rowId xmlns:a16="http://schemas.microsoft.com/office/drawing/2014/main" xmlns="" val="2200977308"/>
+                    <a16:rowId xmlns:a16="http://schemas.microsoft.com/office/drawing/2014/main" val="2200977308"/>
                   </a:ext>
                 </a:extLst>
               </a:tr>
@@ -37090,7 +37091,7 @@
                 </a:tc>
                 <a:extLst>
                   <a:ext uri="{0D108BD9-81ED-4DB2-BD59-A6C34878D82A}">
-                    <a16:rowId xmlns:a16="http://schemas.microsoft.com/office/drawing/2014/main" xmlns="" val="503525524"/>
+                    <a16:rowId xmlns:a16="http://schemas.microsoft.com/office/drawing/2014/main" val="503525524"/>
                   </a:ext>
                 </a:extLst>
               </a:tr>
@@ -37164,7 +37165,7 @@
                 </a:tc>
                 <a:extLst>
                   <a:ext uri="{0D108BD9-81ED-4DB2-BD59-A6C34878D82A}">
-                    <a16:rowId xmlns:a16="http://schemas.microsoft.com/office/drawing/2014/main" xmlns="" val="1071871437"/>
+                    <a16:rowId xmlns:a16="http://schemas.microsoft.com/office/drawing/2014/main" val="1071871437"/>
                   </a:ext>
                 </a:extLst>
               </a:tr>
@@ -37234,7 +37235,7 @@
                 </a:tc>
                 <a:extLst>
                   <a:ext uri="{0D108BD9-81ED-4DB2-BD59-A6C34878D82A}">
-                    <a16:rowId xmlns:a16="http://schemas.microsoft.com/office/drawing/2014/main" xmlns="" val="2717687947"/>
+                    <a16:rowId xmlns:a16="http://schemas.microsoft.com/office/drawing/2014/main" val="2717687947"/>
                   </a:ext>
                 </a:extLst>
               </a:tr>
@@ -37304,7 +37305,7 @@
                 </a:tc>
                 <a:extLst>
                   <a:ext uri="{0D108BD9-81ED-4DB2-BD59-A6C34878D82A}">
-                    <a16:rowId xmlns:a16="http://schemas.microsoft.com/office/drawing/2014/main" xmlns="" val="1601319439"/>
+                    <a16:rowId xmlns:a16="http://schemas.microsoft.com/office/drawing/2014/main" val="1601319439"/>
                   </a:ext>
                 </a:extLst>
               </a:tr>
@@ -37382,7 +37383,7 @@
                 </a:tc>
                 <a:extLst>
                   <a:ext uri="{0D108BD9-81ED-4DB2-BD59-A6C34878D82A}">
-                    <a16:rowId xmlns:a16="http://schemas.microsoft.com/office/drawing/2014/main" xmlns="" val="526296104"/>
+                    <a16:rowId xmlns:a16="http://schemas.microsoft.com/office/drawing/2014/main" val="526296104"/>
                   </a:ext>
                 </a:extLst>
               </a:tr>
@@ -37456,7 +37457,7 @@
                 </a:tc>
                 <a:extLst>
                   <a:ext uri="{0D108BD9-81ED-4DB2-BD59-A6C34878D82A}">
-                    <a16:rowId xmlns:a16="http://schemas.microsoft.com/office/drawing/2014/main" xmlns="" val="1770766845"/>
+                    <a16:rowId xmlns:a16="http://schemas.microsoft.com/office/drawing/2014/main" val="1770766845"/>
                   </a:ext>
                 </a:extLst>
               </a:tr>
@@ -37526,7 +37527,7 @@
                 </a:tc>
                 <a:extLst>
                   <a:ext uri="{0D108BD9-81ED-4DB2-BD59-A6C34878D82A}">
-                    <a16:rowId xmlns:a16="http://schemas.microsoft.com/office/drawing/2014/main" xmlns="" val="236219316"/>
+                    <a16:rowId xmlns:a16="http://schemas.microsoft.com/office/drawing/2014/main" val="236219316"/>
                   </a:ext>
                 </a:extLst>
               </a:tr>
@@ -37596,7 +37597,7 @@
                 </a:tc>
                 <a:extLst>
                   <a:ext uri="{0D108BD9-81ED-4DB2-BD59-A6C34878D82A}">
-                    <a16:rowId xmlns:a16="http://schemas.microsoft.com/office/drawing/2014/main" xmlns="" val="3523946346"/>
+                    <a16:rowId xmlns:a16="http://schemas.microsoft.com/office/drawing/2014/main" val="3523946346"/>
                   </a:ext>
                 </a:extLst>
               </a:tr>
@@ -37666,7 +37667,7 @@
                 </a:tc>
                 <a:extLst>
                   <a:ext uri="{0D108BD9-81ED-4DB2-BD59-A6C34878D82A}">
-                    <a16:rowId xmlns:a16="http://schemas.microsoft.com/office/drawing/2014/main" xmlns="" val="2352222308"/>
+                    <a16:rowId xmlns:a16="http://schemas.microsoft.com/office/drawing/2014/main" val="2352222308"/>
                   </a:ext>
                 </a:extLst>
               </a:tr>
@@ -37755,7 +37756,7 @@
                 </a:tc>
                 <a:extLst>
                   <a:ext uri="{0D108BD9-81ED-4DB2-BD59-A6C34878D82A}">
-                    <a16:rowId xmlns:a16="http://schemas.microsoft.com/office/drawing/2014/main" xmlns="" val="3270946333"/>
+                    <a16:rowId xmlns:a16="http://schemas.microsoft.com/office/drawing/2014/main" val="3270946333"/>
                   </a:ext>
                 </a:extLst>
               </a:tr>
@@ -37806,10 +37807,10 @@
           <p:cNvPr id="9" name="Rectangle 8">
             <a:extLst>
               <a:ext uri="{FF2B5EF4-FFF2-40B4-BE49-F238E27FC236}">
-                <a16:creationId xmlns:a16="http://schemas.microsoft.com/office/drawing/2014/main" xmlns="" id="{4351DFE5-F63D-4BE0-BDA9-E3EB88F01AA5}"/>
+                <a16:creationId xmlns:a16="http://schemas.microsoft.com/office/drawing/2014/main" id="{4351DFE5-F63D-4BE0-BDA9-E3EB88F01AA5}"/>
               </a:ext>
               <a:ext uri="{C183D7F6-B498-43B3-948B-1728B52AA6E4}">
-                <adec:decorative xmlns:adec="http://schemas.microsoft.com/office/drawing/2017/decorative" xmlns="" val="1"/>
+                <adec:decorative xmlns="" xmlns:adec="http://schemas.microsoft.com/office/drawing/2017/decorative" val="1"/>
               </a:ext>
             </a:extLst>
           </p:cNvPr>
@@ -37887,10 +37888,10 @@
           <p:cNvPr id="11" name="Picture 10">
             <a:extLst>
               <a:ext uri="{FF2B5EF4-FFF2-40B4-BE49-F238E27FC236}">
-                <a16:creationId xmlns:a16="http://schemas.microsoft.com/office/drawing/2014/main" xmlns="" id="{02DD2BC0-6F29-4B4F-8D61-2DCF6D2E8E73}"/>
+                <a16:creationId xmlns:a16="http://schemas.microsoft.com/office/drawing/2014/main" id="{02DD2BC0-6F29-4B4F-8D61-2DCF6D2E8E73}"/>
               </a:ext>
               <a:ext uri="{C183D7F6-B498-43B3-948B-1728B52AA6E4}">
-                <adec:decorative xmlns:adec="http://schemas.microsoft.com/office/drawing/2017/decorative" xmlns="" val="1"/>
+                <adec:decorative xmlns="" xmlns:adec="http://schemas.microsoft.com/office/drawing/2017/decorative" val="1"/>
               </a:ext>
             </a:extLst>
           </p:cNvPr>
@@ -37990,14 +37991,14 @@
                 <a:gridCol w="6715284">
                   <a:extLst>
                     <a:ext uri="{9D8B030D-6E8A-4147-A177-3AD203B41FA5}">
-                      <a16:colId xmlns:a16="http://schemas.microsoft.com/office/drawing/2014/main" xmlns="" val="1327917867"/>
+                      <a16:colId xmlns:a16="http://schemas.microsoft.com/office/drawing/2014/main" val="1327917867"/>
                     </a:ext>
                   </a:extLst>
                 </a:gridCol>
                 <a:gridCol w="3404077">
                   <a:extLst>
                     <a:ext uri="{9D8B030D-6E8A-4147-A177-3AD203B41FA5}">
-                      <a16:colId xmlns:a16="http://schemas.microsoft.com/office/drawing/2014/main" xmlns="" val="2613390166"/>
+                      <a16:colId xmlns:a16="http://schemas.microsoft.com/office/drawing/2014/main" val="2613390166"/>
                     </a:ext>
                   </a:extLst>
                 </a:gridCol>
@@ -38033,7 +38034,7 @@
                 </a:tc>
                 <a:extLst>
                   <a:ext uri="{0D108BD9-81ED-4DB2-BD59-A6C34878D82A}">
-                    <a16:rowId xmlns:a16="http://schemas.microsoft.com/office/drawing/2014/main" xmlns="" val="1069383605"/>
+                    <a16:rowId xmlns:a16="http://schemas.microsoft.com/office/drawing/2014/main" val="1069383605"/>
                   </a:ext>
                 </a:extLst>
               </a:tr>
@@ -38066,7 +38067,7 @@
                 </a:tc>
                 <a:extLst>
                   <a:ext uri="{0D108BD9-81ED-4DB2-BD59-A6C34878D82A}">
-                    <a16:rowId xmlns:a16="http://schemas.microsoft.com/office/drawing/2014/main" xmlns="" val="3222226414"/>
+                    <a16:rowId xmlns:a16="http://schemas.microsoft.com/office/drawing/2014/main" val="3222226414"/>
                   </a:ext>
                 </a:extLst>
               </a:tr>
@@ -38099,7 +38100,7 @@
                 </a:tc>
                 <a:extLst>
                   <a:ext uri="{0D108BD9-81ED-4DB2-BD59-A6C34878D82A}">
-                    <a16:rowId xmlns:a16="http://schemas.microsoft.com/office/drawing/2014/main" xmlns="" val="974692844"/>
+                    <a16:rowId xmlns:a16="http://schemas.microsoft.com/office/drawing/2014/main" val="974692844"/>
                   </a:ext>
                 </a:extLst>
               </a:tr>
@@ -38132,7 +38133,7 @@
                 </a:tc>
                 <a:extLst>
                   <a:ext uri="{0D108BD9-81ED-4DB2-BD59-A6C34878D82A}">
-                    <a16:rowId xmlns:a16="http://schemas.microsoft.com/office/drawing/2014/main" xmlns="" val="2378681332"/>
+                    <a16:rowId xmlns:a16="http://schemas.microsoft.com/office/drawing/2014/main" val="2378681332"/>
                   </a:ext>
                 </a:extLst>
               </a:tr>
@@ -38165,7 +38166,7 @@
                 </a:tc>
                 <a:extLst>
                   <a:ext uri="{0D108BD9-81ED-4DB2-BD59-A6C34878D82A}">
-                    <a16:rowId xmlns:a16="http://schemas.microsoft.com/office/drawing/2014/main" xmlns="" val="941494577"/>
+                    <a16:rowId xmlns:a16="http://schemas.microsoft.com/office/drawing/2014/main" val="941494577"/>
                   </a:ext>
                 </a:extLst>
               </a:tr>
@@ -38216,10 +38217,10 @@
           <p:cNvPr id="19" name="Rectangle 18">
             <a:extLst>
               <a:ext uri="{FF2B5EF4-FFF2-40B4-BE49-F238E27FC236}">
-                <a16:creationId xmlns:a16="http://schemas.microsoft.com/office/drawing/2014/main" xmlns="" id="{559AE206-7EBA-4D33-8BC9-9D8158553F0E}"/>
+                <a16:creationId xmlns:a16="http://schemas.microsoft.com/office/drawing/2014/main" id="{559AE206-7EBA-4D33-8BC9-9D8158553F0E}"/>
               </a:ext>
               <a:ext uri="{C183D7F6-B498-43B3-948B-1728B52AA6E4}">
-                <adec:decorative xmlns:adec="http://schemas.microsoft.com/office/drawing/2017/decorative" xmlns="" val="1"/>
+                <adec:decorative xmlns="" xmlns:adec="http://schemas.microsoft.com/office/drawing/2017/decorative" val="1"/>
               </a:ext>
             </a:extLst>
           </p:cNvPr>
@@ -38403,10 +38404,10 @@
           <p:cNvPr id="21" name="Oval 20">
             <a:extLst>
               <a:ext uri="{FF2B5EF4-FFF2-40B4-BE49-F238E27FC236}">
-                <a16:creationId xmlns:a16="http://schemas.microsoft.com/office/drawing/2014/main" xmlns="" id="{6437D937-A7F1-4011-92B4-328E5BE1B166}"/>
+                <a16:creationId xmlns:a16="http://schemas.microsoft.com/office/drawing/2014/main" id="{6437D937-A7F1-4011-92B4-328E5BE1B166}"/>
               </a:ext>
               <a:ext uri="{C183D7F6-B498-43B3-948B-1728B52AA6E4}">
-                <adec:decorative xmlns:adec="http://schemas.microsoft.com/office/drawing/2017/decorative" xmlns="" val="1"/>
+                <adec:decorative xmlns="" xmlns:adec="http://schemas.microsoft.com/office/drawing/2017/decorative" val="1"/>
               </a:ext>
             </a:extLst>
           </p:cNvPr>
@@ -38495,10 +38496,10 @@
           <p:cNvPr id="23" name="Oval 22">
             <a:extLst>
               <a:ext uri="{FF2B5EF4-FFF2-40B4-BE49-F238E27FC236}">
-                <a16:creationId xmlns:a16="http://schemas.microsoft.com/office/drawing/2014/main" xmlns="" id="{B672F332-AF08-46C6-94F0-77684310D7B7}"/>
+                <a16:creationId xmlns:a16="http://schemas.microsoft.com/office/drawing/2014/main" id="{B672F332-AF08-46C6-94F0-77684310D7B7}"/>
               </a:ext>
               <a:ext uri="{C183D7F6-B498-43B3-948B-1728B52AA6E4}">
-                <adec:decorative xmlns:adec="http://schemas.microsoft.com/office/drawing/2017/decorative" xmlns="" val="1"/>
+                <adec:decorative xmlns="" xmlns:adec="http://schemas.microsoft.com/office/drawing/2017/decorative" val="1"/>
               </a:ext>
             </a:extLst>
           </p:cNvPr>
@@ -38587,10 +38588,10 @@
           <p:cNvPr id="25" name="Oval 24">
             <a:extLst>
               <a:ext uri="{FF2B5EF4-FFF2-40B4-BE49-F238E27FC236}">
-                <a16:creationId xmlns:a16="http://schemas.microsoft.com/office/drawing/2014/main" xmlns="" id="{34244EF8-D73A-40E1-BE73-D46E6B4B04ED}"/>
+                <a16:creationId xmlns:a16="http://schemas.microsoft.com/office/drawing/2014/main" id="{34244EF8-D73A-40E1-BE73-D46E6B4B04ED}"/>
               </a:ext>
               <a:ext uri="{C183D7F6-B498-43B3-948B-1728B52AA6E4}">
-                <adec:decorative xmlns:adec="http://schemas.microsoft.com/office/drawing/2017/decorative" xmlns="" val="1"/>
+                <adec:decorative xmlns="" xmlns:adec="http://schemas.microsoft.com/office/drawing/2017/decorative" val="1"/>
               </a:ext>
             </a:extLst>
           </p:cNvPr>
@@ -38679,10 +38680,10 @@
           <p:cNvPr id="27" name="Freeform: Shape 26">
             <a:extLst>
               <a:ext uri="{FF2B5EF4-FFF2-40B4-BE49-F238E27FC236}">
-                <a16:creationId xmlns:a16="http://schemas.microsoft.com/office/drawing/2014/main" xmlns="" id="{AB84D7E8-4ECB-42D7-ADBF-01689B0F24AE}"/>
+                <a16:creationId xmlns:a16="http://schemas.microsoft.com/office/drawing/2014/main" id="{AB84D7E8-4ECB-42D7-ADBF-01689B0F24AE}"/>
               </a:ext>
               <a:ext uri="{C183D7F6-B498-43B3-948B-1728B52AA6E4}">
-                <adec:decorative xmlns:adec="http://schemas.microsoft.com/office/drawing/2017/decorative" xmlns="" val="1"/>
+                <adec:decorative xmlns="" xmlns:adec="http://schemas.microsoft.com/office/drawing/2017/decorative" val="1"/>
               </a:ext>
             </a:extLst>
           </p:cNvPr>
@@ -38834,10 +38835,10 @@
           <p:cNvPr id="29" name="Straight Connector 28">
             <a:extLst>
               <a:ext uri="{FF2B5EF4-FFF2-40B4-BE49-F238E27FC236}">
-                <a16:creationId xmlns:a16="http://schemas.microsoft.com/office/drawing/2014/main" xmlns="" id="{9E8E38ED-369A-44C2-B635-0BED0E48A6E8}"/>
+                <a16:creationId xmlns:a16="http://schemas.microsoft.com/office/drawing/2014/main" id="{9E8E38ED-369A-44C2-B635-0BED0E48A6E8}"/>
               </a:ext>
               <a:ext uri="{C183D7F6-B498-43B3-948B-1728B52AA6E4}">
-                <adec:decorative xmlns:adec="http://schemas.microsoft.com/office/drawing/2017/decorative" xmlns="" val="1"/>
+                <adec:decorative xmlns="" xmlns:adec="http://schemas.microsoft.com/office/drawing/2017/decorative" val="1"/>
               </a:ext>
             </a:extLst>
           </p:cNvPr>
@@ -38924,10 +38925,10 @@
           <p:cNvPr id="9" name="Rectangle 8">
             <a:extLst>
               <a:ext uri="{FF2B5EF4-FFF2-40B4-BE49-F238E27FC236}">
-                <a16:creationId xmlns:a16="http://schemas.microsoft.com/office/drawing/2014/main" xmlns="" id="{4351DFE5-F63D-4BE0-BDA9-E3EB88F01AA5}"/>
+                <a16:creationId xmlns:a16="http://schemas.microsoft.com/office/drawing/2014/main" id="{4351DFE5-F63D-4BE0-BDA9-E3EB88F01AA5}"/>
               </a:ext>
               <a:ext uri="{C183D7F6-B498-43B3-948B-1728B52AA6E4}">
-                <adec:decorative xmlns:adec="http://schemas.microsoft.com/office/drawing/2017/decorative" xmlns="" val="1"/>
+                <adec:decorative xmlns="" xmlns:adec="http://schemas.microsoft.com/office/drawing/2017/decorative" val="1"/>
               </a:ext>
             </a:extLst>
           </p:cNvPr>
@@ -39005,10 +39006,10 @@
           <p:cNvPr id="11" name="Picture 10">
             <a:extLst>
               <a:ext uri="{FF2B5EF4-FFF2-40B4-BE49-F238E27FC236}">
-                <a16:creationId xmlns:a16="http://schemas.microsoft.com/office/drawing/2014/main" xmlns="" id="{02DD2BC0-6F29-4B4F-8D61-2DCF6D2E8E73}"/>
+                <a16:creationId xmlns:a16="http://schemas.microsoft.com/office/drawing/2014/main" id="{02DD2BC0-6F29-4B4F-8D61-2DCF6D2E8E73}"/>
               </a:ext>
               <a:ext uri="{C183D7F6-B498-43B3-948B-1728B52AA6E4}">
-                <adec:decorative xmlns:adec="http://schemas.microsoft.com/office/drawing/2017/decorative" xmlns="" val="1"/>
+                <adec:decorative xmlns="" xmlns:adec="http://schemas.microsoft.com/office/drawing/2017/decorative" val="1"/>
               </a:ext>
             </a:extLst>
           </p:cNvPr>
@@ -39108,21 +39109,21 @@
                 <a:gridCol w="3897261">
                   <a:extLst>
                     <a:ext uri="{9D8B030D-6E8A-4147-A177-3AD203B41FA5}">
-                      <a16:colId xmlns:a16="http://schemas.microsoft.com/office/drawing/2014/main" xmlns="" val="2162628378"/>
+                      <a16:colId xmlns:a16="http://schemas.microsoft.com/office/drawing/2014/main" val="2162628378"/>
                     </a:ext>
                   </a:extLst>
                 </a:gridCol>
                 <a:gridCol w="1943136">
                   <a:extLst>
                     <a:ext uri="{9D8B030D-6E8A-4147-A177-3AD203B41FA5}">
-                      <a16:colId xmlns:a16="http://schemas.microsoft.com/office/drawing/2014/main" xmlns="" val="595561551"/>
+                      <a16:colId xmlns:a16="http://schemas.microsoft.com/office/drawing/2014/main" val="595561551"/>
                     </a:ext>
                   </a:extLst>
                 </a:gridCol>
                 <a:gridCol w="2785620">
                   <a:extLst>
                     <a:ext uri="{9D8B030D-6E8A-4147-A177-3AD203B41FA5}">
-                      <a16:colId xmlns:a16="http://schemas.microsoft.com/office/drawing/2014/main" xmlns="" val="3255526274"/>
+                      <a16:colId xmlns:a16="http://schemas.microsoft.com/office/drawing/2014/main" val="3255526274"/>
                     </a:ext>
                   </a:extLst>
                 </a:gridCol>
@@ -39172,7 +39173,7 @@
                 </a:tc>
                 <a:extLst>
                   <a:ext uri="{0D108BD9-81ED-4DB2-BD59-A6C34878D82A}">
-                    <a16:rowId xmlns:a16="http://schemas.microsoft.com/office/drawing/2014/main" xmlns="" val="1784872527"/>
+                    <a16:rowId xmlns:a16="http://schemas.microsoft.com/office/drawing/2014/main" val="1784872527"/>
                   </a:ext>
                 </a:extLst>
               </a:tr>
@@ -39218,7 +39219,7 @@
                 </a:tc>
                 <a:extLst>
                   <a:ext uri="{0D108BD9-81ED-4DB2-BD59-A6C34878D82A}">
-                    <a16:rowId xmlns:a16="http://schemas.microsoft.com/office/drawing/2014/main" xmlns="" val="2200977308"/>
+                    <a16:rowId xmlns:a16="http://schemas.microsoft.com/office/drawing/2014/main" val="2200977308"/>
                   </a:ext>
                 </a:extLst>
               </a:tr>
@@ -39264,7 +39265,7 @@
                 </a:tc>
                 <a:extLst>
                   <a:ext uri="{0D108BD9-81ED-4DB2-BD59-A6C34878D82A}">
-                    <a16:rowId xmlns:a16="http://schemas.microsoft.com/office/drawing/2014/main" xmlns="" val="503525524"/>
+                    <a16:rowId xmlns:a16="http://schemas.microsoft.com/office/drawing/2014/main" val="503525524"/>
                   </a:ext>
                 </a:extLst>
               </a:tr>
@@ -39310,7 +39311,7 @@
                 </a:tc>
                 <a:extLst>
                   <a:ext uri="{0D108BD9-81ED-4DB2-BD59-A6C34878D82A}">
-                    <a16:rowId xmlns:a16="http://schemas.microsoft.com/office/drawing/2014/main" xmlns="" val="1071871437"/>
+                    <a16:rowId xmlns:a16="http://schemas.microsoft.com/office/drawing/2014/main" val="1071871437"/>
                   </a:ext>
                 </a:extLst>
               </a:tr>
@@ -39356,7 +39357,7 @@
                 </a:tc>
                 <a:extLst>
                   <a:ext uri="{0D108BD9-81ED-4DB2-BD59-A6C34878D82A}">
-                    <a16:rowId xmlns:a16="http://schemas.microsoft.com/office/drawing/2014/main" xmlns="" val="2717687947"/>
+                    <a16:rowId xmlns:a16="http://schemas.microsoft.com/office/drawing/2014/main" val="2717687947"/>
                   </a:ext>
                 </a:extLst>
               </a:tr>
@@ -39402,7 +39403,7 @@
                 </a:tc>
                 <a:extLst>
                   <a:ext uri="{0D108BD9-81ED-4DB2-BD59-A6C34878D82A}">
-                    <a16:rowId xmlns:a16="http://schemas.microsoft.com/office/drawing/2014/main" xmlns="" val="4085466169"/>
+                    <a16:rowId xmlns:a16="http://schemas.microsoft.com/office/drawing/2014/main" val="4085466169"/>
                   </a:ext>
                 </a:extLst>
               </a:tr>
@@ -39448,7 +39449,7 @@
                 </a:tc>
                 <a:extLst>
                   <a:ext uri="{0D108BD9-81ED-4DB2-BD59-A6C34878D82A}">
-                    <a16:rowId xmlns:a16="http://schemas.microsoft.com/office/drawing/2014/main" xmlns="" val="2038346965"/>
+                    <a16:rowId xmlns:a16="http://schemas.microsoft.com/office/drawing/2014/main" val="2038346965"/>
                   </a:ext>
                 </a:extLst>
               </a:tr>
@@ -39461,7 +39462,7 @@
           <p:cNvPr id="7" name="TextBox 6">
             <a:extLst>
               <a:ext uri="{FF2B5EF4-FFF2-40B4-BE49-F238E27FC236}">
-                <a16:creationId xmlns:a16="http://schemas.microsoft.com/office/drawing/2014/main" xmlns="" id="{5E38A00D-A66C-4548-9DBF-7FD19213DC47}"/>
+                <a16:creationId xmlns:a16="http://schemas.microsoft.com/office/drawing/2014/main" id="{5E38A00D-A66C-4548-9DBF-7FD19213DC47}"/>
               </a:ext>
             </a:extLst>
           </p:cNvPr>
@@ -39504,6 +39505,84 @@
 </p:sld>
 </file>
 
+<file path=ppt/slides/slide21.xml><?xml version="1.0" encoding="utf-8"?>
+<p:sld xmlns:a="http://schemas.openxmlformats.org/drawingml/2006/main" xmlns:r="http://schemas.openxmlformats.org/officeDocument/2006/relationships" xmlns:p="http://schemas.openxmlformats.org/presentationml/2006/main">
+  <p:cSld>
+    <p:spTree>
+      <p:nvGrpSpPr>
+        <p:cNvPr id="1" name=""/>
+        <p:cNvGrpSpPr/>
+        <p:nvPr/>
+      </p:nvGrpSpPr>
+      <p:grpSpPr>
+        <a:xfrm>
+          <a:off x="0" y="0"/>
+          <a:ext cx="0" cy="0"/>
+          <a:chOff x="0" y="0"/>
+          <a:chExt cx="0" cy="0"/>
+        </a:xfrm>
+      </p:grpSpPr>
+      <p:sp>
+        <p:nvSpPr>
+          <p:cNvPr id="2" name="Title 1"/>
+          <p:cNvSpPr>
+            <a:spLocks noGrp="1"/>
+          </p:cNvSpPr>
+          <p:nvPr>
+            <p:ph type="ctrTitle"/>
+          </p:nvPr>
+        </p:nvSpPr>
+        <p:spPr/>
+        <p:txBody>
+          <a:bodyPr/>
+          <a:lstStyle/>
+          <a:p>
+            <a:r>
+              <a:rPr lang="en-US" dirty="0" smtClean="0"/>
+              <a:t>DEMO</a:t>
+            </a:r>
+            <a:endParaRPr lang="en-US" dirty="0"/>
+          </a:p>
+        </p:txBody>
+      </p:sp>
+      <p:sp>
+        <p:nvSpPr>
+          <p:cNvPr id="3" name="Subtitle 2"/>
+          <p:cNvSpPr>
+            <a:spLocks noGrp="1"/>
+          </p:cNvSpPr>
+          <p:nvPr>
+            <p:ph type="subTitle" idx="1"/>
+          </p:nvPr>
+        </p:nvSpPr>
+        <p:spPr/>
+        <p:txBody>
+          <a:bodyPr/>
+          <a:lstStyle/>
+          <a:p>
+            <a:r>
+              <a:rPr lang="en-US" dirty="0">
+                <a:hlinkClick r:id="rId2"/>
+              </a:rPr>
+              <a:t>https://drive.google.com/file/d/1K2uGz4V898MeNJ0LLQMQSsWBgALpNBJB/view</a:t>
+            </a:r>
+            <a:endParaRPr lang="en-US" dirty="0"/>
+          </a:p>
+        </p:txBody>
+      </p:sp>
+    </p:spTree>
+    <p:extLst>
+      <p:ext uri="{BB962C8B-B14F-4D97-AF65-F5344CB8AC3E}">
+        <p14:creationId xmlns:p14="http://schemas.microsoft.com/office/powerpoint/2010/main" val="3176027010"/>
+      </p:ext>
+    </p:extLst>
+  </p:cSld>
+  <p:clrMapOvr>
+    <a:masterClrMapping/>
+  </p:clrMapOvr>
+</p:sld>
+</file>
+
 <file path=ppt/slides/slide3.xml><?xml version="1.0" encoding="utf-8"?>
 <p:sld xmlns:a="http://schemas.openxmlformats.org/drawingml/2006/main" xmlns:r="http://schemas.openxmlformats.org/officeDocument/2006/relationships" xmlns:p="http://schemas.openxmlformats.org/presentationml/2006/main">
   <p:cSld>
@@ -39534,10 +39613,10 @@
           <p:cNvPr id="19" name="Rectangle 18">
             <a:extLst>
               <a:ext uri="{FF2B5EF4-FFF2-40B4-BE49-F238E27FC236}">
-                <a16:creationId xmlns:a16="http://schemas.microsoft.com/office/drawing/2014/main" xmlns="" id="{15911E3A-C35B-4EF7-A355-B84E9A14AF4D}"/>
+                <a16:creationId xmlns:a16="http://schemas.microsoft.com/office/drawing/2014/main" id="{15911E3A-C35B-4EF7-A355-B84E9A14AF4D}"/>
               </a:ext>
               <a:ext uri="{C183D7F6-B498-43B3-948B-1728B52AA6E4}">
-                <adec:decorative xmlns:adec="http://schemas.microsoft.com/office/drawing/2017/decorative" xmlns="" val="1"/>
+                <adec:decorative xmlns="" xmlns:adec="http://schemas.microsoft.com/office/drawing/2017/decorative" val="1"/>
               </a:ext>
             </a:extLst>
           </p:cNvPr>
@@ -39623,10 +39702,10 @@
           <p:cNvPr id="43" name="Group 20">
             <a:extLst>
               <a:ext uri="{FF2B5EF4-FFF2-40B4-BE49-F238E27FC236}">
-                <a16:creationId xmlns:a16="http://schemas.microsoft.com/office/drawing/2014/main" xmlns="" id="{E21ADB3D-AD65-44B4-847D-5E90E90A5D16}"/>
+                <a16:creationId xmlns:a16="http://schemas.microsoft.com/office/drawing/2014/main" id="{E21ADB3D-AD65-44B4-847D-5E90E90A5D16}"/>
               </a:ext>
               <a:ext uri="{C183D7F6-B498-43B3-948B-1728B52AA6E4}">
-                <adec:decorative xmlns:adec="http://schemas.microsoft.com/office/drawing/2017/decorative" xmlns="" val="1"/>
+                <adec:decorative xmlns="" xmlns:adec="http://schemas.microsoft.com/office/drawing/2017/decorative" val="1"/>
               </a:ext>
             </a:extLst>
           </p:cNvPr>
@@ -39654,10 +39733,10 @@
             <p:cNvPr id="22" name="Freeform 5">
               <a:extLst>
                 <a:ext uri="{FF2B5EF4-FFF2-40B4-BE49-F238E27FC236}">
-                  <a16:creationId xmlns:a16="http://schemas.microsoft.com/office/drawing/2014/main" xmlns="" id="{CF580C70-814C-4845-B645-919BFFBD16BA}"/>
+                  <a16:creationId xmlns:a16="http://schemas.microsoft.com/office/drawing/2014/main" id="{CF580C70-814C-4845-B645-919BFFBD16BA}"/>
                 </a:ext>
                 <a:ext uri="{C183D7F6-B498-43B3-948B-1728B52AA6E4}">
-                  <adec:decorative xmlns:adec="http://schemas.microsoft.com/office/drawing/2017/decorative" xmlns="" val="1"/>
+                  <adec:decorative xmlns="" xmlns:adec="http://schemas.microsoft.com/office/drawing/2017/decorative" val="1"/>
                 </a:ext>
               </a:extLst>
             </p:cNvPr>
@@ -39722,10 +39801,10 @@
             <p:cNvPr id="48" name="Freeform 6">
               <a:extLst>
                 <a:ext uri="{FF2B5EF4-FFF2-40B4-BE49-F238E27FC236}">
-                  <a16:creationId xmlns:a16="http://schemas.microsoft.com/office/drawing/2014/main" xmlns="" id="{34D7BF57-4CAA-45B2-9EF0-0AA1FCF70B16}"/>
+                  <a16:creationId xmlns:a16="http://schemas.microsoft.com/office/drawing/2014/main" id="{34D7BF57-4CAA-45B2-9EF0-0AA1FCF70B16}"/>
                 </a:ext>
                 <a:ext uri="{C183D7F6-B498-43B3-948B-1728B52AA6E4}">
-                  <adec:decorative xmlns:adec="http://schemas.microsoft.com/office/drawing/2017/decorative" xmlns="" val="1"/>
+                  <adec:decorative xmlns="" xmlns:adec="http://schemas.microsoft.com/office/drawing/2017/decorative" val="1"/>
                 </a:ext>
               </a:extLst>
             </p:cNvPr>
@@ -39790,10 +39869,10 @@
             <p:cNvPr id="24" name="Freeform 7">
               <a:extLst>
                 <a:ext uri="{FF2B5EF4-FFF2-40B4-BE49-F238E27FC236}">
-                  <a16:creationId xmlns:a16="http://schemas.microsoft.com/office/drawing/2014/main" xmlns="" id="{7886F306-C03A-40C6-8FD5-DCE3D4595D6D}"/>
+                  <a16:creationId xmlns:a16="http://schemas.microsoft.com/office/drawing/2014/main" id="{7886F306-C03A-40C6-8FD5-DCE3D4595D6D}"/>
                 </a:ext>
                 <a:ext uri="{C183D7F6-B498-43B3-948B-1728B52AA6E4}">
-                  <adec:decorative xmlns:adec="http://schemas.microsoft.com/office/drawing/2017/decorative" xmlns="" val="1"/>
+                  <adec:decorative xmlns="" xmlns:adec="http://schemas.microsoft.com/office/drawing/2017/decorative" val="1"/>
                 </a:ext>
               </a:extLst>
             </p:cNvPr>
@@ -39858,10 +39937,10 @@
             <p:cNvPr id="25" name="Freeform 8">
               <a:extLst>
                 <a:ext uri="{FF2B5EF4-FFF2-40B4-BE49-F238E27FC236}">
-                  <a16:creationId xmlns:a16="http://schemas.microsoft.com/office/drawing/2014/main" xmlns="" id="{2FDC9A36-C7C3-47D7-A64E-ED25C47EC704}"/>
+                  <a16:creationId xmlns:a16="http://schemas.microsoft.com/office/drawing/2014/main" id="{2FDC9A36-C7C3-47D7-A64E-ED25C47EC704}"/>
                 </a:ext>
                 <a:ext uri="{C183D7F6-B498-43B3-948B-1728B52AA6E4}">
-                  <adec:decorative xmlns:adec="http://schemas.microsoft.com/office/drawing/2017/decorative" xmlns="" val="1"/>
+                  <adec:decorative xmlns="" xmlns:adec="http://schemas.microsoft.com/office/drawing/2017/decorative" val="1"/>
                 </a:ext>
               </a:extLst>
             </p:cNvPr>
@@ -39926,10 +40005,10 @@
             <p:cNvPr id="26" name="Freeform 9">
               <a:extLst>
                 <a:ext uri="{FF2B5EF4-FFF2-40B4-BE49-F238E27FC236}">
-                  <a16:creationId xmlns:a16="http://schemas.microsoft.com/office/drawing/2014/main" xmlns="" id="{BB19BC37-158A-43DC-9A9E-E45CC71954DC}"/>
+                  <a16:creationId xmlns:a16="http://schemas.microsoft.com/office/drawing/2014/main" id="{BB19BC37-158A-43DC-9A9E-E45CC71954DC}"/>
                 </a:ext>
                 <a:ext uri="{C183D7F6-B498-43B3-948B-1728B52AA6E4}">
-                  <adec:decorative xmlns:adec="http://schemas.microsoft.com/office/drawing/2017/decorative" xmlns="" val="1"/>
+                  <adec:decorative xmlns="" xmlns:adec="http://schemas.microsoft.com/office/drawing/2017/decorative" val="1"/>
                 </a:ext>
               </a:extLst>
             </p:cNvPr>
@@ -39994,10 +40073,10 @@
             <p:cNvPr id="27" name="Freeform 10">
               <a:extLst>
                 <a:ext uri="{FF2B5EF4-FFF2-40B4-BE49-F238E27FC236}">
-                  <a16:creationId xmlns:a16="http://schemas.microsoft.com/office/drawing/2014/main" xmlns="" id="{077654CC-108F-48D5-B5E9-437F164F52A5}"/>
+                  <a16:creationId xmlns:a16="http://schemas.microsoft.com/office/drawing/2014/main" id="{077654CC-108F-48D5-B5E9-437F164F52A5}"/>
                 </a:ext>
                 <a:ext uri="{C183D7F6-B498-43B3-948B-1728B52AA6E4}">
-                  <adec:decorative xmlns:adec="http://schemas.microsoft.com/office/drawing/2017/decorative" xmlns="" val="1"/>
+                  <adec:decorative xmlns="" xmlns:adec="http://schemas.microsoft.com/office/drawing/2017/decorative" val="1"/>
                 </a:ext>
               </a:extLst>
             </p:cNvPr>
@@ -40062,10 +40141,10 @@
             <p:cNvPr id="28" name="Freeform 11">
               <a:extLst>
                 <a:ext uri="{FF2B5EF4-FFF2-40B4-BE49-F238E27FC236}">
-                  <a16:creationId xmlns:a16="http://schemas.microsoft.com/office/drawing/2014/main" xmlns="" id="{A3CF3A63-1C1E-4E85-A78A-FDC16431E3A0}"/>
+                  <a16:creationId xmlns:a16="http://schemas.microsoft.com/office/drawing/2014/main" id="{A3CF3A63-1C1E-4E85-A78A-FDC16431E3A0}"/>
                 </a:ext>
                 <a:ext uri="{C183D7F6-B498-43B3-948B-1728B52AA6E4}">
-                  <adec:decorative xmlns:adec="http://schemas.microsoft.com/office/drawing/2017/decorative" xmlns="" val="1"/>
+                  <adec:decorative xmlns="" xmlns:adec="http://schemas.microsoft.com/office/drawing/2017/decorative" val="1"/>
                 </a:ext>
               </a:extLst>
             </p:cNvPr>
@@ -40130,10 +40209,10 @@
             <p:cNvPr id="29" name="Freeform 12">
               <a:extLst>
                 <a:ext uri="{FF2B5EF4-FFF2-40B4-BE49-F238E27FC236}">
-                  <a16:creationId xmlns:a16="http://schemas.microsoft.com/office/drawing/2014/main" xmlns="" id="{8740FC9A-72DD-4D9B-BA25-1CCED1352408}"/>
+                  <a16:creationId xmlns:a16="http://schemas.microsoft.com/office/drawing/2014/main" id="{8740FC9A-72DD-4D9B-BA25-1CCED1352408}"/>
                 </a:ext>
                 <a:ext uri="{C183D7F6-B498-43B3-948B-1728B52AA6E4}">
-                  <adec:decorative xmlns:adec="http://schemas.microsoft.com/office/drawing/2017/decorative" xmlns="" val="1"/>
+                  <adec:decorative xmlns="" xmlns:adec="http://schemas.microsoft.com/office/drawing/2017/decorative" val="1"/>
                 </a:ext>
               </a:extLst>
             </p:cNvPr>
@@ -40198,10 +40277,10 @@
             <p:cNvPr id="30" name="Freeform 13">
               <a:extLst>
                 <a:ext uri="{FF2B5EF4-FFF2-40B4-BE49-F238E27FC236}">
-                  <a16:creationId xmlns:a16="http://schemas.microsoft.com/office/drawing/2014/main" xmlns="" id="{7FBF5743-F2AE-4D0D-BCD1-01F7686D012A}"/>
+                  <a16:creationId xmlns:a16="http://schemas.microsoft.com/office/drawing/2014/main" id="{7FBF5743-F2AE-4D0D-BCD1-01F7686D012A}"/>
                 </a:ext>
                 <a:ext uri="{C183D7F6-B498-43B3-948B-1728B52AA6E4}">
-                  <adec:decorative xmlns:adec="http://schemas.microsoft.com/office/drawing/2017/decorative" xmlns="" val="1"/>
+                  <adec:decorative xmlns="" xmlns:adec="http://schemas.microsoft.com/office/drawing/2017/decorative" val="1"/>
                 </a:ext>
               </a:extLst>
             </p:cNvPr>
@@ -40266,10 +40345,10 @@
             <p:cNvPr id="31" name="Freeform 14">
               <a:extLst>
                 <a:ext uri="{FF2B5EF4-FFF2-40B4-BE49-F238E27FC236}">
-                  <a16:creationId xmlns:a16="http://schemas.microsoft.com/office/drawing/2014/main" xmlns="" id="{CED32316-D4F7-4795-BBE0-DEBB60E27CE3}"/>
+                  <a16:creationId xmlns:a16="http://schemas.microsoft.com/office/drawing/2014/main" id="{CED32316-D4F7-4795-BBE0-DEBB60E27CE3}"/>
                 </a:ext>
                 <a:ext uri="{C183D7F6-B498-43B3-948B-1728B52AA6E4}">
-                  <adec:decorative xmlns:adec="http://schemas.microsoft.com/office/drawing/2017/decorative" xmlns="" val="1"/>
+                  <adec:decorative xmlns="" xmlns:adec="http://schemas.microsoft.com/office/drawing/2017/decorative" val="1"/>
                 </a:ext>
               </a:extLst>
             </p:cNvPr>
@@ -40334,10 +40413,10 @@
             <p:cNvPr id="32" name="Freeform 15">
               <a:extLst>
                 <a:ext uri="{FF2B5EF4-FFF2-40B4-BE49-F238E27FC236}">
-                  <a16:creationId xmlns:a16="http://schemas.microsoft.com/office/drawing/2014/main" xmlns="" id="{583B23C9-B9B7-4E93-9538-CBE316F83FDD}"/>
+                  <a16:creationId xmlns:a16="http://schemas.microsoft.com/office/drawing/2014/main" id="{583B23C9-B9B7-4E93-9538-CBE316F83FDD}"/>
                 </a:ext>
                 <a:ext uri="{C183D7F6-B498-43B3-948B-1728B52AA6E4}">
-                  <adec:decorative xmlns:adec="http://schemas.microsoft.com/office/drawing/2017/decorative" xmlns="" val="1"/>
+                  <adec:decorative xmlns="" xmlns:adec="http://schemas.microsoft.com/office/drawing/2017/decorative" val="1"/>
                 </a:ext>
               </a:extLst>
             </p:cNvPr>
@@ -40402,10 +40481,10 @@
             <p:cNvPr id="33" name="Freeform 16">
               <a:extLst>
                 <a:ext uri="{FF2B5EF4-FFF2-40B4-BE49-F238E27FC236}">
-                  <a16:creationId xmlns:a16="http://schemas.microsoft.com/office/drawing/2014/main" xmlns="" id="{5B144260-9F2C-4ADB-A37C-1CFB4B428B1B}"/>
+                  <a16:creationId xmlns:a16="http://schemas.microsoft.com/office/drawing/2014/main" id="{5B144260-9F2C-4ADB-A37C-1CFB4B428B1B}"/>
                 </a:ext>
                 <a:ext uri="{C183D7F6-B498-43B3-948B-1728B52AA6E4}">
-                  <adec:decorative xmlns:adec="http://schemas.microsoft.com/office/drawing/2017/decorative" xmlns="" val="1"/>
+                  <adec:decorative xmlns="" xmlns:adec="http://schemas.microsoft.com/office/drawing/2017/decorative" val="1"/>
                 </a:ext>
               </a:extLst>
             </p:cNvPr>
@@ -40470,10 +40549,10 @@
             <p:cNvPr id="34" name="Freeform 17">
               <a:extLst>
                 <a:ext uri="{FF2B5EF4-FFF2-40B4-BE49-F238E27FC236}">
-                  <a16:creationId xmlns:a16="http://schemas.microsoft.com/office/drawing/2014/main" xmlns="" id="{53FF918D-79D3-4F55-A68C-0DD5880DABDF}"/>
+                  <a16:creationId xmlns:a16="http://schemas.microsoft.com/office/drawing/2014/main" id="{53FF918D-79D3-4F55-A68C-0DD5880DABDF}"/>
                 </a:ext>
                 <a:ext uri="{C183D7F6-B498-43B3-948B-1728B52AA6E4}">
-                  <adec:decorative xmlns:adec="http://schemas.microsoft.com/office/drawing/2017/decorative" xmlns="" val="1"/>
+                  <adec:decorative xmlns="" xmlns:adec="http://schemas.microsoft.com/office/drawing/2017/decorative" val="1"/>
                 </a:ext>
               </a:extLst>
             </p:cNvPr>
@@ -40538,10 +40617,10 @@
             <p:cNvPr id="35" name="Freeform 18">
               <a:extLst>
                 <a:ext uri="{FF2B5EF4-FFF2-40B4-BE49-F238E27FC236}">
-                  <a16:creationId xmlns:a16="http://schemas.microsoft.com/office/drawing/2014/main" xmlns="" id="{B9FC1440-933F-44FE-8D77-4827DD0F99A5}"/>
+                  <a16:creationId xmlns:a16="http://schemas.microsoft.com/office/drawing/2014/main" id="{B9FC1440-933F-44FE-8D77-4827DD0F99A5}"/>
                 </a:ext>
                 <a:ext uri="{C183D7F6-B498-43B3-948B-1728B52AA6E4}">
-                  <adec:decorative xmlns:adec="http://schemas.microsoft.com/office/drawing/2017/decorative" xmlns="" val="1"/>
+                  <adec:decorative xmlns="" xmlns:adec="http://schemas.microsoft.com/office/drawing/2017/decorative" val="1"/>
                 </a:ext>
               </a:extLst>
             </p:cNvPr>
@@ -40606,10 +40685,10 @@
             <p:cNvPr id="36" name="Freeform 19">
               <a:extLst>
                 <a:ext uri="{FF2B5EF4-FFF2-40B4-BE49-F238E27FC236}">
-                  <a16:creationId xmlns:a16="http://schemas.microsoft.com/office/drawing/2014/main" xmlns="" id="{0F67F308-A67C-4D2E-B081-59BB31D8EC50}"/>
+                  <a16:creationId xmlns:a16="http://schemas.microsoft.com/office/drawing/2014/main" id="{0F67F308-A67C-4D2E-B081-59BB31D8EC50}"/>
                 </a:ext>
                 <a:ext uri="{C183D7F6-B498-43B3-948B-1728B52AA6E4}">
-                  <adec:decorative xmlns:adec="http://schemas.microsoft.com/office/drawing/2017/decorative" xmlns="" val="1"/>
+                  <adec:decorative xmlns="" xmlns:adec="http://schemas.microsoft.com/office/drawing/2017/decorative" val="1"/>
                 </a:ext>
               </a:extLst>
             </p:cNvPr>
@@ -40674,10 +40753,10 @@
             <p:cNvPr id="37" name="Freeform 20">
               <a:extLst>
                 <a:ext uri="{FF2B5EF4-FFF2-40B4-BE49-F238E27FC236}">
-                  <a16:creationId xmlns:a16="http://schemas.microsoft.com/office/drawing/2014/main" xmlns="" id="{80112F01-90EB-4AEC-A39C-5C6875FFB99B}"/>
+                  <a16:creationId xmlns:a16="http://schemas.microsoft.com/office/drawing/2014/main" id="{80112F01-90EB-4AEC-A39C-5C6875FFB99B}"/>
                 </a:ext>
                 <a:ext uri="{C183D7F6-B498-43B3-948B-1728B52AA6E4}">
-                  <adec:decorative xmlns:adec="http://schemas.microsoft.com/office/drawing/2017/decorative" xmlns="" val="1"/>
+                  <adec:decorative xmlns="" xmlns:adec="http://schemas.microsoft.com/office/drawing/2017/decorative" val="1"/>
                 </a:ext>
               </a:extLst>
             </p:cNvPr>
@@ -40742,10 +40821,10 @@
             <p:cNvPr id="38" name="Freeform 21">
               <a:extLst>
                 <a:ext uri="{FF2B5EF4-FFF2-40B4-BE49-F238E27FC236}">
-                  <a16:creationId xmlns:a16="http://schemas.microsoft.com/office/drawing/2014/main" xmlns="" id="{893F6B05-90EB-4C75-A0F0-C7247553BD81}"/>
+                  <a16:creationId xmlns:a16="http://schemas.microsoft.com/office/drawing/2014/main" id="{893F6B05-90EB-4C75-A0F0-C7247553BD81}"/>
                 </a:ext>
                 <a:ext uri="{C183D7F6-B498-43B3-948B-1728B52AA6E4}">
-                  <adec:decorative xmlns:adec="http://schemas.microsoft.com/office/drawing/2017/decorative" xmlns="" val="1"/>
+                  <adec:decorative xmlns="" xmlns:adec="http://schemas.microsoft.com/office/drawing/2017/decorative" val="1"/>
                 </a:ext>
               </a:extLst>
             </p:cNvPr>
@@ -40810,10 +40889,10 @@
             <p:cNvPr id="39" name="Freeform 22">
               <a:extLst>
                 <a:ext uri="{FF2B5EF4-FFF2-40B4-BE49-F238E27FC236}">
-                  <a16:creationId xmlns:a16="http://schemas.microsoft.com/office/drawing/2014/main" xmlns="" id="{227B563B-E0C0-4D81-966D-B5E2DBAAE8B5}"/>
+                  <a16:creationId xmlns:a16="http://schemas.microsoft.com/office/drawing/2014/main" id="{227B563B-E0C0-4D81-966D-B5E2DBAAE8B5}"/>
                 </a:ext>
                 <a:ext uri="{C183D7F6-B498-43B3-948B-1728B52AA6E4}">
-                  <adec:decorative xmlns:adec="http://schemas.microsoft.com/office/drawing/2017/decorative" xmlns="" val="1"/>
+                  <adec:decorative xmlns="" xmlns:adec="http://schemas.microsoft.com/office/drawing/2017/decorative" val="1"/>
                 </a:ext>
               </a:extLst>
             </p:cNvPr>
@@ -40878,10 +40957,10 @@
             <p:cNvPr id="40" name="Freeform 23">
               <a:extLst>
                 <a:ext uri="{FF2B5EF4-FFF2-40B4-BE49-F238E27FC236}">
-                  <a16:creationId xmlns:a16="http://schemas.microsoft.com/office/drawing/2014/main" xmlns="" id="{130DF93D-D1FF-477A-BDCE-C8B01C3B476C}"/>
+                  <a16:creationId xmlns:a16="http://schemas.microsoft.com/office/drawing/2014/main" id="{130DF93D-D1FF-477A-BDCE-C8B01C3B476C}"/>
                 </a:ext>
                 <a:ext uri="{C183D7F6-B498-43B3-948B-1728B52AA6E4}">
-                  <adec:decorative xmlns:adec="http://schemas.microsoft.com/office/drawing/2017/decorative" xmlns="" val="1"/>
+                  <adec:decorative xmlns="" xmlns:adec="http://schemas.microsoft.com/office/drawing/2017/decorative" val="1"/>
                 </a:ext>
               </a:extLst>
             </p:cNvPr>
@@ -40946,10 +41025,10 @@
             <p:cNvPr id="41" name="Freeform 24">
               <a:extLst>
                 <a:ext uri="{FF2B5EF4-FFF2-40B4-BE49-F238E27FC236}">
-                  <a16:creationId xmlns:a16="http://schemas.microsoft.com/office/drawing/2014/main" xmlns="" id="{44ED67A1-C6FE-4AC8-8473-11DAC03DCD33}"/>
+                  <a16:creationId xmlns:a16="http://schemas.microsoft.com/office/drawing/2014/main" id="{44ED67A1-C6FE-4AC8-8473-11DAC03DCD33}"/>
                 </a:ext>
                 <a:ext uri="{C183D7F6-B498-43B3-948B-1728B52AA6E4}">
-                  <adec:decorative xmlns:adec="http://schemas.microsoft.com/office/drawing/2017/decorative" xmlns="" val="1"/>
+                  <adec:decorative xmlns="" xmlns:adec="http://schemas.microsoft.com/office/drawing/2017/decorative" val="1"/>
                 </a:ext>
               </a:extLst>
             </p:cNvPr>
@@ -41014,10 +41093,10 @@
             <p:cNvPr id="42" name="Freeform 25">
               <a:extLst>
                 <a:ext uri="{FF2B5EF4-FFF2-40B4-BE49-F238E27FC236}">
-                  <a16:creationId xmlns:a16="http://schemas.microsoft.com/office/drawing/2014/main" xmlns="" id="{213A54F3-15FA-4C8F-8ABF-CE77E7219658}"/>
+                  <a16:creationId xmlns:a16="http://schemas.microsoft.com/office/drawing/2014/main" id="{213A54F3-15FA-4C8F-8ABF-CE77E7219658}"/>
                 </a:ext>
                 <a:ext uri="{C183D7F6-B498-43B3-948B-1728B52AA6E4}">
-                  <adec:decorative xmlns:adec="http://schemas.microsoft.com/office/drawing/2017/decorative" xmlns="" val="1"/>
+                  <adec:decorative xmlns="" xmlns:adec="http://schemas.microsoft.com/office/drawing/2017/decorative" val="1"/>
                 </a:ext>
               </a:extLst>
             </p:cNvPr>
@@ -41083,10 +41162,10 @@
           <p:cNvPr id="44" name="Group 43">
             <a:extLst>
               <a:ext uri="{FF2B5EF4-FFF2-40B4-BE49-F238E27FC236}">
-                <a16:creationId xmlns:a16="http://schemas.microsoft.com/office/drawing/2014/main" xmlns="" id="{5F8A7F7F-DD1A-4F41-98AC-B9CE2A620CDC}"/>
+                <a16:creationId xmlns:a16="http://schemas.microsoft.com/office/drawing/2014/main" id="{5F8A7F7F-DD1A-4F41-98AC-B9CE2A620CDC}"/>
               </a:ext>
               <a:ext uri="{C183D7F6-B498-43B3-948B-1728B52AA6E4}">
-                <adec:decorative xmlns:adec="http://schemas.microsoft.com/office/drawing/2017/decorative" xmlns="" val="1"/>
+                <adec:decorative xmlns="" xmlns:adec="http://schemas.microsoft.com/office/drawing/2017/decorative" val="1"/>
               </a:ext>
             </a:extLst>
           </p:cNvPr>
@@ -41114,10 +41193,10 @@
             <p:cNvPr id="45" name="Rectangle 44">
               <a:extLst>
                 <a:ext uri="{FF2B5EF4-FFF2-40B4-BE49-F238E27FC236}">
-                  <a16:creationId xmlns:a16="http://schemas.microsoft.com/office/drawing/2014/main" xmlns="" id="{CEF47228-EB7C-4EBA-BE01-DA6CB2410289}"/>
+                  <a16:creationId xmlns:a16="http://schemas.microsoft.com/office/drawing/2014/main" id="{CEF47228-EB7C-4EBA-BE01-DA6CB2410289}"/>
                 </a:ext>
                 <a:ext uri="{C183D7F6-B498-43B3-948B-1728B52AA6E4}">
-                  <adec:decorative xmlns:adec="http://schemas.microsoft.com/office/drawing/2017/decorative" xmlns="" val="1"/>
+                  <adec:decorative xmlns="" xmlns:adec="http://schemas.microsoft.com/office/drawing/2017/decorative" val="1"/>
                 </a:ext>
               </a:extLst>
             </p:cNvPr>
@@ -41167,10 +41246,10 @@
             <p:cNvPr id="46" name="Isosceles Triangle 22">
               <a:extLst>
                 <a:ext uri="{FF2B5EF4-FFF2-40B4-BE49-F238E27FC236}">
-                  <a16:creationId xmlns:a16="http://schemas.microsoft.com/office/drawing/2014/main" xmlns="" id="{3D2FD25A-EFFD-4F5C-9258-981F5907DE21}"/>
+                  <a16:creationId xmlns:a16="http://schemas.microsoft.com/office/drawing/2014/main" id="{3D2FD25A-EFFD-4F5C-9258-981F5907DE21}"/>
                 </a:ext>
                 <a:ext uri="{C183D7F6-B498-43B3-948B-1728B52AA6E4}">
-                  <adec:decorative xmlns:adec="http://schemas.microsoft.com/office/drawing/2017/decorative" xmlns="" val="1"/>
+                  <adec:decorative xmlns="" xmlns:adec="http://schemas.microsoft.com/office/drawing/2017/decorative" val="1"/>
                 </a:ext>
               </a:extLst>
             </p:cNvPr>
@@ -41220,10 +41299,10 @@
             <p:cNvPr id="47" name="Rectangle 46">
               <a:extLst>
                 <a:ext uri="{FF2B5EF4-FFF2-40B4-BE49-F238E27FC236}">
-                  <a16:creationId xmlns:a16="http://schemas.microsoft.com/office/drawing/2014/main" xmlns="" id="{DCF573BC-A06F-4036-A3A8-9D07DDE62253}"/>
+                  <a16:creationId xmlns:a16="http://schemas.microsoft.com/office/drawing/2014/main" id="{DCF573BC-A06F-4036-A3A8-9D07DDE62253}"/>
                 </a:ext>
                 <a:ext uri="{C183D7F6-B498-43B3-948B-1728B52AA6E4}">
-                  <adec:decorative xmlns:adec="http://schemas.microsoft.com/office/drawing/2017/decorative" xmlns="" val="1"/>
+                  <adec:decorative xmlns="" xmlns:adec="http://schemas.microsoft.com/office/drawing/2017/decorative" val="1"/>
                 </a:ext>
               </a:extLst>
             </p:cNvPr>
@@ -41405,10 +41484,10 @@
           <p:cNvPr id="49" name="Rectangle 48">
             <a:extLst>
               <a:ext uri="{FF2B5EF4-FFF2-40B4-BE49-F238E27FC236}">
-                <a16:creationId xmlns:a16="http://schemas.microsoft.com/office/drawing/2014/main" xmlns="" id="{4351DFE5-F63D-4BE0-BDA9-E3EB88F01AA5}"/>
+                <a16:creationId xmlns:a16="http://schemas.microsoft.com/office/drawing/2014/main" id="{4351DFE5-F63D-4BE0-BDA9-E3EB88F01AA5}"/>
               </a:ext>
               <a:ext uri="{C183D7F6-B498-43B3-948B-1728B52AA6E4}">
-                <adec:decorative xmlns:adec="http://schemas.microsoft.com/office/drawing/2017/decorative" xmlns="" val="1"/>
+                <adec:decorative xmlns="" xmlns:adec="http://schemas.microsoft.com/office/drawing/2017/decorative" val="1"/>
               </a:ext>
             </a:extLst>
           </p:cNvPr>
@@ -41490,10 +41569,10 @@
           <p:cNvPr id="51" name="Picture 50">
             <a:extLst>
               <a:ext uri="{FF2B5EF4-FFF2-40B4-BE49-F238E27FC236}">
-                <a16:creationId xmlns:a16="http://schemas.microsoft.com/office/drawing/2014/main" xmlns="" id="{3AA16612-ACD2-4A16-8F2B-4514FD6BF28F}"/>
+                <a16:creationId xmlns:a16="http://schemas.microsoft.com/office/drawing/2014/main" id="{3AA16612-ACD2-4A16-8F2B-4514FD6BF28F}"/>
               </a:ext>
               <a:ext uri="{C183D7F6-B498-43B3-948B-1728B52AA6E4}">
-                <adec:decorative xmlns:adec="http://schemas.microsoft.com/office/drawing/2017/decorative" xmlns="" val="1"/>
+                <adec:decorative xmlns="" xmlns:adec="http://schemas.microsoft.com/office/drawing/2017/decorative" val="1"/>
               </a:ext>
             </a:extLst>
           </p:cNvPr>
@@ -41656,10 +41735,10 @@
           <p:cNvPr id="10" name="Freeform: Shape 9">
             <a:extLst>
               <a:ext uri="{FF2B5EF4-FFF2-40B4-BE49-F238E27FC236}">
-                <a16:creationId xmlns:a16="http://schemas.microsoft.com/office/drawing/2014/main" xmlns="" id="{46C2E80F-49A6-4372-B103-219D417A55ED}"/>
+                <a16:creationId xmlns:a16="http://schemas.microsoft.com/office/drawing/2014/main" id="{46C2E80F-49A6-4372-B103-219D417A55ED}"/>
               </a:ext>
               <a:ext uri="{C183D7F6-B498-43B3-948B-1728B52AA6E4}">
-                <adec:decorative xmlns:adec="http://schemas.microsoft.com/office/drawing/2017/decorative" xmlns="" val="1"/>
+                <adec:decorative xmlns="" xmlns:adec="http://schemas.microsoft.com/office/drawing/2017/decorative" val="1"/>
               </a:ext>
             </a:extLst>
           </p:cNvPr>
@@ -42170,7 +42249,7 @@
           <p:cNvPr id="5" name="Content Placeholder 2">
             <a:extLst>
               <a:ext uri="{FF2B5EF4-FFF2-40B4-BE49-F238E27FC236}">
-                <a16:creationId xmlns:a16="http://schemas.microsoft.com/office/drawing/2014/main" xmlns="" id="{AA295227-179E-4A79-9082-4F22C8545C35}"/>
+                <a16:creationId xmlns:a16="http://schemas.microsoft.com/office/drawing/2014/main" id="{AA295227-179E-4A79-9082-4F22C8545C35}"/>
               </a:ext>
             </a:extLst>
           </p:cNvPr>
@@ -42239,10 +42318,10 @@
           <p:cNvPr id="9" name="Rectangle 8">
             <a:extLst>
               <a:ext uri="{FF2B5EF4-FFF2-40B4-BE49-F238E27FC236}">
-                <a16:creationId xmlns:a16="http://schemas.microsoft.com/office/drawing/2014/main" xmlns="" id="{72257994-BD97-4691-8B89-198A6D2BABDC}"/>
+                <a16:creationId xmlns:a16="http://schemas.microsoft.com/office/drawing/2014/main" id="{72257994-BD97-4691-8B89-198A6D2BABDC}"/>
               </a:ext>
               <a:ext uri="{C183D7F6-B498-43B3-948B-1728B52AA6E4}">
-                <adec:decorative xmlns:adec="http://schemas.microsoft.com/office/drawing/2017/decorative" xmlns="" val="1"/>
+                <adec:decorative xmlns="" xmlns:adec="http://schemas.microsoft.com/office/drawing/2017/decorative" val="1"/>
               </a:ext>
             </a:extLst>
           </p:cNvPr>
@@ -42358,7 +42437,7 @@
           <p:cNvPr id="5" name="Content Placeholder 5">
             <a:extLst>
               <a:ext uri="{FF2B5EF4-FFF2-40B4-BE49-F238E27FC236}">
-                <a16:creationId xmlns:a16="http://schemas.microsoft.com/office/drawing/2014/main" xmlns="" id="{14801CB8-2571-4EAA-B02E-5570824E3F83}"/>
+                <a16:creationId xmlns:a16="http://schemas.microsoft.com/office/drawing/2014/main" id="{14801CB8-2571-4EAA-B02E-5570824E3F83}"/>
               </a:ext>
             </a:extLst>
           </p:cNvPr>
@@ -42388,14 +42467,14 @@
                 <a:gridCol w="5255024">
                   <a:extLst>
                     <a:ext uri="{9D8B030D-6E8A-4147-A177-3AD203B41FA5}">
-                      <a16:colId xmlns:a16="http://schemas.microsoft.com/office/drawing/2014/main" xmlns="" val="20000"/>
+                      <a16:colId xmlns:a16="http://schemas.microsoft.com/office/drawing/2014/main" val="20000"/>
                     </a:ext>
                   </a:extLst>
                 </a:gridCol>
                 <a:gridCol w="5255024">
                   <a:extLst>
                     <a:ext uri="{9D8B030D-6E8A-4147-A177-3AD203B41FA5}">
-                      <a16:colId xmlns:a16="http://schemas.microsoft.com/office/drawing/2014/main" xmlns="" val="20001"/>
+                      <a16:colId xmlns:a16="http://schemas.microsoft.com/office/drawing/2014/main" val="20001"/>
                     </a:ext>
                   </a:extLst>
                 </a:gridCol>
@@ -42432,7 +42511,7 @@
                 </a:tc>
                 <a:extLst>
                   <a:ext uri="{0D108BD9-81ED-4DB2-BD59-A6C34878D82A}">
-                    <a16:rowId xmlns:a16="http://schemas.microsoft.com/office/drawing/2014/main" xmlns="" val="10000"/>
+                    <a16:rowId xmlns:a16="http://schemas.microsoft.com/office/drawing/2014/main" val="10000"/>
                   </a:ext>
                 </a:extLst>
               </a:tr>
@@ -42470,7 +42549,7 @@
                 </a:tc>
                 <a:extLst>
                   <a:ext uri="{0D108BD9-81ED-4DB2-BD59-A6C34878D82A}">
-                    <a16:rowId xmlns:a16="http://schemas.microsoft.com/office/drawing/2014/main" xmlns="" val="10001"/>
+                    <a16:rowId xmlns:a16="http://schemas.microsoft.com/office/drawing/2014/main" val="10001"/>
                   </a:ext>
                 </a:extLst>
               </a:tr>
@@ -42523,7 +42602,7 @@
                 </a:tc>
                 <a:extLst>
                   <a:ext uri="{0D108BD9-81ED-4DB2-BD59-A6C34878D82A}">
-                    <a16:rowId xmlns:a16="http://schemas.microsoft.com/office/drawing/2014/main" xmlns="" val="10002"/>
+                    <a16:rowId xmlns:a16="http://schemas.microsoft.com/office/drawing/2014/main" val="10002"/>
                   </a:ext>
                 </a:extLst>
               </a:tr>
@@ -42576,7 +42655,7 @@
                 </a:tc>
                 <a:extLst>
                   <a:ext uri="{0D108BD9-81ED-4DB2-BD59-A6C34878D82A}">
-                    <a16:rowId xmlns:a16="http://schemas.microsoft.com/office/drawing/2014/main" xmlns="" val="10003"/>
+                    <a16:rowId xmlns:a16="http://schemas.microsoft.com/office/drawing/2014/main" val="10003"/>
                   </a:ext>
                 </a:extLst>
               </a:tr>
@@ -42606,7 +42685,7 @@
                 </a:tc>
                 <a:extLst>
                   <a:ext uri="{0D108BD9-81ED-4DB2-BD59-A6C34878D82A}">
-                    <a16:rowId xmlns:a16="http://schemas.microsoft.com/office/drawing/2014/main" xmlns="" val="10004"/>
+                    <a16:rowId xmlns:a16="http://schemas.microsoft.com/office/drawing/2014/main" val="10004"/>
                   </a:ext>
                 </a:extLst>
               </a:tr>
@@ -42657,10 +42736,10 @@
           <p:cNvPr id="9" name="Rectangle 8">
             <a:extLst>
               <a:ext uri="{FF2B5EF4-FFF2-40B4-BE49-F238E27FC236}">
-                <a16:creationId xmlns:a16="http://schemas.microsoft.com/office/drawing/2014/main" xmlns="" id="{72257994-BD97-4691-8B89-198A6D2BABDC}"/>
+                <a16:creationId xmlns:a16="http://schemas.microsoft.com/office/drawing/2014/main" id="{72257994-BD97-4691-8B89-198A6D2BABDC}"/>
               </a:ext>
               <a:ext uri="{C183D7F6-B498-43B3-948B-1728B52AA6E4}">
-                <adec:decorative xmlns:adec="http://schemas.microsoft.com/office/drawing/2017/decorative" xmlns="" val="1"/>
+                <adec:decorative xmlns="" xmlns:adec="http://schemas.microsoft.com/office/drawing/2017/decorative" val="1"/>
               </a:ext>
             </a:extLst>
           </p:cNvPr>
@@ -42800,14 +42879,14 @@
                 <a:gridCol w="5411457">
                   <a:extLst>
                     <a:ext uri="{9D8B030D-6E8A-4147-A177-3AD203B41FA5}">
-                      <a16:colId xmlns:a16="http://schemas.microsoft.com/office/drawing/2014/main" xmlns="" val="20000"/>
+                      <a16:colId xmlns:a16="http://schemas.microsoft.com/office/drawing/2014/main" val="20000"/>
                     </a:ext>
                   </a:extLst>
                 </a:gridCol>
                 <a:gridCol w="5518332">
                   <a:extLst>
                     <a:ext uri="{9D8B030D-6E8A-4147-A177-3AD203B41FA5}">
-                      <a16:colId xmlns:a16="http://schemas.microsoft.com/office/drawing/2014/main" xmlns="" val="20001"/>
+                      <a16:colId xmlns:a16="http://schemas.microsoft.com/office/drawing/2014/main" val="20001"/>
                     </a:ext>
                   </a:extLst>
                 </a:gridCol>
@@ -42844,7 +42923,7 @@
                 </a:tc>
                 <a:extLst>
                   <a:ext uri="{0D108BD9-81ED-4DB2-BD59-A6C34878D82A}">
-                    <a16:rowId xmlns:a16="http://schemas.microsoft.com/office/drawing/2014/main" xmlns="" val="10000"/>
+                    <a16:rowId xmlns:a16="http://schemas.microsoft.com/office/drawing/2014/main" val="10000"/>
                   </a:ext>
                 </a:extLst>
               </a:tr>
@@ -42882,7 +42961,7 @@
                 </a:tc>
                 <a:extLst>
                   <a:ext uri="{0D108BD9-81ED-4DB2-BD59-A6C34878D82A}">
-                    <a16:rowId xmlns:a16="http://schemas.microsoft.com/office/drawing/2014/main" xmlns="" val="10001"/>
+                    <a16:rowId xmlns:a16="http://schemas.microsoft.com/office/drawing/2014/main" val="10001"/>
                   </a:ext>
                 </a:extLst>
               </a:tr>
@@ -42932,7 +43011,7 @@
                 </a:tc>
                 <a:extLst>
                   <a:ext uri="{0D108BD9-81ED-4DB2-BD59-A6C34878D82A}">
-                    <a16:rowId xmlns:a16="http://schemas.microsoft.com/office/drawing/2014/main" xmlns="" val="10002"/>
+                    <a16:rowId xmlns:a16="http://schemas.microsoft.com/office/drawing/2014/main" val="10002"/>
                   </a:ext>
                 </a:extLst>
               </a:tr>
@@ -42983,7 +43062,7 @@
                 </a:tc>
                 <a:extLst>
                   <a:ext uri="{0D108BD9-81ED-4DB2-BD59-A6C34878D82A}">
-                    <a16:rowId xmlns:a16="http://schemas.microsoft.com/office/drawing/2014/main" xmlns="" val="10003"/>
+                    <a16:rowId xmlns:a16="http://schemas.microsoft.com/office/drawing/2014/main" val="10003"/>
                   </a:ext>
                 </a:extLst>
               </a:tr>
@@ -43016,7 +43095,7 @@
                 </a:tc>
                 <a:extLst>
                   <a:ext uri="{0D108BD9-81ED-4DB2-BD59-A6C34878D82A}">
-                    <a16:rowId xmlns:a16="http://schemas.microsoft.com/office/drawing/2014/main" xmlns="" val="10004"/>
+                    <a16:rowId xmlns:a16="http://schemas.microsoft.com/office/drawing/2014/main" val="10004"/>
                   </a:ext>
                 </a:extLst>
               </a:tr>
@@ -43067,10 +43146,10 @@
           <p:cNvPr id="10" name="Freeform: Shape 9">
             <a:extLst>
               <a:ext uri="{FF2B5EF4-FFF2-40B4-BE49-F238E27FC236}">
-                <a16:creationId xmlns:a16="http://schemas.microsoft.com/office/drawing/2014/main" xmlns="" id="{46C2E80F-49A6-4372-B103-219D417A55ED}"/>
+                <a16:creationId xmlns:a16="http://schemas.microsoft.com/office/drawing/2014/main" id="{46C2E80F-49A6-4372-B103-219D417A55ED}"/>
               </a:ext>
               <a:ext uri="{C183D7F6-B498-43B3-948B-1728B52AA6E4}">
-                <adec:decorative xmlns:adec="http://schemas.microsoft.com/office/drawing/2017/decorative" xmlns="" val="1"/>
+                <adec:decorative xmlns="" xmlns:adec="http://schemas.microsoft.com/office/drawing/2017/decorative" val="1"/>
               </a:ext>
             </a:extLst>
           </p:cNvPr>
@@ -43581,7 +43660,7 @@
           <p:cNvPr id="5" name="Content Placeholder 2">
             <a:extLst>
               <a:ext uri="{FF2B5EF4-FFF2-40B4-BE49-F238E27FC236}">
-                <a16:creationId xmlns:a16="http://schemas.microsoft.com/office/drawing/2014/main" xmlns="" id="{6006D14B-A7DC-45A2-A500-F0D518118035}"/>
+                <a16:creationId xmlns:a16="http://schemas.microsoft.com/office/drawing/2014/main" id="{6006D14B-A7DC-45A2-A500-F0D518118035}"/>
               </a:ext>
             </a:extLst>
           </p:cNvPr>
@@ -43650,10 +43729,10 @@
           <p:cNvPr id="24" name="Freeform: Shape 21">
             <a:extLst>
               <a:ext uri="{FF2B5EF4-FFF2-40B4-BE49-F238E27FC236}">
-                <a16:creationId xmlns:a16="http://schemas.microsoft.com/office/drawing/2014/main" xmlns="" id="{46C2E80F-49A6-4372-B103-219D417A55ED}"/>
+                <a16:creationId xmlns:a16="http://schemas.microsoft.com/office/drawing/2014/main" id="{46C2E80F-49A6-4372-B103-219D417A55ED}"/>
               </a:ext>
               <a:ext uri="{C183D7F6-B498-43B3-948B-1728B52AA6E4}">
-                <adec:decorative xmlns:adec="http://schemas.microsoft.com/office/drawing/2017/decorative" xmlns="" val="1"/>
+                <adec:decorative xmlns="" xmlns:adec="http://schemas.microsoft.com/office/drawing/2017/decorative" val="1"/>
               </a:ext>
             </a:extLst>
           </p:cNvPr>
@@ -44131,7 +44210,7 @@
           <p:cNvPr id="2" name="Diagram 1">
             <a:extLst>
               <a:ext uri="{FF2B5EF4-FFF2-40B4-BE49-F238E27FC236}">
-                <a16:creationId xmlns:a16="http://schemas.microsoft.com/office/drawing/2014/main" xmlns="" id="{EEF9AD42-46BB-41CC-9817-B9E7ABAE12B6}"/>
+                <a16:creationId xmlns:a16="http://schemas.microsoft.com/office/drawing/2014/main" id="{EEF9AD42-46BB-41CC-9817-B9E7ABAE12B6}"/>
               </a:ext>
             </a:extLst>
           </p:cNvPr>
